--- a/1_Presentaciones/Sesion_2_Teoría.pptx
+++ b/1_Presentaciones/Sesion_2_Teoría.pptx
@@ -6,7 +6,7 @@
     <p:sldMasterId id="2147483660" r:id="rId2"/>
   </p:sldMasterIdLst>
   <p:notesMasterIdLst>
-    <p:notesMasterId r:id="rId39"/>
+    <p:notesMasterId r:id="rId48"/>
   </p:notesMasterIdLst>
   <p:sldIdLst>
     <p:sldId id="257" r:id="rId3"/>
@@ -17,37 +17,46 @@
     <p:sldId id="263" r:id="rId8"/>
     <p:sldId id="287" r:id="rId9"/>
     <p:sldId id="286" r:id="rId10"/>
-    <p:sldId id="260" r:id="rId11"/>
-    <p:sldId id="266" r:id="rId12"/>
-    <p:sldId id="288" r:id="rId13"/>
-    <p:sldId id="265" r:id="rId14"/>
-    <p:sldId id="267" r:id="rId15"/>
-    <p:sldId id="268" r:id="rId16"/>
-    <p:sldId id="289" r:id="rId17"/>
-    <p:sldId id="291" r:id="rId18"/>
-    <p:sldId id="271" r:id="rId19"/>
-    <p:sldId id="272" r:id="rId20"/>
-    <p:sldId id="293" r:id="rId21"/>
-    <p:sldId id="292" r:id="rId22"/>
-    <p:sldId id="297" r:id="rId23"/>
-    <p:sldId id="294" r:id="rId24"/>
-    <p:sldId id="295" r:id="rId25"/>
-    <p:sldId id="270" r:id="rId26"/>
-    <p:sldId id="274" r:id="rId27"/>
-    <p:sldId id="276" r:id="rId28"/>
-    <p:sldId id="277" r:id="rId29"/>
-    <p:sldId id="278" r:id="rId30"/>
-    <p:sldId id="298" r:id="rId31"/>
-    <p:sldId id="299" r:id="rId32"/>
-    <p:sldId id="279" r:id="rId33"/>
-    <p:sldId id="300" r:id="rId34"/>
-    <p:sldId id="280" r:id="rId35"/>
-    <p:sldId id="283" r:id="rId36"/>
-    <p:sldId id="284" r:id="rId37"/>
-    <p:sldId id="285" r:id="rId38"/>
+    <p:sldId id="301" r:id="rId11"/>
+    <p:sldId id="260" r:id="rId12"/>
+    <p:sldId id="266" r:id="rId13"/>
+    <p:sldId id="288" r:id="rId14"/>
+    <p:sldId id="265" r:id="rId15"/>
+    <p:sldId id="267" r:id="rId16"/>
+    <p:sldId id="268" r:id="rId17"/>
+    <p:sldId id="289" r:id="rId18"/>
+    <p:sldId id="302" r:id="rId19"/>
+    <p:sldId id="303" r:id="rId20"/>
+    <p:sldId id="291" r:id="rId21"/>
+    <p:sldId id="271" r:id="rId22"/>
+    <p:sldId id="272" r:id="rId23"/>
+    <p:sldId id="293" r:id="rId24"/>
+    <p:sldId id="292" r:id="rId25"/>
+    <p:sldId id="297" r:id="rId26"/>
+    <p:sldId id="294" r:id="rId27"/>
+    <p:sldId id="295" r:id="rId28"/>
+    <p:sldId id="270" r:id="rId29"/>
+    <p:sldId id="274" r:id="rId30"/>
+    <p:sldId id="276" r:id="rId31"/>
+    <p:sldId id="277" r:id="rId32"/>
+    <p:sldId id="278" r:id="rId33"/>
+    <p:sldId id="298" r:id="rId34"/>
+    <p:sldId id="299" r:id="rId35"/>
+    <p:sldId id="305" r:id="rId36"/>
+    <p:sldId id="279" r:id="rId37"/>
+    <p:sldId id="300" r:id="rId38"/>
+    <p:sldId id="280" r:id="rId39"/>
+    <p:sldId id="283" r:id="rId40"/>
+    <p:sldId id="284" r:id="rId41"/>
+    <p:sldId id="304" r:id="rId42"/>
+    <p:sldId id="307" r:id="rId43"/>
+    <p:sldId id="306" r:id="rId44"/>
+    <p:sldId id="308" r:id="rId45"/>
+    <p:sldId id="309" r:id="rId46"/>
+    <p:sldId id="285" r:id="rId47"/>
   </p:sldIdLst>
   <p:sldSz cx="12192000" cy="6858000"/>
-  <p:notesSz cx="6858000" cy="9144000"/>
+  <p:notesSz cx="6797675" cy="9874250"/>
   <p:defaultTextStyle>
     <a:defPPr>
       <a:defRPr lang="es-ES"/>
@@ -161,6 +170,14 @@
     </p:extLst>
   </p:cmAuthor>
 </p:cmAuthorLst>
+</file>
+
+<file path=ppt/revisionInfo.xml><?xml version="1.0" encoding="utf-8"?>
+<p1510:revInfo xmlns:a="http://schemas.openxmlformats.org/drawingml/2006/main" xmlns:r="http://schemas.openxmlformats.org/officeDocument/2006/relationships" xmlns:p1510="http://schemas.microsoft.com/office/powerpoint/2015/10/main">
+  <p1510:revLst>
+    <p1510:client id="{1539AAE4-97A8-489E-A347-78819E85E291}" v="48" dt="2021-11-15T16:09:53.478"/>
+  </p1510:revLst>
+</p1510:revInfo>
 </file>
 
 <file path=ppt/diagrams/colors1.xml><?xml version="1.0" encoding="utf-8"?>
@@ -1679,10 +1696,9 @@
         <a:lstStyle/>
         <a:p>
           <a:r>
-            <a:rPr lang="es-ES" dirty="0" smtClean="0"/>
+            <a:rPr lang="es-ES" dirty="0"/>
             <a:t>Variable 1</a:t>
           </a:r>
-          <a:endParaRPr lang="es-ES" dirty="0"/>
         </a:p>
       </dgm:t>
     </dgm:pt>
@@ -1716,10 +1732,9 @@
         <a:lstStyle/>
         <a:p>
           <a:r>
-            <a:rPr lang="es-ES" dirty="0" smtClean="0"/>
+            <a:rPr lang="es-ES" dirty="0"/>
             <a:t>Variable 2</a:t>
           </a:r>
-          <a:endParaRPr lang="es-ES" dirty="0"/>
         </a:p>
       </dgm:t>
     </dgm:pt>
@@ -1753,10 +1768,9 @@
         <a:lstStyle/>
         <a:p>
           <a:r>
-            <a:rPr lang="es-ES" dirty="0" smtClean="0"/>
+            <a:rPr lang="es-ES" dirty="0"/>
             <a:t>Variable 500</a:t>
           </a:r>
-          <a:endParaRPr lang="es-ES" dirty="0"/>
         </a:p>
       </dgm:t>
     </dgm:pt>
@@ -1792,13 +1806,6 @@
         </dgm:presLayoutVars>
       </dgm:prSet>
       <dgm:spPr/>
-      <dgm:t>
-        <a:bodyPr/>
-        <a:lstStyle/>
-        <a:p>
-          <a:endParaRPr lang="es-ES"/>
-        </a:p>
-      </dgm:t>
     </dgm:pt>
     <dgm:pt modelId="{7F7D3B95-253F-4B4F-BCFD-D35D607C230E}" type="pres">
       <dgm:prSet presAssocID="{213D1B2A-CB4D-44E4-A589-82FC9AF5D444}" presName="composite" presStyleCnt="0"/>
@@ -1813,13 +1820,6 @@
         </dgm:presLayoutVars>
       </dgm:prSet>
       <dgm:spPr/>
-      <dgm:t>
-        <a:bodyPr/>
-        <a:lstStyle/>
-        <a:p>
-          <a:endParaRPr lang="es-ES"/>
-        </a:p>
-      </dgm:t>
     </dgm:pt>
     <dgm:pt modelId="{A2C89294-B25F-4F3A-A695-ED9266DE1274}" type="pres">
       <dgm:prSet presAssocID="{213D1B2A-CB4D-44E4-A589-82FC9AF5D444}" presName="Childtext1" presStyleLbl="revTx" presStyleIdx="0" presStyleCnt="3">
@@ -1830,13 +1830,6 @@
         </dgm:presLayoutVars>
       </dgm:prSet>
       <dgm:spPr/>
-      <dgm:t>
-        <a:bodyPr/>
-        <a:lstStyle/>
-        <a:p>
-          <a:endParaRPr lang="es-ES"/>
-        </a:p>
-      </dgm:t>
     </dgm:pt>
     <dgm:pt modelId="{4DA3EC90-8BD3-48B1-BD49-1E8C3A381222}" type="pres">
       <dgm:prSet presAssocID="{213D1B2A-CB4D-44E4-A589-82FC9AF5D444}" presName="BalanceSpacing" presStyleCnt="0"/>
@@ -1849,13 +1842,6 @@
     <dgm:pt modelId="{3D8C6866-C7C0-4C7B-B21D-C78C004B095B}" type="pres">
       <dgm:prSet presAssocID="{933A3F55-5180-450C-B12D-1E09AC6A68D4}" presName="Accent1Text" presStyleLbl="node1" presStyleIdx="1" presStyleCnt="6"/>
       <dgm:spPr/>
-      <dgm:t>
-        <a:bodyPr/>
-        <a:lstStyle/>
-        <a:p>
-          <a:endParaRPr lang="es-ES"/>
-        </a:p>
-      </dgm:t>
     </dgm:pt>
     <dgm:pt modelId="{A50EF280-6905-4966-A350-E583E7FFE5DA}" type="pres">
       <dgm:prSet presAssocID="{933A3F55-5180-450C-B12D-1E09AC6A68D4}" presName="spaceBetweenRectangles" presStyleCnt="0"/>
@@ -1874,13 +1860,6 @@
         </dgm:presLayoutVars>
       </dgm:prSet>
       <dgm:spPr/>
-      <dgm:t>
-        <a:bodyPr/>
-        <a:lstStyle/>
-        <a:p>
-          <a:endParaRPr lang="es-ES"/>
-        </a:p>
-      </dgm:t>
     </dgm:pt>
     <dgm:pt modelId="{D318138F-F9E9-4F8B-9E38-1AB50D362E44}" type="pres">
       <dgm:prSet presAssocID="{E3F8A972-8AEE-48C1-B963-28E6C2E271CD}" presName="Childtext1" presStyleLbl="revTx" presStyleIdx="1" presStyleCnt="3">
@@ -1891,13 +1870,6 @@
         </dgm:presLayoutVars>
       </dgm:prSet>
       <dgm:spPr/>
-      <dgm:t>
-        <a:bodyPr/>
-        <a:lstStyle/>
-        <a:p>
-          <a:endParaRPr lang="es-ES"/>
-        </a:p>
-      </dgm:t>
     </dgm:pt>
     <dgm:pt modelId="{3DD2BC62-0FA0-4164-90F6-610D29DA2809}" type="pres">
       <dgm:prSet presAssocID="{E3F8A972-8AEE-48C1-B963-28E6C2E271CD}" presName="BalanceSpacing" presStyleCnt="0"/>
@@ -1910,13 +1882,6 @@
     <dgm:pt modelId="{5A74A02E-D6A2-4176-BF7E-344F893B4550}" type="pres">
       <dgm:prSet presAssocID="{B05EF770-3364-4970-A096-5433A4684076}" presName="Accent1Text" presStyleLbl="node1" presStyleIdx="3" presStyleCnt="6"/>
       <dgm:spPr/>
-      <dgm:t>
-        <a:bodyPr/>
-        <a:lstStyle/>
-        <a:p>
-          <a:endParaRPr lang="es-ES"/>
-        </a:p>
-      </dgm:t>
     </dgm:pt>
     <dgm:pt modelId="{BEBFD4D1-BF31-4642-9C3B-DCF29A9BD032}" type="pres">
       <dgm:prSet presAssocID="{B05EF770-3364-4970-A096-5433A4684076}" presName="spaceBetweenRectangles" presStyleCnt="0"/>
@@ -1935,13 +1900,6 @@
         </dgm:presLayoutVars>
       </dgm:prSet>
       <dgm:spPr/>
-      <dgm:t>
-        <a:bodyPr/>
-        <a:lstStyle/>
-        <a:p>
-          <a:endParaRPr lang="es-ES"/>
-        </a:p>
-      </dgm:t>
     </dgm:pt>
     <dgm:pt modelId="{CA539E91-CEB3-4441-8411-52C1655490DF}" type="pres">
       <dgm:prSet presAssocID="{040FD2B4-4DBC-4D6C-9631-4B059FECB3EC}" presName="Childtext1" presStyleLbl="revTx" presStyleIdx="2" presStyleCnt="3">
@@ -1952,13 +1910,6 @@
         </dgm:presLayoutVars>
       </dgm:prSet>
       <dgm:spPr/>
-      <dgm:t>
-        <a:bodyPr/>
-        <a:lstStyle/>
-        <a:p>
-          <a:endParaRPr lang="es-ES"/>
-        </a:p>
-      </dgm:t>
     </dgm:pt>
     <dgm:pt modelId="{F0B9C51F-2C75-408E-B3ED-76E557B64381}" type="pres">
       <dgm:prSet presAssocID="{040FD2B4-4DBC-4D6C-9631-4B059FECB3EC}" presName="BalanceSpacing" presStyleCnt="0"/>
@@ -1971,25 +1922,18 @@
     <dgm:pt modelId="{EED77597-4C76-47CE-A861-BB8DCEE844C7}" type="pres">
       <dgm:prSet presAssocID="{B318EDA4-DE76-4630-9036-D48E3CD17A03}" presName="Accent1Text" presStyleLbl="node1" presStyleIdx="5" presStyleCnt="6"/>
       <dgm:spPr/>
-      <dgm:t>
-        <a:bodyPr/>
-        <a:lstStyle/>
-        <a:p>
-          <a:endParaRPr lang="es-ES"/>
-        </a:p>
-      </dgm:t>
     </dgm:pt>
   </dgm:ptLst>
   <dgm:cxnLst>
+    <dgm:cxn modelId="{ACC15314-58B7-4AED-AE68-5FF11259A273}" srcId="{767B15C9-80AC-4DB3-A041-BEAA113AC36E}" destId="{040FD2B4-4DBC-4D6C-9631-4B059FECB3EC}" srcOrd="2" destOrd="0" parTransId="{3EE26235-E9CC-4D13-ABEE-CA81A212DE2C}" sibTransId="{B318EDA4-DE76-4630-9036-D48E3CD17A03}"/>
+    <dgm:cxn modelId="{9F107627-45C7-4822-8942-9CE5AFFBBFA8}" type="presOf" srcId="{E3F8A972-8AEE-48C1-B963-28E6C2E271CD}" destId="{072E9FC9-2551-4ECE-880C-3B6CD815F7E5}" srcOrd="0" destOrd="0" presId="urn:microsoft.com/office/officeart/2008/layout/AlternatingHexagons"/>
+    <dgm:cxn modelId="{3E765C36-EA7C-4616-B261-A5CB261C5039}" srcId="{767B15C9-80AC-4DB3-A041-BEAA113AC36E}" destId="{213D1B2A-CB4D-44E4-A589-82FC9AF5D444}" srcOrd="0" destOrd="0" parTransId="{FECBE6AC-7572-45A8-A430-DE1F6DD4F8CA}" sibTransId="{933A3F55-5180-450C-B12D-1E09AC6A68D4}"/>
+    <dgm:cxn modelId="{37617745-C318-43AA-B893-C1567838A338}" type="presOf" srcId="{B05EF770-3364-4970-A096-5433A4684076}" destId="{5A74A02E-D6A2-4176-BF7E-344F893B4550}" srcOrd="0" destOrd="0" presId="urn:microsoft.com/office/officeart/2008/layout/AlternatingHexagons"/>
+    <dgm:cxn modelId="{96D9514C-E290-46DE-AEBD-A920D5A99DB6}" type="presOf" srcId="{213D1B2A-CB4D-44E4-A589-82FC9AF5D444}" destId="{81E51944-DE46-4FF6-BE5F-98823C469A42}" srcOrd="0" destOrd="0" presId="urn:microsoft.com/office/officeart/2008/layout/AlternatingHexagons"/>
     <dgm:cxn modelId="{C40F107C-A6C0-4860-9EA2-6841697BA19D}" type="presOf" srcId="{040FD2B4-4DBC-4D6C-9631-4B059FECB3EC}" destId="{D35D6CB2-F60F-4E59-A9D9-D48F32E8B38D}" srcOrd="0" destOrd="0" presId="urn:microsoft.com/office/officeart/2008/layout/AlternatingHexagons"/>
     <dgm:cxn modelId="{4CD35B7F-D984-4F27-9AF6-A1F15B7CC65D}" type="presOf" srcId="{767B15C9-80AC-4DB3-A041-BEAA113AC36E}" destId="{4D3C39D0-80C1-4A9A-A44A-ED7291BBD9F8}" srcOrd="0" destOrd="0" presId="urn:microsoft.com/office/officeart/2008/layout/AlternatingHexagons"/>
-    <dgm:cxn modelId="{96D9514C-E290-46DE-AEBD-A920D5A99DB6}" type="presOf" srcId="{213D1B2A-CB4D-44E4-A589-82FC9AF5D444}" destId="{81E51944-DE46-4FF6-BE5F-98823C469A42}" srcOrd="0" destOrd="0" presId="urn:microsoft.com/office/officeart/2008/layout/AlternatingHexagons"/>
-    <dgm:cxn modelId="{9F107627-45C7-4822-8942-9CE5AFFBBFA8}" type="presOf" srcId="{E3F8A972-8AEE-48C1-B963-28E6C2E271CD}" destId="{072E9FC9-2551-4ECE-880C-3B6CD815F7E5}" srcOrd="0" destOrd="0" presId="urn:microsoft.com/office/officeart/2008/layout/AlternatingHexagons"/>
-    <dgm:cxn modelId="{3E765C36-EA7C-4616-B261-A5CB261C5039}" srcId="{767B15C9-80AC-4DB3-A041-BEAA113AC36E}" destId="{213D1B2A-CB4D-44E4-A589-82FC9AF5D444}" srcOrd="0" destOrd="0" parTransId="{FECBE6AC-7572-45A8-A430-DE1F6DD4F8CA}" sibTransId="{933A3F55-5180-450C-B12D-1E09AC6A68D4}"/>
-    <dgm:cxn modelId="{ACC15314-58B7-4AED-AE68-5FF11259A273}" srcId="{767B15C9-80AC-4DB3-A041-BEAA113AC36E}" destId="{040FD2B4-4DBC-4D6C-9631-4B059FECB3EC}" srcOrd="2" destOrd="0" parTransId="{3EE26235-E9CC-4D13-ABEE-CA81A212DE2C}" sibTransId="{B318EDA4-DE76-4630-9036-D48E3CD17A03}"/>
+    <dgm:cxn modelId="{963CEB8B-7A62-4171-B0F7-DAE5E9766D8B}" type="presOf" srcId="{B318EDA4-DE76-4630-9036-D48E3CD17A03}" destId="{EED77597-4C76-47CE-A861-BB8DCEE844C7}" srcOrd="0" destOrd="0" presId="urn:microsoft.com/office/officeart/2008/layout/AlternatingHexagons"/>
     <dgm:cxn modelId="{F07E8EB2-265B-448E-8605-C2103C7E9C5D}" srcId="{767B15C9-80AC-4DB3-A041-BEAA113AC36E}" destId="{E3F8A972-8AEE-48C1-B963-28E6C2E271CD}" srcOrd="1" destOrd="0" parTransId="{D47EDB4D-90BA-4204-8111-DCBEA18CACEC}" sibTransId="{B05EF770-3364-4970-A096-5433A4684076}"/>
-    <dgm:cxn modelId="{37617745-C318-43AA-B893-C1567838A338}" type="presOf" srcId="{B05EF770-3364-4970-A096-5433A4684076}" destId="{5A74A02E-D6A2-4176-BF7E-344F893B4550}" srcOrd="0" destOrd="0" presId="urn:microsoft.com/office/officeart/2008/layout/AlternatingHexagons"/>
-    <dgm:cxn modelId="{963CEB8B-7A62-4171-B0F7-DAE5E9766D8B}" type="presOf" srcId="{B318EDA4-DE76-4630-9036-D48E3CD17A03}" destId="{EED77597-4C76-47CE-A861-BB8DCEE844C7}" srcOrd="0" destOrd="0" presId="urn:microsoft.com/office/officeart/2008/layout/AlternatingHexagons"/>
     <dgm:cxn modelId="{261A88D5-DC1D-4090-B475-1BEB74E77735}" type="presOf" srcId="{933A3F55-5180-450C-B12D-1E09AC6A68D4}" destId="{3D8C6866-C7C0-4C7B-B21D-C78C004B095B}" srcOrd="0" destOrd="0" presId="urn:microsoft.com/office/officeart/2008/layout/AlternatingHexagons"/>
     <dgm:cxn modelId="{09B5F7E5-CDE1-4D38-A730-5925C5FC1DCA}" type="presParOf" srcId="{4D3C39D0-80C1-4A9A-A44A-ED7291BBD9F8}" destId="{7F7D3B95-253F-4B4F-BCFD-D35D607C230E}" srcOrd="0" destOrd="0" presId="urn:microsoft.com/office/officeart/2008/layout/AlternatingHexagons"/>
     <dgm:cxn modelId="{A0EB1527-C75E-4920-A507-2B923EA6EA69}" type="presParOf" srcId="{7F7D3B95-253F-4B4F-BCFD-D35D607C230E}" destId="{81E51944-DE46-4FF6-BE5F-98823C469A42}" srcOrd="0" destOrd="0" presId="urn:microsoft.com/office/officeart/2008/layout/AlternatingHexagons"/>
@@ -2044,10 +1988,9 @@
         <a:lstStyle/>
         <a:p>
           <a:r>
-            <a:rPr lang="es-ES" dirty="0" smtClean="0"/>
+            <a:rPr lang="es-ES" dirty="0"/>
             <a:t>Variable 1</a:t>
           </a:r>
-          <a:endParaRPr lang="es-ES" dirty="0"/>
         </a:p>
       </dgm:t>
     </dgm:pt>
@@ -2081,10 +2024,9 @@
         <a:lstStyle/>
         <a:p>
           <a:r>
-            <a:rPr lang="es-ES" dirty="0" smtClean="0"/>
+            <a:rPr lang="es-ES" dirty="0"/>
             <a:t>Variable 2</a:t>
           </a:r>
-          <a:endParaRPr lang="es-ES" dirty="0"/>
         </a:p>
       </dgm:t>
     </dgm:pt>
@@ -2118,10 +2060,9 @@
         <a:lstStyle/>
         <a:p>
           <a:r>
-            <a:rPr lang="es-ES" dirty="0" smtClean="0"/>
+            <a:rPr lang="es-ES" dirty="0"/>
             <a:t>Variable 500</a:t>
           </a:r>
-          <a:endParaRPr lang="es-ES" dirty="0"/>
         </a:p>
       </dgm:t>
     </dgm:pt>
@@ -2157,13 +2098,6 @@
         </dgm:presLayoutVars>
       </dgm:prSet>
       <dgm:spPr/>
-      <dgm:t>
-        <a:bodyPr/>
-        <a:lstStyle/>
-        <a:p>
-          <a:endParaRPr lang="es-ES"/>
-        </a:p>
-      </dgm:t>
     </dgm:pt>
     <dgm:pt modelId="{7F7D3B95-253F-4B4F-BCFD-D35D607C230E}" type="pres">
       <dgm:prSet presAssocID="{213D1B2A-CB4D-44E4-A589-82FC9AF5D444}" presName="composite" presStyleCnt="0"/>
@@ -2178,13 +2112,6 @@
         </dgm:presLayoutVars>
       </dgm:prSet>
       <dgm:spPr/>
-      <dgm:t>
-        <a:bodyPr/>
-        <a:lstStyle/>
-        <a:p>
-          <a:endParaRPr lang="es-ES"/>
-        </a:p>
-      </dgm:t>
     </dgm:pt>
     <dgm:pt modelId="{A2C89294-B25F-4F3A-A695-ED9266DE1274}" type="pres">
       <dgm:prSet presAssocID="{213D1B2A-CB4D-44E4-A589-82FC9AF5D444}" presName="Childtext1" presStyleLbl="revTx" presStyleIdx="0" presStyleCnt="3">
@@ -2195,13 +2122,6 @@
         </dgm:presLayoutVars>
       </dgm:prSet>
       <dgm:spPr/>
-      <dgm:t>
-        <a:bodyPr/>
-        <a:lstStyle/>
-        <a:p>
-          <a:endParaRPr lang="es-ES"/>
-        </a:p>
-      </dgm:t>
     </dgm:pt>
     <dgm:pt modelId="{4DA3EC90-8BD3-48B1-BD49-1E8C3A381222}" type="pres">
       <dgm:prSet presAssocID="{213D1B2A-CB4D-44E4-A589-82FC9AF5D444}" presName="BalanceSpacing" presStyleCnt="0"/>
@@ -2214,13 +2134,6 @@
     <dgm:pt modelId="{3D8C6866-C7C0-4C7B-B21D-C78C004B095B}" type="pres">
       <dgm:prSet presAssocID="{933A3F55-5180-450C-B12D-1E09AC6A68D4}" presName="Accent1Text" presStyleLbl="node1" presStyleIdx="1" presStyleCnt="6"/>
       <dgm:spPr/>
-      <dgm:t>
-        <a:bodyPr/>
-        <a:lstStyle/>
-        <a:p>
-          <a:endParaRPr lang="es-ES"/>
-        </a:p>
-      </dgm:t>
     </dgm:pt>
     <dgm:pt modelId="{A50EF280-6905-4966-A350-E583E7FFE5DA}" type="pres">
       <dgm:prSet presAssocID="{933A3F55-5180-450C-B12D-1E09AC6A68D4}" presName="spaceBetweenRectangles" presStyleCnt="0"/>
@@ -2239,13 +2152,6 @@
         </dgm:presLayoutVars>
       </dgm:prSet>
       <dgm:spPr/>
-      <dgm:t>
-        <a:bodyPr/>
-        <a:lstStyle/>
-        <a:p>
-          <a:endParaRPr lang="es-ES"/>
-        </a:p>
-      </dgm:t>
     </dgm:pt>
     <dgm:pt modelId="{D318138F-F9E9-4F8B-9E38-1AB50D362E44}" type="pres">
       <dgm:prSet presAssocID="{E3F8A972-8AEE-48C1-B963-28E6C2E271CD}" presName="Childtext1" presStyleLbl="revTx" presStyleIdx="1" presStyleCnt="3">
@@ -2256,13 +2162,6 @@
         </dgm:presLayoutVars>
       </dgm:prSet>
       <dgm:spPr/>
-      <dgm:t>
-        <a:bodyPr/>
-        <a:lstStyle/>
-        <a:p>
-          <a:endParaRPr lang="es-ES"/>
-        </a:p>
-      </dgm:t>
     </dgm:pt>
     <dgm:pt modelId="{3DD2BC62-0FA0-4164-90F6-610D29DA2809}" type="pres">
       <dgm:prSet presAssocID="{E3F8A972-8AEE-48C1-B963-28E6C2E271CD}" presName="BalanceSpacing" presStyleCnt="0"/>
@@ -2275,13 +2174,6 @@
     <dgm:pt modelId="{5A74A02E-D6A2-4176-BF7E-344F893B4550}" type="pres">
       <dgm:prSet presAssocID="{B05EF770-3364-4970-A096-5433A4684076}" presName="Accent1Text" presStyleLbl="node1" presStyleIdx="3" presStyleCnt="6"/>
       <dgm:spPr/>
-      <dgm:t>
-        <a:bodyPr/>
-        <a:lstStyle/>
-        <a:p>
-          <a:endParaRPr lang="es-ES"/>
-        </a:p>
-      </dgm:t>
     </dgm:pt>
     <dgm:pt modelId="{BEBFD4D1-BF31-4642-9C3B-DCF29A9BD032}" type="pres">
       <dgm:prSet presAssocID="{B05EF770-3364-4970-A096-5433A4684076}" presName="spaceBetweenRectangles" presStyleCnt="0"/>
@@ -2300,13 +2192,6 @@
         </dgm:presLayoutVars>
       </dgm:prSet>
       <dgm:spPr/>
-      <dgm:t>
-        <a:bodyPr/>
-        <a:lstStyle/>
-        <a:p>
-          <a:endParaRPr lang="es-ES"/>
-        </a:p>
-      </dgm:t>
     </dgm:pt>
     <dgm:pt modelId="{CA539E91-CEB3-4441-8411-52C1655490DF}" type="pres">
       <dgm:prSet presAssocID="{040FD2B4-4DBC-4D6C-9631-4B059FECB3EC}" presName="Childtext1" presStyleLbl="revTx" presStyleIdx="2" presStyleCnt="3">
@@ -2317,13 +2202,6 @@
         </dgm:presLayoutVars>
       </dgm:prSet>
       <dgm:spPr/>
-      <dgm:t>
-        <a:bodyPr/>
-        <a:lstStyle/>
-        <a:p>
-          <a:endParaRPr lang="es-ES"/>
-        </a:p>
-      </dgm:t>
     </dgm:pt>
     <dgm:pt modelId="{F0B9C51F-2C75-408E-B3ED-76E557B64381}" type="pres">
       <dgm:prSet presAssocID="{040FD2B4-4DBC-4D6C-9631-4B059FECB3EC}" presName="BalanceSpacing" presStyleCnt="0"/>
@@ -2336,25 +2214,18 @@
     <dgm:pt modelId="{EED77597-4C76-47CE-A861-BB8DCEE844C7}" type="pres">
       <dgm:prSet presAssocID="{B318EDA4-DE76-4630-9036-D48E3CD17A03}" presName="Accent1Text" presStyleLbl="node1" presStyleIdx="5" presStyleCnt="6"/>
       <dgm:spPr/>
-      <dgm:t>
-        <a:bodyPr/>
-        <a:lstStyle/>
-        <a:p>
-          <a:endParaRPr lang="es-ES"/>
-        </a:p>
-      </dgm:t>
     </dgm:pt>
   </dgm:ptLst>
   <dgm:cxnLst>
+    <dgm:cxn modelId="{ACC15314-58B7-4AED-AE68-5FF11259A273}" srcId="{767B15C9-80AC-4DB3-A041-BEAA113AC36E}" destId="{040FD2B4-4DBC-4D6C-9631-4B059FECB3EC}" srcOrd="2" destOrd="0" parTransId="{3EE26235-E9CC-4D13-ABEE-CA81A212DE2C}" sibTransId="{B318EDA4-DE76-4630-9036-D48E3CD17A03}"/>
+    <dgm:cxn modelId="{9F107627-45C7-4822-8942-9CE5AFFBBFA8}" type="presOf" srcId="{E3F8A972-8AEE-48C1-B963-28E6C2E271CD}" destId="{072E9FC9-2551-4ECE-880C-3B6CD815F7E5}" srcOrd="0" destOrd="0" presId="urn:microsoft.com/office/officeart/2008/layout/AlternatingHexagons"/>
+    <dgm:cxn modelId="{3E765C36-EA7C-4616-B261-A5CB261C5039}" srcId="{767B15C9-80AC-4DB3-A041-BEAA113AC36E}" destId="{213D1B2A-CB4D-44E4-A589-82FC9AF5D444}" srcOrd="0" destOrd="0" parTransId="{FECBE6AC-7572-45A8-A430-DE1F6DD4F8CA}" sibTransId="{933A3F55-5180-450C-B12D-1E09AC6A68D4}"/>
+    <dgm:cxn modelId="{37617745-C318-43AA-B893-C1567838A338}" type="presOf" srcId="{B05EF770-3364-4970-A096-5433A4684076}" destId="{5A74A02E-D6A2-4176-BF7E-344F893B4550}" srcOrd="0" destOrd="0" presId="urn:microsoft.com/office/officeart/2008/layout/AlternatingHexagons"/>
+    <dgm:cxn modelId="{96D9514C-E290-46DE-AEBD-A920D5A99DB6}" type="presOf" srcId="{213D1B2A-CB4D-44E4-A589-82FC9AF5D444}" destId="{81E51944-DE46-4FF6-BE5F-98823C469A42}" srcOrd="0" destOrd="0" presId="urn:microsoft.com/office/officeart/2008/layout/AlternatingHexagons"/>
     <dgm:cxn modelId="{C40F107C-A6C0-4860-9EA2-6841697BA19D}" type="presOf" srcId="{040FD2B4-4DBC-4D6C-9631-4B059FECB3EC}" destId="{D35D6CB2-F60F-4E59-A9D9-D48F32E8B38D}" srcOrd="0" destOrd="0" presId="urn:microsoft.com/office/officeart/2008/layout/AlternatingHexagons"/>
     <dgm:cxn modelId="{4CD35B7F-D984-4F27-9AF6-A1F15B7CC65D}" type="presOf" srcId="{767B15C9-80AC-4DB3-A041-BEAA113AC36E}" destId="{4D3C39D0-80C1-4A9A-A44A-ED7291BBD9F8}" srcOrd="0" destOrd="0" presId="urn:microsoft.com/office/officeart/2008/layout/AlternatingHexagons"/>
-    <dgm:cxn modelId="{96D9514C-E290-46DE-AEBD-A920D5A99DB6}" type="presOf" srcId="{213D1B2A-CB4D-44E4-A589-82FC9AF5D444}" destId="{81E51944-DE46-4FF6-BE5F-98823C469A42}" srcOrd="0" destOrd="0" presId="urn:microsoft.com/office/officeart/2008/layout/AlternatingHexagons"/>
-    <dgm:cxn modelId="{9F107627-45C7-4822-8942-9CE5AFFBBFA8}" type="presOf" srcId="{E3F8A972-8AEE-48C1-B963-28E6C2E271CD}" destId="{072E9FC9-2551-4ECE-880C-3B6CD815F7E5}" srcOrd="0" destOrd="0" presId="urn:microsoft.com/office/officeart/2008/layout/AlternatingHexagons"/>
-    <dgm:cxn modelId="{3E765C36-EA7C-4616-B261-A5CB261C5039}" srcId="{767B15C9-80AC-4DB3-A041-BEAA113AC36E}" destId="{213D1B2A-CB4D-44E4-A589-82FC9AF5D444}" srcOrd="0" destOrd="0" parTransId="{FECBE6AC-7572-45A8-A430-DE1F6DD4F8CA}" sibTransId="{933A3F55-5180-450C-B12D-1E09AC6A68D4}"/>
-    <dgm:cxn modelId="{ACC15314-58B7-4AED-AE68-5FF11259A273}" srcId="{767B15C9-80AC-4DB3-A041-BEAA113AC36E}" destId="{040FD2B4-4DBC-4D6C-9631-4B059FECB3EC}" srcOrd="2" destOrd="0" parTransId="{3EE26235-E9CC-4D13-ABEE-CA81A212DE2C}" sibTransId="{B318EDA4-DE76-4630-9036-D48E3CD17A03}"/>
+    <dgm:cxn modelId="{963CEB8B-7A62-4171-B0F7-DAE5E9766D8B}" type="presOf" srcId="{B318EDA4-DE76-4630-9036-D48E3CD17A03}" destId="{EED77597-4C76-47CE-A861-BB8DCEE844C7}" srcOrd="0" destOrd="0" presId="urn:microsoft.com/office/officeart/2008/layout/AlternatingHexagons"/>
     <dgm:cxn modelId="{F07E8EB2-265B-448E-8605-C2103C7E9C5D}" srcId="{767B15C9-80AC-4DB3-A041-BEAA113AC36E}" destId="{E3F8A972-8AEE-48C1-B963-28E6C2E271CD}" srcOrd="1" destOrd="0" parTransId="{D47EDB4D-90BA-4204-8111-DCBEA18CACEC}" sibTransId="{B05EF770-3364-4970-A096-5433A4684076}"/>
-    <dgm:cxn modelId="{37617745-C318-43AA-B893-C1567838A338}" type="presOf" srcId="{B05EF770-3364-4970-A096-5433A4684076}" destId="{5A74A02E-D6A2-4176-BF7E-344F893B4550}" srcOrd="0" destOrd="0" presId="urn:microsoft.com/office/officeart/2008/layout/AlternatingHexagons"/>
-    <dgm:cxn modelId="{963CEB8B-7A62-4171-B0F7-DAE5E9766D8B}" type="presOf" srcId="{B318EDA4-DE76-4630-9036-D48E3CD17A03}" destId="{EED77597-4C76-47CE-A861-BB8DCEE844C7}" srcOrd="0" destOrd="0" presId="urn:microsoft.com/office/officeart/2008/layout/AlternatingHexagons"/>
     <dgm:cxn modelId="{261A88D5-DC1D-4090-B475-1BEB74E77735}" type="presOf" srcId="{933A3F55-5180-450C-B12D-1E09AC6A68D4}" destId="{3D8C6866-C7C0-4C7B-B21D-C78C004B095B}" srcOrd="0" destOrd="0" presId="urn:microsoft.com/office/officeart/2008/layout/AlternatingHexagons"/>
     <dgm:cxn modelId="{09B5F7E5-CDE1-4D38-A730-5925C5FC1DCA}" type="presParOf" srcId="{4D3C39D0-80C1-4A9A-A44A-ED7291BBD9F8}" destId="{7F7D3B95-253F-4B4F-BCFD-D35D607C230E}" srcOrd="0" destOrd="0" presId="urn:microsoft.com/office/officeart/2008/layout/AlternatingHexagons"/>
     <dgm:cxn modelId="{A0EB1527-C75E-4920-A507-2B923EA6EA69}" type="presParOf" srcId="{7F7D3B95-253F-4B4F-BCFD-D35D607C230E}" destId="{81E51944-DE46-4FF6-BE5F-98823C469A42}" srcOrd="0" destOrd="0" presId="urn:microsoft.com/office/officeart/2008/layout/AlternatingHexagons"/>
@@ -2453,7 +2324,7 @@
         </a:bodyPr>
         <a:lstStyle/>
         <a:p>
-          <a:pPr lvl="0" algn="ctr" defTabSz="755650">
+          <a:pPr marL="0" lvl="0" indent="0" algn="ctr" defTabSz="755650">
             <a:lnSpc>
               <a:spcPct val="90000"/>
             </a:lnSpc>
@@ -2463,12 +2334,12 @@
             <a:spcAft>
               <a:spcPct val="35000"/>
             </a:spcAft>
+            <a:buNone/>
           </a:pPr>
           <a:r>
-            <a:rPr lang="es-ES" sz="1700" kern="1200" dirty="0" smtClean="0"/>
+            <a:rPr lang="es-ES" sz="1700" kern="1200" dirty="0"/>
             <a:t>Variable 1</a:t>
           </a:r>
-          <a:endParaRPr lang="es-ES" sz="1700" kern="1200" dirty="0"/>
         </a:p>
       </dsp:txBody>
       <dsp:txXfrm rot="-5400000">
@@ -2566,7 +2437,7 @@
         </a:bodyPr>
         <a:lstStyle/>
         <a:p>
-          <a:pPr lvl="0" algn="ctr" defTabSz="1600200">
+          <a:pPr marL="0" lvl="0" indent="0" algn="ctr" defTabSz="1600200">
             <a:lnSpc>
               <a:spcPct val="90000"/>
             </a:lnSpc>
@@ -2576,6 +2447,7 @@
             <a:spcAft>
               <a:spcPct val="35000"/>
             </a:spcAft>
+            <a:buNone/>
           </a:pPr>
           <a:endParaRPr lang="es-ES" sz="3600" kern="1200"/>
         </a:p>
@@ -2643,7 +2515,7 @@
         </a:bodyPr>
         <a:lstStyle/>
         <a:p>
-          <a:pPr lvl="0" algn="ctr" defTabSz="755650">
+          <a:pPr marL="0" lvl="0" indent="0" algn="ctr" defTabSz="755650">
             <a:lnSpc>
               <a:spcPct val="90000"/>
             </a:lnSpc>
@@ -2653,12 +2525,12 @@
             <a:spcAft>
               <a:spcPct val="35000"/>
             </a:spcAft>
+            <a:buNone/>
           </a:pPr>
           <a:r>
-            <a:rPr lang="es-ES" sz="1700" kern="1200" dirty="0" smtClean="0"/>
+            <a:rPr lang="es-ES" sz="1700" kern="1200" dirty="0"/>
             <a:t>Variable 2</a:t>
           </a:r>
-          <a:endParaRPr lang="es-ES" sz="1700" kern="1200" dirty="0"/>
         </a:p>
       </dsp:txBody>
       <dsp:txXfrm rot="-5400000">
@@ -2756,7 +2628,7 @@
         </a:bodyPr>
         <a:lstStyle/>
         <a:p>
-          <a:pPr lvl="0" algn="ctr" defTabSz="1600200">
+          <a:pPr marL="0" lvl="0" indent="0" algn="ctr" defTabSz="1600200">
             <a:lnSpc>
               <a:spcPct val="90000"/>
             </a:lnSpc>
@@ -2766,6 +2638,7 @@
             <a:spcAft>
               <a:spcPct val="35000"/>
             </a:spcAft>
+            <a:buNone/>
           </a:pPr>
           <a:endParaRPr lang="es-ES" sz="3600" kern="1200"/>
         </a:p>
@@ -2833,7 +2706,7 @@
         </a:bodyPr>
         <a:lstStyle/>
         <a:p>
-          <a:pPr lvl="0" algn="ctr" defTabSz="755650">
+          <a:pPr marL="0" lvl="0" indent="0" algn="ctr" defTabSz="755650">
             <a:lnSpc>
               <a:spcPct val="90000"/>
             </a:lnSpc>
@@ -2843,12 +2716,12 @@
             <a:spcAft>
               <a:spcPct val="35000"/>
             </a:spcAft>
+            <a:buNone/>
           </a:pPr>
           <a:r>
-            <a:rPr lang="es-ES" sz="1700" kern="1200" dirty="0" smtClean="0"/>
+            <a:rPr lang="es-ES" sz="1700" kern="1200" dirty="0"/>
             <a:t>Variable 500</a:t>
           </a:r>
-          <a:endParaRPr lang="es-ES" sz="1700" kern="1200" dirty="0"/>
         </a:p>
       </dsp:txBody>
       <dsp:txXfrm rot="-5400000">
@@ -2946,7 +2819,7 @@
         </a:bodyPr>
         <a:lstStyle/>
         <a:p>
-          <a:pPr lvl="0" algn="ctr" defTabSz="1600200">
+          <a:pPr marL="0" lvl="0" indent="0" algn="ctr" defTabSz="1600200">
             <a:lnSpc>
               <a:spcPct val="90000"/>
             </a:lnSpc>
@@ -2956,6 +2829,7 @@
             <a:spcAft>
               <a:spcPct val="35000"/>
             </a:spcAft>
+            <a:buNone/>
           </a:pPr>
           <a:endParaRPr lang="es-ES" sz="3600" kern="1200"/>
         </a:p>
@@ -3035,7 +2909,7 @@
         </a:bodyPr>
         <a:lstStyle/>
         <a:p>
-          <a:pPr lvl="0" algn="ctr" defTabSz="622300">
+          <a:pPr marL="0" lvl="0" indent="0" algn="ctr" defTabSz="622300">
             <a:lnSpc>
               <a:spcPct val="90000"/>
             </a:lnSpc>
@@ -3045,12 +2919,12 @@
             <a:spcAft>
               <a:spcPct val="35000"/>
             </a:spcAft>
+            <a:buNone/>
           </a:pPr>
           <a:r>
-            <a:rPr lang="es-ES" sz="1400" kern="1200" dirty="0" smtClean="0"/>
+            <a:rPr lang="es-ES" sz="1400" kern="1200" dirty="0"/>
             <a:t>Variable 1</a:t>
           </a:r>
-          <a:endParaRPr lang="es-ES" sz="1400" kern="1200" dirty="0"/>
         </a:p>
       </dsp:txBody>
       <dsp:txXfrm rot="-5400000">
@@ -3148,7 +3022,7 @@
         </a:bodyPr>
         <a:lstStyle/>
         <a:p>
-          <a:pPr lvl="0" algn="ctr" defTabSz="1600200">
+          <a:pPr marL="0" lvl="0" indent="0" algn="ctr" defTabSz="1600200">
             <a:lnSpc>
               <a:spcPct val="90000"/>
             </a:lnSpc>
@@ -3158,6 +3032,7 @@
             <a:spcAft>
               <a:spcPct val="35000"/>
             </a:spcAft>
+            <a:buNone/>
           </a:pPr>
           <a:endParaRPr lang="es-ES" sz="3600" kern="1200"/>
         </a:p>
@@ -3225,7 +3100,7 @@
         </a:bodyPr>
         <a:lstStyle/>
         <a:p>
-          <a:pPr lvl="0" algn="ctr" defTabSz="622300">
+          <a:pPr marL="0" lvl="0" indent="0" algn="ctr" defTabSz="622300">
             <a:lnSpc>
               <a:spcPct val="90000"/>
             </a:lnSpc>
@@ -3235,12 +3110,12 @@
             <a:spcAft>
               <a:spcPct val="35000"/>
             </a:spcAft>
+            <a:buNone/>
           </a:pPr>
           <a:r>
-            <a:rPr lang="es-ES" sz="1400" kern="1200" dirty="0" smtClean="0"/>
+            <a:rPr lang="es-ES" sz="1400" kern="1200" dirty="0"/>
             <a:t>Variable 2</a:t>
           </a:r>
-          <a:endParaRPr lang="es-ES" sz="1400" kern="1200" dirty="0"/>
         </a:p>
       </dsp:txBody>
       <dsp:txXfrm rot="-5400000">
@@ -3338,7 +3213,7 @@
         </a:bodyPr>
         <a:lstStyle/>
         <a:p>
-          <a:pPr lvl="0" algn="ctr" defTabSz="1600200">
+          <a:pPr marL="0" lvl="0" indent="0" algn="ctr" defTabSz="1600200">
             <a:lnSpc>
               <a:spcPct val="90000"/>
             </a:lnSpc>
@@ -3348,6 +3223,7 @@
             <a:spcAft>
               <a:spcPct val="35000"/>
             </a:spcAft>
+            <a:buNone/>
           </a:pPr>
           <a:endParaRPr lang="es-ES" sz="3600" kern="1200"/>
         </a:p>
@@ -3415,7 +3291,7 @@
         </a:bodyPr>
         <a:lstStyle/>
         <a:p>
-          <a:pPr lvl="0" algn="ctr" defTabSz="622300">
+          <a:pPr marL="0" lvl="0" indent="0" algn="ctr" defTabSz="622300">
             <a:lnSpc>
               <a:spcPct val="90000"/>
             </a:lnSpc>
@@ -3425,12 +3301,12 @@
             <a:spcAft>
               <a:spcPct val="35000"/>
             </a:spcAft>
+            <a:buNone/>
           </a:pPr>
           <a:r>
-            <a:rPr lang="es-ES" sz="1400" kern="1200" dirty="0" smtClean="0"/>
+            <a:rPr lang="es-ES" sz="1400" kern="1200" dirty="0"/>
             <a:t>Variable 500</a:t>
           </a:r>
-          <a:endParaRPr lang="es-ES" sz="1400" kern="1200" dirty="0"/>
         </a:p>
       </dsp:txBody>
       <dsp:txXfrm rot="-5400000">
@@ -3528,7 +3404,7 @@
         </a:bodyPr>
         <a:lstStyle/>
         <a:p>
-          <a:pPr lvl="0" algn="ctr" defTabSz="1600200">
+          <a:pPr marL="0" lvl="0" indent="0" algn="ctr" defTabSz="1600200">
             <a:lnSpc>
               <a:spcPct val="90000"/>
             </a:lnSpc>
@@ -3538,6 +3414,7 @@
             <a:spcAft>
               <a:spcPct val="35000"/>
             </a:spcAft>
+            <a:buNone/>
           </a:pPr>
           <a:endParaRPr lang="es-ES" sz="3600" kern="1200"/>
         </a:p>
@@ -6364,7 +6241,7 @@
         <p:spPr>
           <a:xfrm>
             <a:off x="0" y="0"/>
-            <a:ext cx="2971800" cy="458788"/>
+            <a:ext cx="2945659" cy="495427"/>
           </a:xfrm>
           <a:prstGeom prst="rect">
             <a:avLst/>
@@ -6394,8 +6271,8 @@
         </p:nvSpPr>
         <p:spPr>
           <a:xfrm>
-            <a:off x="3884613" y="0"/>
-            <a:ext cx="2971800" cy="458788"/>
+            <a:off x="3850443" y="0"/>
+            <a:ext cx="2945659" cy="495427"/>
           </a:xfrm>
           <a:prstGeom prst="rect">
             <a:avLst/>
@@ -6411,7 +6288,7 @@
           <a:p>
             <a:fld id="{DA02E706-5774-43E1-A315-52C9AFBE5292}" type="datetimeFigureOut">
               <a:rPr lang="es-ES" smtClean="0"/>
-              <a:t>25/08/2021</a:t>
+              <a:t>15/11/2021</a:t>
             </a:fld>
             <a:endParaRPr lang="es-ES"/>
           </a:p>
@@ -6429,8 +6306,8 @@
         </p:nvSpPr>
         <p:spPr>
           <a:xfrm>
-            <a:off x="685800" y="1143000"/>
-            <a:ext cx="5486400" cy="3086100"/>
+            <a:off x="436563" y="1233488"/>
+            <a:ext cx="5924550" cy="3333750"/>
           </a:xfrm>
           <a:prstGeom prst="rect">
             <a:avLst/>
@@ -6462,8 +6339,8 @@
         </p:nvSpPr>
         <p:spPr>
           <a:xfrm>
-            <a:off x="685800" y="4400550"/>
-            <a:ext cx="5486400" cy="3600450"/>
+            <a:off x="679768" y="4751983"/>
+            <a:ext cx="5438140" cy="3887986"/>
           </a:xfrm>
           <a:prstGeom prst="rect">
             <a:avLst/>
@@ -6475,38 +6352,37 @@
           <a:p>
             <a:pPr lvl="0"/>
             <a:r>
-              <a:rPr lang="es-ES" smtClean="0"/>
+              <a:rPr lang="es-ES"/>
               <a:t>Editar el estilo de texto del patrón</a:t>
             </a:r>
           </a:p>
           <a:p>
             <a:pPr lvl="1"/>
             <a:r>
-              <a:rPr lang="es-ES" smtClean="0"/>
+              <a:rPr lang="es-ES"/>
               <a:t>Segundo nivel</a:t>
             </a:r>
           </a:p>
           <a:p>
             <a:pPr lvl="2"/>
             <a:r>
-              <a:rPr lang="es-ES" smtClean="0"/>
+              <a:rPr lang="es-ES"/>
               <a:t>Tercer nivel</a:t>
             </a:r>
           </a:p>
           <a:p>
             <a:pPr lvl="3"/>
             <a:r>
-              <a:rPr lang="es-ES" smtClean="0"/>
+              <a:rPr lang="es-ES"/>
               <a:t>Cuarto nivel</a:t>
             </a:r>
           </a:p>
           <a:p>
             <a:pPr lvl="4"/>
             <a:r>
-              <a:rPr lang="es-ES" smtClean="0"/>
+              <a:rPr lang="es-ES"/>
               <a:t>Quinto nivel</a:t>
             </a:r>
-            <a:endParaRPr lang="es-ES"/>
           </a:p>
         </p:txBody>
       </p:sp>
@@ -6522,8 +6398,8 @@
         </p:nvSpPr>
         <p:spPr>
           <a:xfrm>
-            <a:off x="0" y="8685213"/>
-            <a:ext cx="2971800" cy="458787"/>
+            <a:off x="0" y="9378824"/>
+            <a:ext cx="2945659" cy="495426"/>
           </a:xfrm>
           <a:prstGeom prst="rect">
             <a:avLst/>
@@ -6553,8 +6429,8 @@
         </p:nvSpPr>
         <p:spPr>
           <a:xfrm>
-            <a:off x="3884613" y="8685213"/>
-            <a:ext cx="2971800" cy="458787"/>
+            <a:off x="3850443" y="9378824"/>
+            <a:ext cx="2945659" cy="495426"/>
           </a:xfrm>
           <a:prstGeom prst="rect">
             <a:avLst/>
@@ -6570,7 +6446,7 @@
           <a:p>
             <a:fld id="{1C15E57E-B0AB-403D-95AE-A7D5B4E45336}" type="slidenum">
               <a:rPr lang="es-ES" smtClean="0"/>
-              <a:t>‹Nº›</a:t>
+              <a:t>‹#›</a:t>
             </a:fld>
             <a:endParaRPr lang="es-ES"/>
           </a:p>
@@ -6721,7 +6597,7 @@
           </a:lstStyle>
           <a:p>
             <a:r>
-              <a:rPr lang="es-ES" smtClean="0"/>
+              <a:rPr lang="es-ES"/>
               <a:t>Haga clic para modificar el estilo de título del patrón</a:t>
             </a:r>
             <a:endParaRPr lang="en-GB"/>
@@ -6786,7 +6662,7 @@
           </a:lstStyle>
           <a:p>
             <a:r>
-              <a:rPr lang="es-ES" smtClean="0"/>
+              <a:rPr lang="es-ES"/>
               <a:t>Haga clic para editar el estilo de subtítulo del patrón</a:t>
             </a:r>
             <a:endParaRPr lang="en-GB"/>
@@ -6810,7 +6686,7 @@
           <a:p>
             <a:fld id="{71286E14-A21F-4247-87A1-6C001434B2E9}" type="datetimeFigureOut">
               <a:rPr lang="en-GB" smtClean="0"/>
-              <a:t>25/08/2021</a:t>
+              <a:t>15/11/2021</a:t>
             </a:fld>
             <a:endParaRPr lang="en-GB"/>
           </a:p>
@@ -6852,7 +6728,7 @@
           <a:p>
             <a:fld id="{927982DA-6A85-4F77-B3D2-36DCD5868481}" type="slidenum">
               <a:rPr lang="en-GB" smtClean="0"/>
-              <a:t>‹Nº›</a:t>
+              <a:t>‹#›</a:t>
             </a:fld>
             <a:endParaRPr lang="en-GB"/>
           </a:p>
@@ -6904,7 +6780,7 @@
           <a:lstStyle/>
           <a:p>
             <a:r>
-              <a:rPr lang="es-ES" smtClean="0"/>
+              <a:rPr lang="es-ES"/>
               <a:t>Haga clic para modificar el estilo de título del patrón</a:t>
             </a:r>
             <a:endParaRPr lang="en-GB"/>
@@ -6928,35 +6804,35 @@
           <a:p>
             <a:pPr lvl="0"/>
             <a:r>
-              <a:rPr lang="es-ES" smtClean="0"/>
+              <a:rPr lang="es-ES"/>
               <a:t>Editar el estilo de texto del patrón</a:t>
             </a:r>
           </a:p>
           <a:p>
             <a:pPr lvl="1"/>
             <a:r>
-              <a:rPr lang="es-ES" smtClean="0"/>
+              <a:rPr lang="es-ES"/>
               <a:t>Segundo nivel</a:t>
             </a:r>
           </a:p>
           <a:p>
             <a:pPr lvl="2"/>
             <a:r>
-              <a:rPr lang="es-ES" smtClean="0"/>
+              <a:rPr lang="es-ES"/>
               <a:t>Tercer nivel</a:t>
             </a:r>
           </a:p>
           <a:p>
             <a:pPr lvl="3"/>
             <a:r>
-              <a:rPr lang="es-ES" smtClean="0"/>
+              <a:rPr lang="es-ES"/>
               <a:t>Cuarto nivel</a:t>
             </a:r>
           </a:p>
           <a:p>
             <a:pPr lvl="4"/>
             <a:r>
-              <a:rPr lang="es-ES" smtClean="0"/>
+              <a:rPr lang="es-ES"/>
               <a:t>Quinto nivel</a:t>
             </a:r>
             <a:endParaRPr lang="en-GB"/>
@@ -6980,7 +6856,7 @@
           <a:p>
             <a:fld id="{71286E14-A21F-4247-87A1-6C001434B2E9}" type="datetimeFigureOut">
               <a:rPr lang="en-GB" smtClean="0"/>
-              <a:t>25/08/2021</a:t>
+              <a:t>15/11/2021</a:t>
             </a:fld>
             <a:endParaRPr lang="en-GB"/>
           </a:p>
@@ -7022,7 +6898,7 @@
           <a:p>
             <a:fld id="{927982DA-6A85-4F77-B3D2-36DCD5868481}" type="slidenum">
               <a:rPr lang="en-GB" smtClean="0"/>
-              <a:t>‹Nº›</a:t>
+              <a:t>‹#›</a:t>
             </a:fld>
             <a:endParaRPr lang="en-GB"/>
           </a:p>
@@ -7079,7 +6955,7 @@
           <a:lstStyle/>
           <a:p>
             <a:r>
-              <a:rPr lang="es-ES" smtClean="0"/>
+              <a:rPr lang="es-ES"/>
               <a:t>Haga clic para modificar el estilo de título del patrón</a:t>
             </a:r>
             <a:endParaRPr lang="en-GB"/>
@@ -7108,35 +6984,35 @@
           <a:p>
             <a:pPr lvl="0"/>
             <a:r>
-              <a:rPr lang="es-ES" smtClean="0"/>
+              <a:rPr lang="es-ES"/>
               <a:t>Editar el estilo de texto del patrón</a:t>
             </a:r>
           </a:p>
           <a:p>
             <a:pPr lvl="1"/>
             <a:r>
-              <a:rPr lang="es-ES" smtClean="0"/>
+              <a:rPr lang="es-ES"/>
               <a:t>Segundo nivel</a:t>
             </a:r>
           </a:p>
           <a:p>
             <a:pPr lvl="2"/>
             <a:r>
-              <a:rPr lang="es-ES" smtClean="0"/>
+              <a:rPr lang="es-ES"/>
               <a:t>Tercer nivel</a:t>
             </a:r>
           </a:p>
           <a:p>
             <a:pPr lvl="3"/>
             <a:r>
-              <a:rPr lang="es-ES" smtClean="0"/>
+              <a:rPr lang="es-ES"/>
               <a:t>Cuarto nivel</a:t>
             </a:r>
           </a:p>
           <a:p>
             <a:pPr lvl="4"/>
             <a:r>
-              <a:rPr lang="es-ES" smtClean="0"/>
+              <a:rPr lang="es-ES"/>
               <a:t>Quinto nivel</a:t>
             </a:r>
             <a:endParaRPr lang="en-GB"/>
@@ -7160,7 +7036,7 @@
           <a:p>
             <a:fld id="{71286E14-A21F-4247-87A1-6C001434B2E9}" type="datetimeFigureOut">
               <a:rPr lang="en-GB" smtClean="0"/>
-              <a:t>25/08/2021</a:t>
+              <a:t>15/11/2021</a:t>
             </a:fld>
             <a:endParaRPr lang="en-GB"/>
           </a:p>
@@ -7202,7 +7078,7 @@
           <a:p>
             <a:fld id="{927982DA-6A85-4F77-B3D2-36DCD5868481}" type="slidenum">
               <a:rPr lang="en-GB" smtClean="0"/>
-              <a:t>‹Nº›</a:t>
+              <a:t>‹#›</a:t>
             </a:fld>
             <a:endParaRPr lang="en-GB"/>
           </a:p>
@@ -7384,7 +7260,7 @@
           <a:p>
             <a:fld id="{FB75AA7C-85FF-43DA-A19E-044EB312A766}" type="slidenum">
               <a:rPr lang="en-GB" smtClean="0"/>
-              <a:t>‹Nº›</a:t>
+              <a:t>‹#›</a:t>
             </a:fld>
             <a:endParaRPr lang="en-GB"/>
           </a:p>
@@ -7546,7 +7422,7 @@
           <a:p>
             <a:fld id="{FB75AA7C-85FF-43DA-A19E-044EB312A766}" type="slidenum">
               <a:rPr lang="en-GB" smtClean="0"/>
-              <a:t>‹Nº›</a:t>
+              <a:t>‹#›</a:t>
             </a:fld>
             <a:endParaRPr lang="en-GB"/>
           </a:p>
@@ -7701,7 +7577,7 @@
           <a:p>
             <a:fld id="{FB75AA7C-85FF-43DA-A19E-044EB312A766}" type="slidenum">
               <a:rPr lang="en-GB" smtClean="0"/>
-              <a:t>‹Nº›</a:t>
+              <a:t>‹#›</a:t>
             </a:fld>
             <a:endParaRPr lang="en-GB"/>
           </a:p>
@@ -7932,7 +7808,7 @@
           <a:p>
             <a:fld id="{FB75AA7C-85FF-43DA-A19E-044EB312A766}" type="slidenum">
               <a:rPr lang="en-GB" smtClean="0"/>
-              <a:t>‹Nº›</a:t>
+              <a:t>‹#›</a:t>
             </a:fld>
             <a:endParaRPr lang="en-GB"/>
           </a:p>
@@ -8149,7 +8025,7 @@
           <a:p>
             <a:fld id="{FB75AA7C-85FF-43DA-A19E-044EB312A766}" type="slidenum">
               <a:rPr lang="en-GB" smtClean="0"/>
-              <a:t>‹Nº›</a:t>
+              <a:t>‹#›</a:t>
             </a:fld>
             <a:endParaRPr lang="en-GB"/>
           </a:p>
@@ -8501,7 +8377,7 @@
           <a:p>
             <a:fld id="{FB75AA7C-85FF-43DA-A19E-044EB312A766}" type="slidenum">
               <a:rPr lang="en-GB" smtClean="0"/>
-              <a:t>‹Nº›</a:t>
+              <a:t>‹#›</a:t>
             </a:fld>
             <a:endParaRPr lang="en-GB"/>
           </a:p>
@@ -8585,7 +8461,7 @@
           <a:p>
             <a:fld id="{FB75AA7C-85FF-43DA-A19E-044EB312A766}" type="slidenum">
               <a:rPr lang="en-GB" smtClean="0"/>
-              <a:t>‹Nº›</a:t>
+              <a:t>‹#›</a:t>
             </a:fld>
             <a:endParaRPr lang="en-GB"/>
           </a:p>
@@ -8679,7 +8555,7 @@
           <a:p>
             <a:fld id="{4A42529D-B5B1-47E1-A19B-037CCFF42894}" type="datetimeFigureOut">
               <a:rPr lang="en-GB" smtClean="0"/>
-              <a:t>25/08/2021</a:t>
+              <a:t>15/11/2021</a:t>
             </a:fld>
             <a:endParaRPr lang="en-GB"/>
           </a:p>
@@ -8729,7 +8605,7 @@
           <a:p>
             <a:fld id="{FB75AA7C-85FF-43DA-A19E-044EB312A766}" type="slidenum">
               <a:rPr lang="en-GB" smtClean="0"/>
-              <a:t>‹Nº›</a:t>
+              <a:t>‹#›</a:t>
             </a:fld>
             <a:endParaRPr lang="en-GB"/>
           </a:p>
@@ -8781,7 +8657,7 @@
           <a:lstStyle/>
           <a:p>
             <a:r>
-              <a:rPr lang="es-ES" smtClean="0"/>
+              <a:rPr lang="es-ES"/>
               <a:t>Haga clic para modificar el estilo de título del patrón</a:t>
             </a:r>
             <a:endParaRPr lang="en-GB"/>
@@ -8805,35 +8681,35 @@
           <a:p>
             <a:pPr lvl="0"/>
             <a:r>
-              <a:rPr lang="es-ES" smtClean="0"/>
+              <a:rPr lang="es-ES"/>
               <a:t>Editar el estilo de texto del patrón</a:t>
             </a:r>
           </a:p>
           <a:p>
             <a:pPr lvl="1"/>
             <a:r>
-              <a:rPr lang="es-ES" smtClean="0"/>
+              <a:rPr lang="es-ES"/>
               <a:t>Segundo nivel</a:t>
             </a:r>
           </a:p>
           <a:p>
             <a:pPr lvl="2"/>
             <a:r>
-              <a:rPr lang="es-ES" smtClean="0"/>
+              <a:rPr lang="es-ES"/>
               <a:t>Tercer nivel</a:t>
             </a:r>
           </a:p>
           <a:p>
             <a:pPr lvl="3"/>
             <a:r>
-              <a:rPr lang="es-ES" smtClean="0"/>
+              <a:rPr lang="es-ES"/>
               <a:t>Cuarto nivel</a:t>
             </a:r>
           </a:p>
           <a:p>
             <a:pPr lvl="4"/>
             <a:r>
-              <a:rPr lang="es-ES" smtClean="0"/>
+              <a:rPr lang="es-ES"/>
               <a:t>Quinto nivel</a:t>
             </a:r>
             <a:endParaRPr lang="en-GB"/>
@@ -8857,7 +8733,7 @@
           <a:p>
             <a:fld id="{71286E14-A21F-4247-87A1-6C001434B2E9}" type="datetimeFigureOut">
               <a:rPr lang="en-GB" smtClean="0"/>
-              <a:t>25/08/2021</a:t>
+              <a:t>15/11/2021</a:t>
             </a:fld>
             <a:endParaRPr lang="en-GB"/>
           </a:p>
@@ -8899,7 +8775,7 @@
           <a:p>
             <a:fld id="{927982DA-6A85-4F77-B3D2-36DCD5868481}" type="slidenum">
               <a:rPr lang="en-GB" smtClean="0"/>
-              <a:t>‹Nº›</a:t>
+              <a:t>‹#›</a:t>
             </a:fld>
             <a:endParaRPr lang="en-GB"/>
           </a:p>
@@ -9142,7 +9018,7 @@
           <a:p>
             <a:fld id="{4A42529D-B5B1-47E1-A19B-037CCFF42894}" type="datetimeFigureOut">
               <a:rPr lang="en-GB" smtClean="0"/>
-              <a:t>25/08/2021</a:t>
+              <a:t>15/11/2021</a:t>
             </a:fld>
             <a:endParaRPr lang="en-GB"/>
           </a:p>
@@ -9192,7 +9068,7 @@
           <a:p>
             <a:fld id="{FB75AA7C-85FF-43DA-A19E-044EB312A766}" type="slidenum">
               <a:rPr lang="en-GB" smtClean="0"/>
-              <a:t>‹Nº›</a:t>
+              <a:t>‹#›</a:t>
             </a:fld>
             <a:endParaRPr lang="en-GB"/>
           </a:p>
@@ -9411,7 +9287,7 @@
           <a:p>
             <a:fld id="{4A42529D-B5B1-47E1-A19B-037CCFF42894}" type="datetimeFigureOut">
               <a:rPr lang="en-GB" smtClean="0"/>
-              <a:t>25/08/2021</a:t>
+              <a:t>15/11/2021</a:t>
             </a:fld>
             <a:endParaRPr lang="en-GB"/>
           </a:p>
@@ -9461,7 +9337,7 @@
           <a:p>
             <a:fld id="{FB75AA7C-85FF-43DA-A19E-044EB312A766}" type="slidenum">
               <a:rPr lang="en-GB" smtClean="0"/>
-              <a:t>‹Nº›</a:t>
+              <a:t>‹#›</a:t>
             </a:fld>
             <a:endParaRPr lang="en-GB"/>
           </a:p>
@@ -9597,7 +9473,7 @@
           <a:p>
             <a:fld id="{4A42529D-B5B1-47E1-A19B-037CCFF42894}" type="datetimeFigureOut">
               <a:rPr lang="en-GB" smtClean="0"/>
-              <a:t>25/08/2021</a:t>
+              <a:t>15/11/2021</a:t>
             </a:fld>
             <a:endParaRPr lang="en-GB"/>
           </a:p>
@@ -9647,7 +9523,7 @@
           <a:p>
             <a:fld id="{FB75AA7C-85FF-43DA-A19E-044EB312A766}" type="slidenum">
               <a:rPr lang="en-GB" smtClean="0"/>
-              <a:t>‹Nº›</a:t>
+              <a:t>‹#›</a:t>
             </a:fld>
             <a:endParaRPr lang="en-GB"/>
           </a:p>
@@ -9793,7 +9669,7 @@
           <a:p>
             <a:fld id="{4A42529D-B5B1-47E1-A19B-037CCFF42894}" type="datetimeFigureOut">
               <a:rPr lang="en-GB" smtClean="0"/>
-              <a:t>25/08/2021</a:t>
+              <a:t>15/11/2021</a:t>
             </a:fld>
             <a:endParaRPr lang="en-GB"/>
           </a:p>
@@ -9843,7 +9719,7 @@
           <a:p>
             <a:fld id="{FB75AA7C-85FF-43DA-A19E-044EB312A766}" type="slidenum">
               <a:rPr lang="en-GB" smtClean="0"/>
-              <a:t>‹Nº›</a:t>
+              <a:t>‹#›</a:t>
             </a:fld>
             <a:endParaRPr lang="en-GB"/>
           </a:p>
@@ -9904,7 +9780,7 @@
           </a:lstStyle>
           <a:p>
             <a:r>
-              <a:rPr lang="es-ES" smtClean="0"/>
+              <a:rPr lang="es-ES"/>
               <a:t>Haga clic para modificar el estilo de título del patrón</a:t>
             </a:r>
             <a:endParaRPr lang="en-GB"/>
@@ -10024,7 +9900,7 @@
           <a:p>
             <a:pPr lvl="0"/>
             <a:r>
-              <a:rPr lang="es-ES" smtClean="0"/>
+              <a:rPr lang="es-ES"/>
               <a:t>Editar el estilo de texto del patrón</a:t>
             </a:r>
           </a:p>
@@ -10047,7 +9923,7 @@
           <a:p>
             <a:fld id="{71286E14-A21F-4247-87A1-6C001434B2E9}" type="datetimeFigureOut">
               <a:rPr lang="en-GB" smtClean="0"/>
-              <a:t>25/08/2021</a:t>
+              <a:t>15/11/2021</a:t>
             </a:fld>
             <a:endParaRPr lang="en-GB"/>
           </a:p>
@@ -10089,7 +9965,7 @@
           <a:p>
             <a:fld id="{927982DA-6A85-4F77-B3D2-36DCD5868481}" type="slidenum">
               <a:rPr lang="en-GB" smtClean="0"/>
-              <a:t>‹Nº›</a:t>
+              <a:t>‹#›</a:t>
             </a:fld>
             <a:endParaRPr lang="en-GB"/>
           </a:p>
@@ -10141,7 +10017,7 @@
           <a:lstStyle/>
           <a:p>
             <a:r>
-              <a:rPr lang="es-ES" smtClean="0"/>
+              <a:rPr lang="es-ES"/>
               <a:t>Haga clic para modificar el estilo de título del patrón</a:t>
             </a:r>
             <a:endParaRPr lang="en-GB"/>
@@ -10170,35 +10046,35 @@
           <a:p>
             <a:pPr lvl="0"/>
             <a:r>
-              <a:rPr lang="es-ES" smtClean="0"/>
+              <a:rPr lang="es-ES"/>
               <a:t>Editar el estilo de texto del patrón</a:t>
             </a:r>
           </a:p>
           <a:p>
             <a:pPr lvl="1"/>
             <a:r>
-              <a:rPr lang="es-ES" smtClean="0"/>
+              <a:rPr lang="es-ES"/>
               <a:t>Segundo nivel</a:t>
             </a:r>
           </a:p>
           <a:p>
             <a:pPr lvl="2"/>
             <a:r>
-              <a:rPr lang="es-ES" smtClean="0"/>
+              <a:rPr lang="es-ES"/>
               <a:t>Tercer nivel</a:t>
             </a:r>
           </a:p>
           <a:p>
             <a:pPr lvl="3"/>
             <a:r>
-              <a:rPr lang="es-ES" smtClean="0"/>
+              <a:rPr lang="es-ES"/>
               <a:t>Cuarto nivel</a:t>
             </a:r>
           </a:p>
           <a:p>
             <a:pPr lvl="4"/>
             <a:r>
-              <a:rPr lang="es-ES" smtClean="0"/>
+              <a:rPr lang="es-ES"/>
               <a:t>Quinto nivel</a:t>
             </a:r>
             <a:endParaRPr lang="en-GB"/>
@@ -10227,35 +10103,35 @@
           <a:p>
             <a:pPr lvl="0"/>
             <a:r>
-              <a:rPr lang="es-ES" smtClean="0"/>
+              <a:rPr lang="es-ES"/>
               <a:t>Editar el estilo de texto del patrón</a:t>
             </a:r>
           </a:p>
           <a:p>
             <a:pPr lvl="1"/>
             <a:r>
-              <a:rPr lang="es-ES" smtClean="0"/>
+              <a:rPr lang="es-ES"/>
               <a:t>Segundo nivel</a:t>
             </a:r>
           </a:p>
           <a:p>
             <a:pPr lvl="2"/>
             <a:r>
-              <a:rPr lang="es-ES" smtClean="0"/>
+              <a:rPr lang="es-ES"/>
               <a:t>Tercer nivel</a:t>
             </a:r>
           </a:p>
           <a:p>
             <a:pPr lvl="3"/>
             <a:r>
-              <a:rPr lang="es-ES" smtClean="0"/>
+              <a:rPr lang="es-ES"/>
               <a:t>Cuarto nivel</a:t>
             </a:r>
           </a:p>
           <a:p>
             <a:pPr lvl="4"/>
             <a:r>
-              <a:rPr lang="es-ES" smtClean="0"/>
+              <a:rPr lang="es-ES"/>
               <a:t>Quinto nivel</a:t>
             </a:r>
             <a:endParaRPr lang="en-GB"/>
@@ -10279,7 +10155,7 @@
           <a:p>
             <a:fld id="{71286E14-A21F-4247-87A1-6C001434B2E9}" type="datetimeFigureOut">
               <a:rPr lang="en-GB" smtClean="0"/>
-              <a:t>25/08/2021</a:t>
+              <a:t>15/11/2021</a:t>
             </a:fld>
             <a:endParaRPr lang="en-GB"/>
           </a:p>
@@ -10321,7 +10197,7 @@
           <a:p>
             <a:fld id="{927982DA-6A85-4F77-B3D2-36DCD5868481}" type="slidenum">
               <a:rPr lang="en-GB" smtClean="0"/>
-              <a:t>‹Nº›</a:t>
+              <a:t>‹#›</a:t>
             </a:fld>
             <a:endParaRPr lang="en-GB"/>
           </a:p>
@@ -10378,7 +10254,7 @@
           <a:lstStyle/>
           <a:p>
             <a:r>
-              <a:rPr lang="es-ES" smtClean="0"/>
+              <a:rPr lang="es-ES"/>
               <a:t>Haga clic para modificar el estilo de título del patrón</a:t>
             </a:r>
             <a:endParaRPr lang="en-GB"/>
@@ -10444,7 +10320,7 @@
           <a:p>
             <a:pPr lvl="0"/>
             <a:r>
-              <a:rPr lang="es-ES" smtClean="0"/>
+              <a:rPr lang="es-ES"/>
               <a:t>Editar el estilo de texto del patrón</a:t>
             </a:r>
           </a:p>
@@ -10472,35 +10348,35 @@
           <a:p>
             <a:pPr lvl="0"/>
             <a:r>
-              <a:rPr lang="es-ES" smtClean="0"/>
+              <a:rPr lang="es-ES"/>
               <a:t>Editar el estilo de texto del patrón</a:t>
             </a:r>
           </a:p>
           <a:p>
             <a:pPr lvl="1"/>
             <a:r>
-              <a:rPr lang="es-ES" smtClean="0"/>
+              <a:rPr lang="es-ES"/>
               <a:t>Segundo nivel</a:t>
             </a:r>
           </a:p>
           <a:p>
             <a:pPr lvl="2"/>
             <a:r>
-              <a:rPr lang="es-ES" smtClean="0"/>
+              <a:rPr lang="es-ES"/>
               <a:t>Tercer nivel</a:t>
             </a:r>
           </a:p>
           <a:p>
             <a:pPr lvl="3"/>
             <a:r>
-              <a:rPr lang="es-ES" smtClean="0"/>
+              <a:rPr lang="es-ES"/>
               <a:t>Cuarto nivel</a:t>
             </a:r>
           </a:p>
           <a:p>
             <a:pPr lvl="4"/>
             <a:r>
-              <a:rPr lang="es-ES" smtClean="0"/>
+              <a:rPr lang="es-ES"/>
               <a:t>Quinto nivel</a:t>
             </a:r>
             <a:endParaRPr lang="en-GB"/>
@@ -10566,7 +10442,7 @@
           <a:p>
             <a:pPr lvl="0"/>
             <a:r>
-              <a:rPr lang="es-ES" smtClean="0"/>
+              <a:rPr lang="es-ES"/>
               <a:t>Editar el estilo de texto del patrón</a:t>
             </a:r>
           </a:p>
@@ -10594,35 +10470,35 @@
           <a:p>
             <a:pPr lvl="0"/>
             <a:r>
-              <a:rPr lang="es-ES" smtClean="0"/>
+              <a:rPr lang="es-ES"/>
               <a:t>Editar el estilo de texto del patrón</a:t>
             </a:r>
           </a:p>
           <a:p>
             <a:pPr lvl="1"/>
             <a:r>
-              <a:rPr lang="es-ES" smtClean="0"/>
+              <a:rPr lang="es-ES"/>
               <a:t>Segundo nivel</a:t>
             </a:r>
           </a:p>
           <a:p>
             <a:pPr lvl="2"/>
             <a:r>
-              <a:rPr lang="es-ES" smtClean="0"/>
+              <a:rPr lang="es-ES"/>
               <a:t>Tercer nivel</a:t>
             </a:r>
           </a:p>
           <a:p>
             <a:pPr lvl="3"/>
             <a:r>
-              <a:rPr lang="es-ES" smtClean="0"/>
+              <a:rPr lang="es-ES"/>
               <a:t>Cuarto nivel</a:t>
             </a:r>
           </a:p>
           <a:p>
             <a:pPr lvl="4"/>
             <a:r>
-              <a:rPr lang="es-ES" smtClean="0"/>
+              <a:rPr lang="es-ES"/>
               <a:t>Quinto nivel</a:t>
             </a:r>
             <a:endParaRPr lang="en-GB"/>
@@ -10646,7 +10522,7 @@
           <a:p>
             <a:fld id="{71286E14-A21F-4247-87A1-6C001434B2E9}" type="datetimeFigureOut">
               <a:rPr lang="en-GB" smtClean="0"/>
-              <a:t>25/08/2021</a:t>
+              <a:t>15/11/2021</a:t>
             </a:fld>
             <a:endParaRPr lang="en-GB"/>
           </a:p>
@@ -10688,7 +10564,7 @@
           <a:p>
             <a:fld id="{927982DA-6A85-4F77-B3D2-36DCD5868481}" type="slidenum">
               <a:rPr lang="en-GB" smtClean="0"/>
-              <a:t>‹Nº›</a:t>
+              <a:t>‹#›</a:t>
             </a:fld>
             <a:endParaRPr lang="en-GB"/>
           </a:p>
@@ -10740,7 +10616,7 @@
           <a:lstStyle/>
           <a:p>
             <a:r>
-              <a:rPr lang="es-ES" smtClean="0"/>
+              <a:rPr lang="es-ES"/>
               <a:t>Haga clic para modificar el estilo de título del patrón</a:t>
             </a:r>
             <a:endParaRPr lang="en-GB"/>
@@ -10764,7 +10640,7 @@
           <a:p>
             <a:fld id="{71286E14-A21F-4247-87A1-6C001434B2E9}" type="datetimeFigureOut">
               <a:rPr lang="en-GB" smtClean="0"/>
-              <a:t>25/08/2021</a:t>
+              <a:t>15/11/2021</a:t>
             </a:fld>
             <a:endParaRPr lang="en-GB"/>
           </a:p>
@@ -10806,7 +10682,7 @@
           <a:p>
             <a:fld id="{927982DA-6A85-4F77-B3D2-36DCD5868481}" type="slidenum">
               <a:rPr lang="en-GB" smtClean="0"/>
-              <a:t>‹Nº›</a:t>
+              <a:t>‹#›</a:t>
             </a:fld>
             <a:endParaRPr lang="en-GB"/>
           </a:p>
@@ -10859,7 +10735,7 @@
           <a:p>
             <a:fld id="{71286E14-A21F-4247-87A1-6C001434B2E9}" type="datetimeFigureOut">
               <a:rPr lang="en-GB" smtClean="0"/>
-              <a:t>25/08/2021</a:t>
+              <a:t>15/11/2021</a:t>
             </a:fld>
             <a:endParaRPr lang="en-GB"/>
           </a:p>
@@ -10901,7 +10777,7 @@
           <a:p>
             <a:fld id="{927982DA-6A85-4F77-B3D2-36DCD5868481}" type="slidenum">
               <a:rPr lang="en-GB" smtClean="0"/>
-              <a:t>‹Nº›</a:t>
+              <a:t>‹#›</a:t>
             </a:fld>
             <a:endParaRPr lang="en-GB"/>
           </a:p>
@@ -10962,7 +10838,7 @@
           </a:lstStyle>
           <a:p>
             <a:r>
-              <a:rPr lang="es-ES" smtClean="0"/>
+              <a:rPr lang="es-ES"/>
               <a:t>Haga clic para modificar el estilo de título del patrón</a:t>
             </a:r>
             <a:endParaRPr lang="en-GB"/>
@@ -11019,35 +10895,35 @@
           <a:p>
             <a:pPr lvl="0"/>
             <a:r>
-              <a:rPr lang="es-ES" smtClean="0"/>
+              <a:rPr lang="es-ES"/>
               <a:t>Editar el estilo de texto del patrón</a:t>
             </a:r>
           </a:p>
           <a:p>
             <a:pPr lvl="1"/>
             <a:r>
-              <a:rPr lang="es-ES" smtClean="0"/>
+              <a:rPr lang="es-ES"/>
               <a:t>Segundo nivel</a:t>
             </a:r>
           </a:p>
           <a:p>
             <a:pPr lvl="2"/>
             <a:r>
-              <a:rPr lang="es-ES" smtClean="0"/>
+              <a:rPr lang="es-ES"/>
               <a:t>Tercer nivel</a:t>
             </a:r>
           </a:p>
           <a:p>
             <a:pPr lvl="3"/>
             <a:r>
-              <a:rPr lang="es-ES" smtClean="0"/>
+              <a:rPr lang="es-ES"/>
               <a:t>Cuarto nivel</a:t>
             </a:r>
           </a:p>
           <a:p>
             <a:pPr lvl="4"/>
             <a:r>
-              <a:rPr lang="es-ES" smtClean="0"/>
+              <a:rPr lang="es-ES"/>
               <a:t>Quinto nivel</a:t>
             </a:r>
             <a:endParaRPr lang="en-GB"/>
@@ -11113,7 +10989,7 @@
           <a:p>
             <a:pPr lvl="0"/>
             <a:r>
-              <a:rPr lang="es-ES" smtClean="0"/>
+              <a:rPr lang="es-ES"/>
               <a:t>Editar el estilo de texto del patrón</a:t>
             </a:r>
           </a:p>
@@ -11136,7 +11012,7 @@
           <a:p>
             <a:fld id="{71286E14-A21F-4247-87A1-6C001434B2E9}" type="datetimeFigureOut">
               <a:rPr lang="en-GB" smtClean="0"/>
-              <a:t>25/08/2021</a:t>
+              <a:t>15/11/2021</a:t>
             </a:fld>
             <a:endParaRPr lang="en-GB"/>
           </a:p>
@@ -11178,7 +11054,7 @@
           <a:p>
             <a:fld id="{927982DA-6A85-4F77-B3D2-36DCD5868481}" type="slidenum">
               <a:rPr lang="en-GB" smtClean="0"/>
-              <a:t>‹Nº›</a:t>
+              <a:t>‹#›</a:t>
             </a:fld>
             <a:endParaRPr lang="en-GB"/>
           </a:p>
@@ -11239,7 +11115,7 @@
           </a:lstStyle>
           <a:p>
             <a:r>
-              <a:rPr lang="es-ES" smtClean="0"/>
+              <a:rPr lang="es-ES"/>
               <a:t>Haga clic para modificar el estilo de título del patrón</a:t>
             </a:r>
             <a:endParaRPr lang="en-GB"/>
@@ -11366,7 +11242,7 @@
           <a:p>
             <a:pPr lvl="0"/>
             <a:r>
-              <a:rPr lang="es-ES" smtClean="0"/>
+              <a:rPr lang="es-ES"/>
               <a:t>Editar el estilo de texto del patrón</a:t>
             </a:r>
           </a:p>
@@ -11389,7 +11265,7 @@
           <a:p>
             <a:fld id="{71286E14-A21F-4247-87A1-6C001434B2E9}" type="datetimeFigureOut">
               <a:rPr lang="en-GB" smtClean="0"/>
-              <a:t>25/08/2021</a:t>
+              <a:t>15/11/2021</a:t>
             </a:fld>
             <a:endParaRPr lang="en-GB"/>
           </a:p>
@@ -11431,7 +11307,7 @@
           <a:p>
             <a:fld id="{927982DA-6A85-4F77-B3D2-36DCD5868481}" type="slidenum">
               <a:rPr lang="en-GB" smtClean="0"/>
-              <a:t>‹Nº›</a:t>
+              <a:t>‹#›</a:t>
             </a:fld>
             <a:endParaRPr lang="en-GB"/>
           </a:p>
@@ -11498,7 +11374,7 @@
           <a:lstStyle/>
           <a:p>
             <a:r>
-              <a:rPr lang="es-ES" smtClean="0"/>
+              <a:rPr lang="es-ES"/>
               <a:t>Haga clic para modificar el estilo de título del patrón</a:t>
             </a:r>
             <a:endParaRPr lang="en-GB"/>
@@ -11532,35 +11408,35 @@
           <a:p>
             <a:pPr lvl="0"/>
             <a:r>
-              <a:rPr lang="es-ES" smtClean="0"/>
+              <a:rPr lang="es-ES"/>
               <a:t>Editar el estilo de texto del patrón</a:t>
             </a:r>
           </a:p>
           <a:p>
             <a:pPr lvl="1"/>
             <a:r>
-              <a:rPr lang="es-ES" smtClean="0"/>
+              <a:rPr lang="es-ES"/>
               <a:t>Segundo nivel</a:t>
             </a:r>
           </a:p>
           <a:p>
             <a:pPr lvl="2"/>
             <a:r>
-              <a:rPr lang="es-ES" smtClean="0"/>
+              <a:rPr lang="es-ES"/>
               <a:t>Tercer nivel</a:t>
             </a:r>
           </a:p>
           <a:p>
             <a:pPr lvl="3"/>
             <a:r>
-              <a:rPr lang="es-ES" smtClean="0"/>
+              <a:rPr lang="es-ES"/>
               <a:t>Cuarto nivel</a:t>
             </a:r>
           </a:p>
           <a:p>
             <a:pPr lvl="4"/>
             <a:r>
-              <a:rPr lang="es-ES" smtClean="0"/>
+              <a:rPr lang="es-ES"/>
               <a:t>Quinto nivel</a:t>
             </a:r>
             <a:endParaRPr lang="en-GB"/>
@@ -11602,7 +11478,7 @@
           <a:p>
             <a:fld id="{71286E14-A21F-4247-87A1-6C001434B2E9}" type="datetimeFigureOut">
               <a:rPr lang="en-GB" smtClean="0"/>
-              <a:t>25/08/2021</a:t>
+              <a:t>15/11/2021</a:t>
             </a:fld>
             <a:endParaRPr lang="en-GB"/>
           </a:p>
@@ -11680,7 +11556,7 @@
           <a:p>
             <a:fld id="{927982DA-6A85-4F77-B3D2-36DCD5868481}" type="slidenum">
               <a:rPr lang="en-GB" smtClean="0"/>
-              <a:t>‹Nº›</a:t>
+              <a:t>‹#›</a:t>
             </a:fld>
             <a:endParaRPr lang="en-GB"/>
           </a:p>
@@ -12658,186 +12534,94 @@
           <a:lstStyle/>
           <a:p>
             <a:r>
-              <a:rPr lang="es-ES" dirty="0" smtClean="0"/>
+              <a:rPr lang="es-ES" dirty="0"/>
               <a:t>Introducción Módulo 2</a:t>
             </a:r>
-            <a:endParaRPr lang="es-ES" dirty="0"/>
-          </a:p>
-        </p:txBody>
-      </p:sp>
-      <p:graphicFrame>
-        <p:nvGraphicFramePr>
-          <p:cNvPr id="4" name="Marcador de contenido 3"/>
-          <p:cNvGraphicFramePr>
-            <a:graphicFrameLocks noGrp="1"/>
-          </p:cNvGraphicFramePr>
+          </a:p>
+        </p:txBody>
+      </p:sp>
+      <p:sp>
+        <p:nvSpPr>
+          <p:cNvPr id="3" name="Marcador de contenido 2"/>
+          <p:cNvSpPr>
+            <a:spLocks noGrp="1"/>
+          </p:cNvSpPr>
           <p:nvPr>
             <p:ph idx="1"/>
-            <p:extLst>
-              <p:ext uri="{D42A27DB-BD31-4B8C-83A1-F6EECF244321}">
-                <p14:modId xmlns:p14="http://schemas.microsoft.com/office/powerpoint/2010/main" val="4217146790"/>
-              </p:ext>
-            </p:extLst>
           </p:nvPr>
-        </p:nvGraphicFramePr>
-        <p:xfrm>
-          <a:off x="537754" y="1877877"/>
-          <a:ext cx="5680166" cy="4014788"/>
-        </p:xfrm>
-        <a:graphic>
-          <a:graphicData uri="http://schemas.openxmlformats.org/drawingml/2006/diagram">
-            <dgm:relIds xmlns:dgm="http://schemas.openxmlformats.org/drawingml/2006/diagram" xmlns:r="http://schemas.openxmlformats.org/officeDocument/2006/relationships" r:dm="rId2" r:lo="rId3" r:qs="rId4" r:cs="rId5"/>
-          </a:graphicData>
-        </a:graphic>
-      </p:graphicFrame>
-      <p:sp>
-        <p:nvSpPr>
-          <p:cNvPr id="5" name="Flecha derecha 4"/>
-          <p:cNvSpPr/>
+        </p:nvSpPr>
+        <p:spPr/>
+        <p:txBody>
+          <a:bodyPr/>
+          <a:lstStyle/>
+          <a:p>
+            <a:r>
+              <a:rPr lang="es-ES" dirty="0"/>
+              <a:t>Big Data </a:t>
+            </a:r>
+            <a:r>
+              <a:rPr lang="es-ES" dirty="0">
+                <a:sym typeface="Wingdings" panose="05000000000000000000" pitchFamily="2" charset="2"/>
+              </a:rPr>
+              <a:t> Múltiples variables medidas y guardadas</a:t>
+            </a:r>
+          </a:p>
+          <a:p>
+            <a:r>
+              <a:rPr lang="es-ES" dirty="0">
+                <a:sym typeface="Wingdings" panose="05000000000000000000" pitchFamily="2" charset="2"/>
+              </a:rPr>
+              <a:t>Múltiples fuentes de datos </a:t>
+            </a:r>
+            <a:endParaRPr lang="es-ES" dirty="0"/>
+          </a:p>
+        </p:txBody>
+      </p:sp>
+      <p:pic>
+        <p:nvPicPr>
+          <p:cNvPr id="2050" name="Picture 2" descr="Del Big Data al Good Data: datos y tecnología como armas contra la COVID-19  | OpenMind"/>
+          <p:cNvPicPr>
+            <a:picLocks noChangeAspect="1" noChangeArrowheads="1"/>
+          </p:cNvPicPr>
           <p:nvPr/>
-        </p:nvSpPr>
-        <p:spPr>
+        </p:nvPicPr>
+        <p:blipFill>
+          <a:blip r:embed="rId2">
+            <a:extLst>
+              <a:ext uri="{28A0092B-C50C-407E-A947-70E740481C1C}">
+                <a14:useLocalDpi xmlns:a14="http://schemas.microsoft.com/office/drawing/2010/main" val="0"/>
+              </a:ext>
+            </a:extLst>
+          </a:blip>
+          <a:srcRect/>
+          <a:stretch>
+            <a:fillRect/>
+          </a:stretch>
+        </p:blipFill>
+        <p:spPr bwMode="auto">
           <a:xfrm>
-            <a:off x="5656218" y="3441134"/>
-            <a:ext cx="2860765" cy="888274"/>
-          </a:xfrm>
-          <a:prstGeom prst="rightArrow">
-            <a:avLst/>
-          </a:prstGeom>
-        </p:spPr>
-        <p:style>
-          <a:lnRef idx="2">
-            <a:schemeClr val="accent1">
-              <a:shade val="50000"/>
-            </a:schemeClr>
-          </a:lnRef>
-          <a:fillRef idx="1">
-            <a:schemeClr val="accent1"/>
-          </a:fillRef>
-          <a:effectRef idx="0">
-            <a:schemeClr val="accent1"/>
-          </a:effectRef>
-          <a:fontRef idx="minor">
-            <a:schemeClr val="lt1"/>
-          </a:fontRef>
-        </p:style>
-        <p:txBody>
-          <a:bodyPr rtlCol="0" anchor="ctr"/>
-          <a:lstStyle/>
-          <a:p>
-            <a:pPr algn="ctr"/>
-            <a:endParaRPr lang="es-ES"/>
-          </a:p>
-        </p:txBody>
-      </p:sp>
-      <p:sp>
-        <p:nvSpPr>
-          <p:cNvPr id="7" name="Rectángulo redondeado 6"/>
-          <p:cNvSpPr/>
-          <p:nvPr/>
-        </p:nvSpPr>
-        <p:spPr>
-          <a:xfrm>
-            <a:off x="8882743" y="3095897"/>
-            <a:ext cx="2795451" cy="1515292"/>
-          </a:xfrm>
-          <a:prstGeom prst="roundRect">
-            <a:avLst/>
-          </a:prstGeom>
-        </p:spPr>
-        <p:style>
-          <a:lnRef idx="2">
-            <a:schemeClr val="accent1">
-              <a:shade val="50000"/>
-            </a:schemeClr>
-          </a:lnRef>
-          <a:fillRef idx="1">
-            <a:schemeClr val="accent1"/>
-          </a:fillRef>
-          <a:effectRef idx="0">
-            <a:schemeClr val="accent1"/>
-          </a:effectRef>
-          <a:fontRef idx="minor">
-            <a:schemeClr val="lt1"/>
-          </a:fontRef>
-        </p:style>
-        <p:txBody>
-          <a:bodyPr rtlCol="0" anchor="ctr"/>
-          <a:lstStyle/>
-          <a:p>
-            <a:pPr algn="ctr"/>
-            <a:r>
-              <a:rPr lang="es-ES" sz="3200" dirty="0" smtClean="0"/>
-              <a:t>Variable X</a:t>
-            </a:r>
-            <a:endParaRPr lang="es-ES" sz="3200" dirty="0"/>
-          </a:p>
-        </p:txBody>
-      </p:sp>
-      <p:sp>
-        <p:nvSpPr>
-          <p:cNvPr id="8" name="CuadroTexto 7"/>
-          <p:cNvSpPr txBox="1"/>
-          <p:nvPr/>
-        </p:nvSpPr>
-        <p:spPr>
-          <a:xfrm>
-            <a:off x="5205547" y="2855450"/>
-            <a:ext cx="3762105" cy="461665"/>
+            <a:off x="993903" y="2963589"/>
+            <a:ext cx="7849652" cy="2688115"/>
           </a:xfrm>
           <a:prstGeom prst="rect">
             <a:avLst/>
           </a:prstGeom>
           <a:noFill/>
+          <a:extLst>
+            <a:ext uri="{909E8E84-426E-40DD-AFC4-6F175D3DCCD1}">
+              <a14:hiddenFill xmlns:a14="http://schemas.microsoft.com/office/drawing/2010/main">
+                <a:solidFill>
+                  <a:srgbClr val="FFFFFF"/>
+                </a:solidFill>
+              </a14:hiddenFill>
+            </a:ext>
+          </a:extLst>
         </p:spPr>
-        <p:txBody>
-          <a:bodyPr wrap="square" rtlCol="0">
-            <a:spAutoFit/>
-          </a:bodyPr>
-          <a:lstStyle/>
-          <a:p>
-            <a:r>
-              <a:rPr lang="es-ES" sz="2400" dirty="0" smtClean="0"/>
-              <a:t>Modelo inteligencia artificial</a:t>
-            </a:r>
-            <a:endParaRPr lang="es-ES" sz="2400" dirty="0"/>
-          </a:p>
-        </p:txBody>
-      </p:sp>
-      <p:sp>
-        <p:nvSpPr>
-          <p:cNvPr id="9" name="CuadroTexto 8"/>
-          <p:cNvSpPr txBox="1"/>
-          <p:nvPr/>
-        </p:nvSpPr>
-        <p:spPr>
-          <a:xfrm>
-            <a:off x="4899659" y="5150799"/>
-            <a:ext cx="5720444" cy="1015663"/>
-          </a:xfrm>
-          <a:prstGeom prst="rect">
-            <a:avLst/>
-          </a:prstGeom>
-          <a:noFill/>
-        </p:spPr>
-        <p:txBody>
-          <a:bodyPr wrap="square" rtlCol="0">
-            <a:spAutoFit/>
-          </a:bodyPr>
-          <a:lstStyle/>
-          <a:p>
-            <a:r>
-              <a:rPr lang="es-ES" sz="2000" dirty="0" smtClean="0"/>
-              <a:t>Para poder introducir esas variables al modelo, éstas tendrán que estar relacionadas de alguna forma con la variable a calcular</a:t>
-            </a:r>
-            <a:endParaRPr lang="es-ES" sz="2000" dirty="0"/>
-          </a:p>
-        </p:txBody>
-      </p:sp>
+      </p:pic>
     </p:spTree>
     <p:extLst>
       <p:ext uri="{BB962C8B-B14F-4D97-AF65-F5344CB8AC3E}">
-        <p14:creationId xmlns:p14="http://schemas.microsoft.com/office/powerpoint/2010/main" val="984488986"/>
+        <p14:creationId xmlns:p14="http://schemas.microsoft.com/office/powerpoint/2010/main" val="3904166566"/>
       </p:ext>
     </p:extLst>
   </p:cSld>
@@ -12880,10 +12664,9 @@
           <a:lstStyle/>
           <a:p>
             <a:r>
-              <a:rPr lang="es-ES" dirty="0" smtClean="0"/>
+              <a:rPr lang="es-ES" dirty="0"/>
               <a:t>Introducción Módulo 2</a:t>
             </a:r>
-            <a:endParaRPr lang="es-ES" dirty="0"/>
           </a:p>
         </p:txBody>
       </p:sp>
@@ -12897,14 +12680,14 @@
             <p:ph idx="1"/>
             <p:extLst>
               <p:ext uri="{D42A27DB-BD31-4B8C-83A1-F6EECF244321}">
-                <p14:modId xmlns:p14="http://schemas.microsoft.com/office/powerpoint/2010/main" val="1646304276"/>
+                <p14:modId xmlns:p14="http://schemas.microsoft.com/office/powerpoint/2010/main" val="4217146790"/>
               </p:ext>
             </p:extLst>
           </p:nvPr>
         </p:nvGraphicFramePr>
         <p:xfrm>
           <a:off x="537754" y="1877877"/>
-          <a:ext cx="4302033" cy="3177449"/>
+          <a:ext cx="5680166" cy="4014788"/>
         </p:xfrm>
         <a:graphic>
           <a:graphicData uri="http://schemas.openxmlformats.org/drawingml/2006/diagram">
@@ -12920,8 +12703,8 @@
         </p:nvSpPr>
         <p:spPr>
           <a:xfrm>
-            <a:off x="4846321" y="3298375"/>
-            <a:ext cx="1619793" cy="712151"/>
+            <a:off x="5656218" y="3441134"/>
+            <a:ext cx="2860765" cy="888274"/>
           </a:xfrm>
           <a:prstGeom prst="rightArrow">
             <a:avLst/>
@@ -12960,8 +12743,8 @@
         </p:nvSpPr>
         <p:spPr>
           <a:xfrm>
-            <a:off x="6657700" y="3047027"/>
-            <a:ext cx="2050868" cy="1214846"/>
+            <a:off x="8882743" y="3095897"/>
+            <a:ext cx="2795451" cy="1515292"/>
           </a:xfrm>
           <a:prstGeom prst="roundRect">
             <a:avLst/>
@@ -12989,10 +12772,9 @@
           <a:p>
             <a:pPr algn="ctr"/>
             <a:r>
-              <a:rPr lang="es-ES" sz="2000" dirty="0" smtClean="0"/>
+              <a:rPr lang="es-ES" sz="3200" dirty="0"/>
               <a:t>Variable X</a:t>
             </a:r>
-            <a:endParaRPr lang="es-ES" sz="2000" dirty="0"/>
           </a:p>
         </p:txBody>
       </p:sp>
@@ -13004,8 +12786,8 @@
         </p:nvSpPr>
         <p:spPr>
           <a:xfrm>
-            <a:off x="4084315" y="2710724"/>
-            <a:ext cx="3781699" cy="369332"/>
+            <a:off x="5205547" y="2855450"/>
+            <a:ext cx="3762105" cy="461665"/>
           </a:xfrm>
           <a:prstGeom prst="rect">
             <a:avLst/>
@@ -13019,10 +12801,9 @@
           <a:lstStyle/>
           <a:p>
             <a:r>
-              <a:rPr lang="es-ES" dirty="0" smtClean="0"/>
+              <a:rPr lang="es-ES" sz="2400" dirty="0"/>
               <a:t>Modelo inteligencia artificial</a:t>
             </a:r>
-            <a:endParaRPr lang="es-ES" dirty="0"/>
           </a:p>
         </p:txBody>
       </p:sp>
@@ -13034,8 +12815,8 @@
         </p:nvSpPr>
         <p:spPr>
           <a:xfrm>
-            <a:off x="854529" y="4598177"/>
-            <a:ext cx="4840878" cy="1384995"/>
+            <a:off x="4899659" y="5150799"/>
+            <a:ext cx="5720444" cy="1015663"/>
           </a:xfrm>
           <a:prstGeom prst="rect">
             <a:avLst/>
@@ -13049,93 +12830,16 @@
           <a:lstStyle/>
           <a:p>
             <a:r>
-              <a:rPr lang="es-ES" sz="2800" dirty="0" smtClean="0"/>
-              <a:t>¿Cómo medimos esa relación?</a:t>
-            </a:r>
-          </a:p>
-          <a:p>
-            <a:r>
-              <a:rPr lang="es-ES" sz="2800" dirty="0" smtClean="0"/>
-              <a:t>¿Cómo sabemos si nuestra variable es válida? </a:t>
-            </a:r>
-            <a:endParaRPr lang="es-ES" sz="2800" dirty="0"/>
-          </a:p>
-        </p:txBody>
-      </p:sp>
-      <p:sp>
-        <p:nvSpPr>
-          <p:cNvPr id="3" name="Flecha derecha 2"/>
-          <p:cNvSpPr/>
-          <p:nvPr/>
-        </p:nvSpPr>
-        <p:spPr>
-          <a:xfrm>
-            <a:off x="5156562" y="4935563"/>
-            <a:ext cx="2031272" cy="710222"/>
-          </a:xfrm>
-          <a:prstGeom prst="rightArrow">
-            <a:avLst/>
-          </a:prstGeom>
-        </p:spPr>
-        <p:style>
-          <a:lnRef idx="2">
-            <a:schemeClr val="accent1">
-              <a:shade val="50000"/>
-            </a:schemeClr>
-          </a:lnRef>
-          <a:fillRef idx="1">
-            <a:schemeClr val="accent1"/>
-          </a:fillRef>
-          <a:effectRef idx="0">
-            <a:schemeClr val="accent1"/>
-          </a:effectRef>
-          <a:fontRef idx="minor">
-            <a:schemeClr val="lt1"/>
-          </a:fontRef>
-        </p:style>
-        <p:txBody>
-          <a:bodyPr rtlCol="0" anchor="ctr"/>
-          <a:lstStyle/>
-          <a:p>
-            <a:pPr algn="ctr"/>
-            <a:endParaRPr lang="es-ES"/>
-          </a:p>
-        </p:txBody>
-      </p:sp>
-      <p:sp>
-        <p:nvSpPr>
-          <p:cNvPr id="10" name="CuadroTexto 9"/>
-          <p:cNvSpPr txBox="1"/>
-          <p:nvPr/>
-        </p:nvSpPr>
-        <p:spPr>
-          <a:xfrm>
-            <a:off x="7491548" y="5029064"/>
-            <a:ext cx="4840878" cy="523220"/>
-          </a:xfrm>
-          <a:prstGeom prst="rect">
-            <a:avLst/>
-          </a:prstGeom>
-          <a:noFill/>
-        </p:spPr>
-        <p:txBody>
-          <a:bodyPr wrap="square" rtlCol="0">
-            <a:spAutoFit/>
-          </a:bodyPr>
-          <a:lstStyle/>
-          <a:p>
-            <a:r>
-              <a:rPr lang="es-ES" sz="2800" b="1" dirty="0" smtClean="0"/>
-              <a:t>ANALISIS DE CORRELACIONES</a:t>
-            </a:r>
-            <a:endParaRPr lang="es-ES" sz="2800" b="1" dirty="0"/>
+              <a:rPr lang="es-ES" sz="2000" dirty="0"/>
+              <a:t>Para poder introducir esas variables al modelo, éstas tendrán que estar relacionadas de alguna forma con la variable a calcular</a:t>
+            </a:r>
           </a:p>
         </p:txBody>
       </p:sp>
     </p:spTree>
     <p:extLst>
       <p:ext uri="{BB962C8B-B14F-4D97-AF65-F5344CB8AC3E}">
-        <p14:creationId xmlns:p14="http://schemas.microsoft.com/office/powerpoint/2010/main" val="824026191"/>
+        <p14:creationId xmlns:p14="http://schemas.microsoft.com/office/powerpoint/2010/main" val="984488986"/>
       </p:ext>
     </p:extLst>
   </p:cSld>
@@ -13178,86 +12882,257 @@
           <a:lstStyle/>
           <a:p>
             <a:r>
-              <a:rPr lang="es-ES" dirty="0" smtClean="0"/>
-              <a:t>Objetivos</a:t>
-            </a:r>
-            <a:r>
-              <a:rPr lang="en-GB" dirty="0" smtClean="0"/>
-              <a:t> </a:t>
-            </a:r>
-            <a:r>
-              <a:rPr lang="es-ES" dirty="0" smtClean="0"/>
-              <a:t>Específicos</a:t>
-            </a:r>
-            <a:endParaRPr lang="es-ES" dirty="0"/>
-          </a:p>
-        </p:txBody>
-      </p:sp>
-      <p:sp>
-        <p:nvSpPr>
-          <p:cNvPr id="3" name="Marcador de contenido 2"/>
-          <p:cNvSpPr>
-            <a:spLocks noGrp="1"/>
-          </p:cNvSpPr>
+              <a:rPr lang="es-ES" dirty="0"/>
+              <a:t>Introducción Módulo 2</a:t>
+            </a:r>
+          </a:p>
+        </p:txBody>
+      </p:sp>
+      <p:graphicFrame>
+        <p:nvGraphicFramePr>
+          <p:cNvPr id="4" name="Marcador de contenido 3"/>
+          <p:cNvGraphicFramePr>
+            <a:graphicFrameLocks noGrp="1"/>
+          </p:cNvGraphicFramePr>
           <p:nvPr>
             <p:ph idx="1"/>
+            <p:extLst>
+              <p:ext uri="{D42A27DB-BD31-4B8C-83A1-F6EECF244321}">
+                <p14:modId xmlns:p14="http://schemas.microsoft.com/office/powerpoint/2010/main" val="1646304276"/>
+              </p:ext>
+            </p:extLst>
           </p:nvPr>
-        </p:nvSpPr>
-        <p:spPr/>
-        <p:txBody>
-          <a:bodyPr/>
+        </p:nvGraphicFramePr>
+        <p:xfrm>
+          <a:off x="537754" y="1877877"/>
+          <a:ext cx="4302033" cy="3177449"/>
+        </p:xfrm>
+        <a:graphic>
+          <a:graphicData uri="http://schemas.openxmlformats.org/drawingml/2006/diagram">
+            <dgm:relIds xmlns:dgm="http://schemas.openxmlformats.org/drawingml/2006/diagram" xmlns:r="http://schemas.openxmlformats.org/officeDocument/2006/relationships" r:dm="rId2" r:lo="rId3" r:qs="rId4" r:cs="rId5"/>
+          </a:graphicData>
+        </a:graphic>
+      </p:graphicFrame>
+      <p:sp>
+        <p:nvSpPr>
+          <p:cNvPr id="5" name="Flecha derecha 4"/>
+          <p:cNvSpPr/>
+          <p:nvPr/>
+        </p:nvSpPr>
+        <p:spPr>
+          <a:xfrm>
+            <a:off x="4846321" y="3298375"/>
+            <a:ext cx="1619793" cy="712151"/>
+          </a:xfrm>
+          <a:prstGeom prst="rightArrow">
+            <a:avLst/>
+          </a:prstGeom>
+        </p:spPr>
+        <p:style>
+          <a:lnRef idx="2">
+            <a:schemeClr val="accent1">
+              <a:shade val="50000"/>
+            </a:schemeClr>
+          </a:lnRef>
+          <a:fillRef idx="1">
+            <a:schemeClr val="accent1"/>
+          </a:fillRef>
+          <a:effectRef idx="0">
+            <a:schemeClr val="accent1"/>
+          </a:effectRef>
+          <a:fontRef idx="minor">
+            <a:schemeClr val="lt1"/>
+          </a:fontRef>
+        </p:style>
+        <p:txBody>
+          <a:bodyPr rtlCol="0" anchor="ctr"/>
           <a:lstStyle/>
           <a:p>
-            <a:r>
-              <a:rPr lang="es-ES" dirty="0" smtClean="0"/>
-              <a:t>Analizar la naturaleza estadística de los datos </a:t>
-            </a:r>
-          </a:p>
-          <a:p>
-            <a:pPr lvl="1"/>
-            <a:r>
-              <a:rPr lang="es-ES" dirty="0" smtClean="0"/>
-              <a:t>Repaso a variables estadísticas más simples</a:t>
-            </a:r>
-          </a:p>
-          <a:p>
-            <a:r>
-              <a:rPr lang="es-ES" dirty="0" smtClean="0"/>
-              <a:t>¿Qué es la correlación?</a:t>
-            </a:r>
-          </a:p>
-          <a:p>
-            <a:pPr lvl="1"/>
-            <a:r>
-              <a:rPr lang="es-ES" dirty="0" smtClean="0"/>
-              <a:t>Índices de correlación </a:t>
-            </a:r>
-          </a:p>
-          <a:p>
-            <a:r>
-              <a:rPr lang="es-ES" dirty="0" smtClean="0"/>
-              <a:t>Definición de regresión + tipos de regresores</a:t>
-            </a:r>
-          </a:p>
-          <a:p>
-            <a:r>
-              <a:rPr lang="es-ES" dirty="0" smtClean="0"/>
-              <a:t>Definición de clasificación supervisada + tipos de regresores</a:t>
-            </a:r>
-          </a:p>
-          <a:p>
-            <a:r>
-              <a:rPr lang="es-ES" dirty="0" smtClean="0"/>
-              <a:t>Analizar las métricas de error mas comunes</a:t>
-            </a:r>
-            <a:endParaRPr lang="es-ES" dirty="0"/>
+            <a:pPr algn="ctr"/>
+            <a:endParaRPr lang="es-ES"/>
+          </a:p>
+        </p:txBody>
+      </p:sp>
+      <p:sp>
+        <p:nvSpPr>
+          <p:cNvPr id="7" name="Rectángulo redondeado 6"/>
+          <p:cNvSpPr/>
+          <p:nvPr/>
+        </p:nvSpPr>
+        <p:spPr>
+          <a:xfrm>
+            <a:off x="6657700" y="3047027"/>
+            <a:ext cx="2050868" cy="1214846"/>
+          </a:xfrm>
+          <a:prstGeom prst="roundRect">
+            <a:avLst/>
+          </a:prstGeom>
+        </p:spPr>
+        <p:style>
+          <a:lnRef idx="2">
+            <a:schemeClr val="accent1">
+              <a:shade val="50000"/>
+            </a:schemeClr>
+          </a:lnRef>
+          <a:fillRef idx="1">
+            <a:schemeClr val="accent1"/>
+          </a:fillRef>
+          <a:effectRef idx="0">
+            <a:schemeClr val="accent1"/>
+          </a:effectRef>
+          <a:fontRef idx="minor">
+            <a:schemeClr val="lt1"/>
+          </a:fontRef>
+        </p:style>
+        <p:txBody>
+          <a:bodyPr rtlCol="0" anchor="ctr"/>
+          <a:lstStyle/>
+          <a:p>
+            <a:pPr algn="ctr"/>
+            <a:r>
+              <a:rPr lang="es-ES" sz="2000" dirty="0"/>
+              <a:t>Variable X</a:t>
+            </a:r>
+          </a:p>
+        </p:txBody>
+      </p:sp>
+      <p:sp>
+        <p:nvSpPr>
+          <p:cNvPr id="8" name="CuadroTexto 7"/>
+          <p:cNvSpPr txBox="1"/>
+          <p:nvPr/>
+        </p:nvSpPr>
+        <p:spPr>
+          <a:xfrm>
+            <a:off x="4084315" y="2710724"/>
+            <a:ext cx="3781699" cy="369332"/>
+          </a:xfrm>
+          <a:prstGeom prst="rect">
+            <a:avLst/>
+          </a:prstGeom>
+          <a:noFill/>
+        </p:spPr>
+        <p:txBody>
+          <a:bodyPr wrap="square" rtlCol="0">
+            <a:spAutoFit/>
+          </a:bodyPr>
+          <a:lstStyle/>
+          <a:p>
+            <a:r>
+              <a:rPr lang="es-ES" dirty="0"/>
+              <a:t>Modelo inteligencia artificial</a:t>
+            </a:r>
+          </a:p>
+        </p:txBody>
+      </p:sp>
+      <p:sp>
+        <p:nvSpPr>
+          <p:cNvPr id="9" name="CuadroTexto 8"/>
+          <p:cNvSpPr txBox="1"/>
+          <p:nvPr/>
+        </p:nvSpPr>
+        <p:spPr>
+          <a:xfrm>
+            <a:off x="854529" y="4598177"/>
+            <a:ext cx="4840878" cy="1384995"/>
+          </a:xfrm>
+          <a:prstGeom prst="rect">
+            <a:avLst/>
+          </a:prstGeom>
+          <a:noFill/>
+        </p:spPr>
+        <p:txBody>
+          <a:bodyPr wrap="square" rtlCol="0">
+            <a:spAutoFit/>
+          </a:bodyPr>
+          <a:lstStyle/>
+          <a:p>
+            <a:r>
+              <a:rPr lang="es-ES" sz="2800" dirty="0"/>
+              <a:t>¿Cómo medimos esa relación?</a:t>
+            </a:r>
+          </a:p>
+          <a:p>
+            <a:r>
+              <a:rPr lang="es-ES" sz="2800" dirty="0"/>
+              <a:t>¿Cómo sabemos si nuestra variable es válida? </a:t>
+            </a:r>
+          </a:p>
+        </p:txBody>
+      </p:sp>
+      <p:sp>
+        <p:nvSpPr>
+          <p:cNvPr id="3" name="Flecha derecha 2"/>
+          <p:cNvSpPr/>
+          <p:nvPr/>
+        </p:nvSpPr>
+        <p:spPr>
+          <a:xfrm>
+            <a:off x="5156562" y="4935563"/>
+            <a:ext cx="2031272" cy="710222"/>
+          </a:xfrm>
+          <a:prstGeom prst="rightArrow">
+            <a:avLst/>
+          </a:prstGeom>
+        </p:spPr>
+        <p:style>
+          <a:lnRef idx="2">
+            <a:schemeClr val="accent1">
+              <a:shade val="50000"/>
+            </a:schemeClr>
+          </a:lnRef>
+          <a:fillRef idx="1">
+            <a:schemeClr val="accent1"/>
+          </a:fillRef>
+          <a:effectRef idx="0">
+            <a:schemeClr val="accent1"/>
+          </a:effectRef>
+          <a:fontRef idx="minor">
+            <a:schemeClr val="lt1"/>
+          </a:fontRef>
+        </p:style>
+        <p:txBody>
+          <a:bodyPr rtlCol="0" anchor="ctr"/>
+          <a:lstStyle/>
+          <a:p>
+            <a:pPr algn="ctr"/>
+            <a:endParaRPr lang="es-ES"/>
+          </a:p>
+        </p:txBody>
+      </p:sp>
+      <p:sp>
+        <p:nvSpPr>
+          <p:cNvPr id="10" name="CuadroTexto 9"/>
+          <p:cNvSpPr txBox="1"/>
+          <p:nvPr/>
+        </p:nvSpPr>
+        <p:spPr>
+          <a:xfrm>
+            <a:off x="7491548" y="5029064"/>
+            <a:ext cx="4840878" cy="523220"/>
+          </a:xfrm>
+          <a:prstGeom prst="rect">
+            <a:avLst/>
+          </a:prstGeom>
+          <a:noFill/>
+        </p:spPr>
+        <p:txBody>
+          <a:bodyPr wrap="square" rtlCol="0">
+            <a:spAutoFit/>
+          </a:bodyPr>
+          <a:lstStyle/>
+          <a:p>
+            <a:r>
+              <a:rPr lang="es-ES" sz="2800" b="1" dirty="0"/>
+              <a:t>ANALISIS DE CORRELACIONES</a:t>
+            </a:r>
           </a:p>
         </p:txBody>
       </p:sp>
     </p:spTree>
     <p:extLst>
       <p:ext uri="{BB962C8B-B14F-4D97-AF65-F5344CB8AC3E}">
-        <p14:creationId xmlns:p14="http://schemas.microsoft.com/office/powerpoint/2010/main" val="2512489450"/>
+        <p14:creationId xmlns:p14="http://schemas.microsoft.com/office/powerpoint/2010/main" val="824026191"/>
       </p:ext>
     </p:extLst>
   </p:cSld>
@@ -13300,18 +13175,137 @@
           <a:lstStyle/>
           <a:p>
             <a:r>
-              <a:rPr lang="en-GB" dirty="0" smtClean="0"/>
+              <a:rPr lang="es-ES" dirty="0"/>
+              <a:t>Objetivos</a:t>
+            </a:r>
+            <a:r>
+              <a:rPr lang="en-GB" dirty="0"/>
+              <a:t> </a:t>
+            </a:r>
+            <a:r>
+              <a:rPr lang="es-ES" dirty="0"/>
+              <a:t>Específicos</a:t>
+            </a:r>
+          </a:p>
+        </p:txBody>
+      </p:sp>
+      <p:sp>
+        <p:nvSpPr>
+          <p:cNvPr id="3" name="Marcador de contenido 2"/>
+          <p:cNvSpPr>
+            <a:spLocks noGrp="1"/>
+          </p:cNvSpPr>
+          <p:nvPr>
+            <p:ph idx="1"/>
+          </p:nvPr>
+        </p:nvSpPr>
+        <p:spPr/>
+        <p:txBody>
+          <a:bodyPr/>
+          <a:lstStyle/>
+          <a:p>
+            <a:r>
+              <a:rPr lang="es-ES" dirty="0"/>
+              <a:t>Analizar la naturaleza estadística de los datos </a:t>
+            </a:r>
+          </a:p>
+          <a:p>
+            <a:pPr lvl="1"/>
+            <a:r>
+              <a:rPr lang="es-ES" dirty="0"/>
+              <a:t>Repaso a variables estadísticas más simples</a:t>
+            </a:r>
+          </a:p>
+          <a:p>
+            <a:r>
+              <a:rPr lang="es-ES" dirty="0"/>
+              <a:t>¿Qué es la correlación?</a:t>
+            </a:r>
+          </a:p>
+          <a:p>
+            <a:pPr lvl="1"/>
+            <a:r>
+              <a:rPr lang="es-ES" dirty="0"/>
+              <a:t>Índices de correlación </a:t>
+            </a:r>
+          </a:p>
+          <a:p>
+            <a:r>
+              <a:rPr lang="es-ES" dirty="0"/>
+              <a:t>Definición de regresión + tipos de regresores</a:t>
+            </a:r>
+          </a:p>
+          <a:p>
+            <a:r>
+              <a:rPr lang="es-ES" dirty="0"/>
+              <a:t>Definición de clasificación supervisada + tipos de regresores</a:t>
+            </a:r>
+          </a:p>
+          <a:p>
+            <a:r>
+              <a:rPr lang="es-ES" dirty="0"/>
+              <a:t>Analizar las métricas de error mas comunes</a:t>
+            </a:r>
+          </a:p>
+        </p:txBody>
+      </p:sp>
+    </p:spTree>
+    <p:extLst>
+      <p:ext uri="{BB962C8B-B14F-4D97-AF65-F5344CB8AC3E}">
+        <p14:creationId xmlns:p14="http://schemas.microsoft.com/office/powerpoint/2010/main" val="2512489450"/>
+      </p:ext>
+    </p:extLst>
+  </p:cSld>
+  <p:clrMapOvr>
+    <a:masterClrMapping/>
+  </p:clrMapOvr>
+</p:sld>
+</file>
+
+<file path=ppt/slides/slide14.xml><?xml version="1.0" encoding="utf-8"?>
+<p:sld xmlns:a="http://schemas.openxmlformats.org/drawingml/2006/main" xmlns:r="http://schemas.openxmlformats.org/officeDocument/2006/relationships" xmlns:p="http://schemas.openxmlformats.org/presentationml/2006/main">
+  <p:cSld>
+    <p:spTree>
+      <p:nvGrpSpPr>
+        <p:cNvPr id="1" name=""/>
+        <p:cNvGrpSpPr/>
+        <p:nvPr/>
+      </p:nvGrpSpPr>
+      <p:grpSpPr>
+        <a:xfrm>
+          <a:off x="0" y="0"/>
+          <a:ext cx="0" cy="0"/>
+          <a:chOff x="0" y="0"/>
+          <a:chExt cx="0" cy="0"/>
+        </a:xfrm>
+      </p:grpSpPr>
+      <p:sp>
+        <p:nvSpPr>
+          <p:cNvPr id="2" name="Título 1"/>
+          <p:cNvSpPr>
+            <a:spLocks noGrp="1"/>
+          </p:cNvSpPr>
+          <p:nvPr>
+            <p:ph type="title"/>
+          </p:nvPr>
+        </p:nvSpPr>
+        <p:spPr/>
+        <p:txBody>
+          <a:bodyPr/>
+          <a:lstStyle/>
+          <a:p>
+            <a:r>
+              <a:rPr lang="en-GB" dirty="0"/>
               <a:t>Variables </a:t>
             </a:r>
             <a:r>
-              <a:rPr lang="en-GB" dirty="0" err="1" smtClean="0"/>
+              <a:rPr lang="en-GB" dirty="0" err="1"/>
               <a:t>Estadísticas</a:t>
             </a:r>
             <a:r>
-              <a:rPr lang="en-GB" dirty="0" smtClean="0"/>
+              <a:rPr lang="en-GB" dirty="0"/>
               <a:t> I</a:t>
             </a:r>
-            <a:endParaRPr lang="en-GB" dirty="0"/>
           </a:p>
         </p:txBody>
       </p:sp>
@@ -13464,7 +13458,7 @@
           <a:p>
             <a:pPr algn="ctr"/>
             <a:r>
-              <a:rPr lang="es-ES" sz="4400" dirty="0" smtClean="0">
+              <a:rPr lang="es-ES" sz="4400" dirty="0">
                 <a:solidFill>
                   <a:srgbClr val="002060"/>
                 </a:solidFill>
@@ -13503,7 +13497,7 @@
           <a:p>
             <a:pPr algn="ctr"/>
             <a:r>
-              <a:rPr lang="es-ES" sz="4400" dirty="0" smtClean="0">
+              <a:rPr lang="es-ES" sz="4400" dirty="0">
                 <a:solidFill>
                   <a:srgbClr val="002060"/>
                 </a:solidFill>
@@ -13531,7 +13525,7 @@
 </p:sld>
 </file>
 
-<file path=ppt/slides/slide14.xml><?xml version="1.0" encoding="utf-8"?>
+<file path=ppt/slides/slide15.xml><?xml version="1.0" encoding="utf-8"?>
 <p:sld xmlns:a="http://schemas.openxmlformats.org/drawingml/2006/main" xmlns:r="http://schemas.openxmlformats.org/officeDocument/2006/relationships" xmlns:p="http://schemas.openxmlformats.org/presentationml/2006/main">
   <p:cSld>
     <p:spTree>
@@ -13564,18 +13558,17 @@
           <a:lstStyle/>
           <a:p>
             <a:r>
-              <a:rPr lang="en-GB" dirty="0" smtClean="0"/>
+              <a:rPr lang="en-GB" dirty="0"/>
               <a:t>Variables </a:t>
             </a:r>
             <a:r>
-              <a:rPr lang="en-GB" dirty="0" err="1" smtClean="0"/>
+              <a:rPr lang="en-GB" dirty="0" err="1"/>
               <a:t>Estadísticas</a:t>
             </a:r>
             <a:r>
-              <a:rPr lang="en-GB" dirty="0" smtClean="0"/>
+              <a:rPr lang="en-GB" dirty="0"/>
               <a:t> II</a:t>
             </a:r>
-            <a:endParaRPr lang="en-GB" dirty="0"/>
           </a:p>
         </p:txBody>
       </p:sp>
@@ -13600,11 +13593,11 @@
           <a:lstStyle/>
           <a:p>
             <a:r>
-              <a:rPr lang="es-ES" dirty="0" smtClean="0"/>
+              <a:rPr lang="es-ES" dirty="0"/>
               <a:t>Series Temporales </a:t>
             </a:r>
             <a:r>
-              <a:rPr lang="es-ES" dirty="0" smtClean="0">
+              <a:rPr lang="es-ES" dirty="0">
                 <a:sym typeface="Wingdings" panose="05000000000000000000" pitchFamily="2" charset="2"/>
               </a:rPr>
               <a:t> Media, Mediana, Moda, desviación estándar…</a:t>
@@ -13667,7 +13660,7 @@
 </p:sld>
 </file>
 
-<file path=ppt/slides/slide15.xml><?xml version="1.0" encoding="utf-8"?>
+<file path=ppt/slides/slide16.xml><?xml version="1.0" encoding="utf-8"?>
 <p:sld xmlns:a="http://schemas.openxmlformats.org/drawingml/2006/main" xmlns:r="http://schemas.openxmlformats.org/officeDocument/2006/relationships" xmlns:p="http://schemas.openxmlformats.org/presentationml/2006/main">
   <p:cSld>
     <p:spTree>
@@ -13709,11 +13702,7 @@
             </a:r>
             <a:r>
               <a:rPr lang="en-GB" dirty="0"/>
-              <a:t> </a:t>
-            </a:r>
-            <a:r>
-              <a:rPr lang="en-GB" dirty="0" smtClean="0"/>
-              <a:t>III</a:t>
+              <a:t> III</a:t>
             </a:r>
             <a:endParaRPr lang="es-ES" dirty="0"/>
           </a:p>
@@ -13735,10 +13724,9 @@
           <a:lstStyle/>
           <a:p>
             <a:r>
-              <a:rPr lang="es-ES" dirty="0" smtClean="0"/>
+              <a:rPr lang="es-ES" dirty="0"/>
               <a:t>Formulación </a:t>
             </a:r>
-            <a:endParaRPr lang="es-ES" dirty="0"/>
           </a:p>
         </p:txBody>
       </p:sp>
@@ -13807,10 +13795,9 @@
           <a:p>
             <a:pPr algn="ctr"/>
             <a:r>
-              <a:rPr lang="es-ES" sz="4000" dirty="0" smtClean="0"/>
+              <a:rPr lang="es-ES" sz="4000" dirty="0"/>
               <a:t>Media</a:t>
             </a:r>
-            <a:endParaRPr lang="es-ES" sz="4000" dirty="0"/>
           </a:p>
         </p:txBody>
       </p:sp>
@@ -13879,10 +13866,9 @@
           <a:p>
             <a:pPr algn="ctr"/>
             <a:r>
-              <a:rPr lang="es-ES" sz="4000" dirty="0" smtClean="0"/>
+              <a:rPr lang="es-ES" sz="4000" dirty="0"/>
               <a:t>Desviación estándar</a:t>
             </a:r>
-            <a:endParaRPr lang="es-ES" sz="4000" dirty="0"/>
           </a:p>
         </p:txBody>
       </p:sp>
@@ -13909,7 +13895,7 @@
           <a:lstStyle/>
           <a:p>
             <a:r>
-              <a:rPr lang="es-ES" sz="2400" b="1" dirty="0" smtClean="0">
+              <a:rPr lang="es-ES" sz="2400" b="1" dirty="0">
                 <a:solidFill>
                   <a:srgbClr val="FF0000"/>
                 </a:solidFill>
@@ -13917,7 +13903,7 @@
               <a:t>En R (</a:t>
             </a:r>
             <a:r>
-              <a:rPr lang="es-ES" sz="2400" b="1" dirty="0" err="1" smtClean="0">
+              <a:rPr lang="es-ES" sz="2400" b="1" dirty="0" err="1">
                 <a:solidFill>
                   <a:srgbClr val="FF0000"/>
                 </a:solidFill>
@@ -13925,18 +13911,13 @@
               <a:t>Rstudio</a:t>
             </a:r>
             <a:r>
-              <a:rPr lang="es-ES" sz="2400" b="1" dirty="0" smtClean="0">
+              <a:rPr lang="es-ES" sz="2400" b="1" dirty="0">
                 <a:solidFill>
                   <a:srgbClr val="FF0000"/>
                 </a:solidFill>
               </a:rPr>
               <a:t>) existen funciones intrínsecas para calcular estas variables</a:t>
             </a:r>
-            <a:endParaRPr lang="es-ES" sz="2400" b="1" dirty="0">
-              <a:solidFill>
-                <a:srgbClr val="FF0000"/>
-              </a:solidFill>
-            </a:endParaRPr>
           </a:p>
         </p:txBody>
       </p:sp>
@@ -13944,132 +13925,6 @@
     <p:extLst>
       <p:ext uri="{BB962C8B-B14F-4D97-AF65-F5344CB8AC3E}">
         <p14:creationId xmlns:p14="http://schemas.microsoft.com/office/powerpoint/2010/main" val="4106881254"/>
-      </p:ext>
-    </p:extLst>
-  </p:cSld>
-  <p:clrMapOvr>
-    <a:masterClrMapping/>
-  </p:clrMapOvr>
-</p:sld>
-</file>
-
-<file path=ppt/slides/slide16.xml><?xml version="1.0" encoding="utf-8"?>
-<p:sld xmlns:a="http://schemas.openxmlformats.org/drawingml/2006/main" xmlns:r="http://schemas.openxmlformats.org/officeDocument/2006/relationships" xmlns:p="http://schemas.openxmlformats.org/presentationml/2006/main">
-  <p:cSld>
-    <p:spTree>
-      <p:nvGrpSpPr>
-        <p:cNvPr id="1" name=""/>
-        <p:cNvGrpSpPr/>
-        <p:nvPr/>
-      </p:nvGrpSpPr>
-      <p:grpSpPr>
-        <a:xfrm>
-          <a:off x="0" y="0"/>
-          <a:ext cx="0" cy="0"/>
-          <a:chOff x="0" y="0"/>
-          <a:chExt cx="0" cy="0"/>
-        </a:xfrm>
-      </p:grpSpPr>
-      <p:sp>
-        <p:nvSpPr>
-          <p:cNvPr id="2" name="Título 1"/>
-          <p:cNvSpPr>
-            <a:spLocks noGrp="1"/>
-          </p:cNvSpPr>
-          <p:nvPr>
-            <p:ph type="title"/>
-          </p:nvPr>
-        </p:nvSpPr>
-        <p:spPr/>
-        <p:txBody>
-          <a:bodyPr/>
-          <a:lstStyle/>
-          <a:p>
-            <a:r>
-              <a:rPr lang="en-GB" dirty="0" err="1" smtClean="0"/>
-              <a:t>Correlación</a:t>
-            </a:r>
-            <a:r>
-              <a:rPr lang="en-GB" dirty="0" smtClean="0"/>
-              <a:t> y </a:t>
-            </a:r>
-            <a:r>
-              <a:rPr lang="en-GB" dirty="0" err="1" smtClean="0"/>
-              <a:t>Covarianza</a:t>
-            </a:r>
-            <a:endParaRPr lang="en-GB" dirty="0"/>
-          </a:p>
-        </p:txBody>
-      </p:sp>
-      <p:sp>
-        <p:nvSpPr>
-          <p:cNvPr id="3" name="Marcador de contenido 2"/>
-          <p:cNvSpPr>
-            <a:spLocks noGrp="1"/>
-          </p:cNvSpPr>
-          <p:nvPr>
-            <p:ph idx="1"/>
-          </p:nvPr>
-        </p:nvSpPr>
-        <p:spPr>
-          <a:xfrm>
-            <a:off x="838200" y="2062109"/>
-            <a:ext cx="10515600" cy="3250871"/>
-          </a:xfrm>
-        </p:spPr>
-        <p:txBody>
-          <a:bodyPr>
-            <a:normAutofit/>
-          </a:bodyPr>
-          <a:lstStyle/>
-          <a:p>
-            <a:pPr marL="0" indent="0">
-              <a:buNone/>
-            </a:pPr>
-            <a:r>
-              <a:rPr lang="es-ES" sz="3600" dirty="0" smtClean="0"/>
-              <a:t>“La </a:t>
-            </a:r>
-            <a:r>
-              <a:rPr lang="es-ES" sz="3600" dirty="0"/>
-              <a:t>correlación en el sentido más amplio es una medida de una asociación entre variables. En </a:t>
-            </a:r>
-            <a:r>
-              <a:rPr lang="es-ES" sz="3600" dirty="0" smtClean="0"/>
-              <a:t>correlación datos</a:t>
-            </a:r>
-            <a:r>
-              <a:rPr lang="es-ES" sz="3600" dirty="0"/>
-              <a:t>, el cambio en la magnitud de 1 variable está asociado con un cambio en </a:t>
-            </a:r>
-            <a:r>
-              <a:rPr lang="es-ES" sz="3600" dirty="0" smtClean="0"/>
-              <a:t>el magnitud </a:t>
-            </a:r>
-            <a:r>
-              <a:rPr lang="es-ES" sz="3600" dirty="0"/>
-              <a:t>de otra variable, ya sea en la misma (correlación positiva) o en la opuesta (</a:t>
-            </a:r>
-            <a:r>
-              <a:rPr lang="es-ES" sz="3600" dirty="0" smtClean="0"/>
-              <a:t>negativa correlación</a:t>
-            </a:r>
-            <a:r>
-              <a:rPr lang="es-ES" sz="3600" dirty="0"/>
-              <a:t>) </a:t>
-            </a:r>
-            <a:r>
-              <a:rPr lang="es-ES" sz="3600" dirty="0" smtClean="0"/>
-              <a:t>dirección”</a:t>
-            </a:r>
-            <a:endParaRPr lang="en-GB" sz="3600" dirty="0"/>
-          </a:p>
-        </p:txBody>
-      </p:sp>
-    </p:spTree>
-    <p:extLst>
-      <p:ext uri="{BB962C8B-B14F-4D97-AF65-F5344CB8AC3E}">
-        <p14:creationId xmlns:p14="http://schemas.microsoft.com/office/powerpoint/2010/main" val="2186666675"/>
       </p:ext>
     </p:extLst>
   </p:cSld>
@@ -14098,6 +13953,372 @@
       </p:grpSpPr>
       <p:sp>
         <p:nvSpPr>
+          <p:cNvPr id="2" name="Título 1">
+            <a:extLst>
+              <a:ext uri="{FF2B5EF4-FFF2-40B4-BE49-F238E27FC236}">
+                <a16:creationId xmlns:a16="http://schemas.microsoft.com/office/drawing/2014/main" id="{408344B9-9635-460B-A9B2-77F2579474B8}"/>
+              </a:ext>
+            </a:extLst>
+          </p:cNvPr>
+          <p:cNvSpPr>
+            <a:spLocks noGrp="1"/>
+          </p:cNvSpPr>
+          <p:nvPr>
+            <p:ph type="title"/>
+          </p:nvPr>
+        </p:nvSpPr>
+        <p:spPr/>
+        <p:txBody>
+          <a:bodyPr/>
+          <a:lstStyle/>
+          <a:p>
+            <a:r>
+              <a:rPr lang="en-GB" dirty="0"/>
+              <a:t>Variables </a:t>
+            </a:r>
+            <a:r>
+              <a:rPr lang="en-GB" dirty="0" err="1"/>
+              <a:t>Estadísticas</a:t>
+            </a:r>
+            <a:r>
+              <a:rPr lang="en-GB" dirty="0"/>
+              <a:t> IV</a:t>
+            </a:r>
+            <a:endParaRPr lang="es-ES" dirty="0"/>
+          </a:p>
+        </p:txBody>
+      </p:sp>
+      <p:sp>
+        <p:nvSpPr>
+          <p:cNvPr id="3" name="Marcador de contenido 2">
+            <a:extLst>
+              <a:ext uri="{FF2B5EF4-FFF2-40B4-BE49-F238E27FC236}">
+                <a16:creationId xmlns:a16="http://schemas.microsoft.com/office/drawing/2014/main" id="{0D3DFED7-5A5F-45D7-8D4C-C9E3207DA81E}"/>
+              </a:ext>
+            </a:extLst>
+          </p:cNvPr>
+          <p:cNvSpPr>
+            <a:spLocks noGrp="1"/>
+          </p:cNvSpPr>
+          <p:nvPr>
+            <p:ph idx="1"/>
+          </p:nvPr>
+        </p:nvSpPr>
+        <p:spPr>
+          <a:xfrm>
+            <a:off x="838200" y="1790115"/>
+            <a:ext cx="6121893" cy="4014736"/>
+          </a:xfrm>
+        </p:spPr>
+        <p:txBody>
+          <a:bodyPr/>
+          <a:lstStyle/>
+          <a:p>
+            <a:pPr marL="0" indent="0">
+              <a:buNone/>
+            </a:pPr>
+            <a:r>
+              <a:rPr lang="es-ES" dirty="0"/>
+              <a:t>A modo de Repaso: Test </a:t>
+            </a:r>
+            <a:r>
+              <a:rPr lang="es-ES" dirty="0" err="1"/>
+              <a:t>Kahoot</a:t>
+            </a:r>
+            <a:endParaRPr lang="es-ES" dirty="0"/>
+          </a:p>
+          <a:p>
+            <a:pPr marL="0" indent="0">
+              <a:buNone/>
+            </a:pPr>
+            <a:endParaRPr lang="es-ES" dirty="0"/>
+          </a:p>
+          <a:p>
+            <a:pPr marL="0" indent="0">
+              <a:buNone/>
+            </a:pPr>
+            <a:endParaRPr lang="es-ES" dirty="0"/>
+          </a:p>
+          <a:p>
+            <a:pPr marL="0" indent="0">
+              <a:buNone/>
+            </a:pPr>
+            <a:r>
+              <a:rPr lang="es-ES" b="1" u="sng" dirty="0"/>
+              <a:t>Test Estadística Básica</a:t>
+            </a:r>
+          </a:p>
+          <a:p>
+            <a:pPr marL="0" indent="0">
+              <a:buNone/>
+            </a:pPr>
+            <a:r>
+              <a:rPr lang="en-US" dirty="0">
+                <a:hlinkClick r:id="rId2"/>
+              </a:rPr>
+              <a:t>Play Kahoot! - Enter game PIN here!</a:t>
+            </a:r>
+            <a:endParaRPr lang="es-ES" b="1" u="sng" dirty="0"/>
+          </a:p>
+          <a:p>
+            <a:pPr marL="0" indent="0">
+              <a:buNone/>
+            </a:pPr>
+            <a:r>
+              <a:rPr lang="es-ES" sz="2000" b="1" u="sng" dirty="0">
+                <a:solidFill>
+                  <a:schemeClr val="accent1"/>
+                </a:solidFill>
+              </a:rPr>
+              <a:t>Para Mikel:</a:t>
+            </a:r>
+          </a:p>
+          <a:p>
+            <a:pPr marL="0" indent="0">
+              <a:buNone/>
+            </a:pPr>
+            <a:r>
+              <a:rPr lang="es-ES" sz="2000" b="1" u="sng" dirty="0">
+                <a:solidFill>
+                  <a:schemeClr val="accent1"/>
+                </a:solidFill>
+              </a:rPr>
+              <a:t>(https://create.kahoot.it/share/test-estadistica-basica/b4f150d5-29de-4109-be23-604355641655)</a:t>
+            </a:r>
+          </a:p>
+        </p:txBody>
+      </p:sp>
+      <p:pic>
+        <p:nvPicPr>
+          <p:cNvPr id="2052" name="Picture 4" descr="Paso a paso: cómo crear un Kahoot! para usar en clase">
+            <a:extLst>
+              <a:ext uri="{FF2B5EF4-FFF2-40B4-BE49-F238E27FC236}">
+                <a16:creationId xmlns:a16="http://schemas.microsoft.com/office/drawing/2014/main" id="{BE131CED-2553-400F-803F-A96D1911AE5D}"/>
+              </a:ext>
+            </a:extLst>
+          </p:cNvPr>
+          <p:cNvPicPr>
+            <a:picLocks noChangeAspect="1" noChangeArrowheads="1"/>
+          </p:cNvPicPr>
+          <p:nvPr/>
+        </p:nvPicPr>
+        <p:blipFill>
+          <a:blip r:embed="rId3" cstate="print">
+            <a:extLst>
+              <a:ext uri="{28A0092B-C50C-407E-A947-70E740481C1C}">
+                <a14:useLocalDpi xmlns:a14="http://schemas.microsoft.com/office/drawing/2010/main" val="0"/>
+              </a:ext>
+            </a:extLst>
+          </a:blip>
+          <a:srcRect/>
+          <a:stretch>
+            <a:fillRect/>
+          </a:stretch>
+        </p:blipFill>
+        <p:spPr bwMode="auto">
+          <a:xfrm>
+            <a:off x="7803472" y="2974543"/>
+            <a:ext cx="3950563" cy="2222192"/>
+          </a:xfrm>
+          <a:prstGeom prst="rect">
+            <a:avLst/>
+          </a:prstGeom>
+          <a:noFill/>
+          <a:extLst>
+            <a:ext uri="{909E8E84-426E-40DD-AFC4-6F175D3DCCD1}">
+              <a14:hiddenFill xmlns:a14="http://schemas.microsoft.com/office/drawing/2010/main">
+                <a:solidFill>
+                  <a:srgbClr val="FFFFFF"/>
+                </a:solidFill>
+              </a14:hiddenFill>
+            </a:ext>
+          </a:extLst>
+        </p:spPr>
+      </p:pic>
+    </p:spTree>
+    <p:extLst>
+      <p:ext uri="{BB962C8B-B14F-4D97-AF65-F5344CB8AC3E}">
+        <p14:creationId xmlns:p14="http://schemas.microsoft.com/office/powerpoint/2010/main" val="415266434"/>
+      </p:ext>
+    </p:extLst>
+  </p:cSld>
+  <p:clrMapOvr>
+    <a:masterClrMapping/>
+  </p:clrMapOvr>
+</p:sld>
+</file>
+
+<file path=ppt/slides/slide18.xml><?xml version="1.0" encoding="utf-8"?>
+<p:sld xmlns:a="http://schemas.openxmlformats.org/drawingml/2006/main" xmlns:r="http://schemas.openxmlformats.org/officeDocument/2006/relationships" xmlns:p="http://schemas.openxmlformats.org/presentationml/2006/main">
+  <p:cSld>
+    <p:spTree>
+      <p:nvGrpSpPr>
+        <p:cNvPr id="1" name=""/>
+        <p:cNvGrpSpPr/>
+        <p:nvPr/>
+      </p:nvGrpSpPr>
+      <p:grpSpPr>
+        <a:xfrm>
+          <a:off x="0" y="0"/>
+          <a:ext cx="0" cy="0"/>
+          <a:chOff x="0" y="0"/>
+          <a:chExt cx="0" cy="0"/>
+        </a:xfrm>
+      </p:grpSpPr>
+      <p:sp>
+        <p:nvSpPr>
+          <p:cNvPr id="3" name="Marcador de contenido 2">
+            <a:extLst>
+              <a:ext uri="{FF2B5EF4-FFF2-40B4-BE49-F238E27FC236}">
+                <a16:creationId xmlns:a16="http://schemas.microsoft.com/office/drawing/2014/main" id="{0B457624-6F6B-4195-9F7F-44ACC4C206B2}"/>
+              </a:ext>
+            </a:extLst>
+          </p:cNvPr>
+          <p:cNvSpPr>
+            <a:spLocks noGrp="1"/>
+          </p:cNvSpPr>
+          <p:nvPr>
+            <p:ph idx="1"/>
+          </p:nvPr>
+        </p:nvSpPr>
+        <p:spPr/>
+        <p:txBody>
+          <a:bodyPr/>
+          <a:lstStyle/>
+          <a:p>
+            <a:r>
+              <a:rPr lang="es-ES" dirty="0"/>
+              <a:t>¿Qué es la correlación entre variables?</a:t>
+            </a:r>
+          </a:p>
+          <a:p>
+            <a:pPr lvl="1"/>
+            <a:r>
+              <a:rPr lang="es-ES" dirty="0"/>
+              <a:t>Formulación de los coeficientes más comunes</a:t>
+            </a:r>
+          </a:p>
+          <a:p>
+            <a:pPr lvl="1"/>
+            <a:r>
+              <a:rPr lang="es-ES" dirty="0"/>
+              <a:t>Significancia</a:t>
+            </a:r>
+          </a:p>
+          <a:p>
+            <a:endParaRPr lang="es-ES" dirty="0"/>
+          </a:p>
+          <a:p>
+            <a:r>
+              <a:rPr lang="es-ES" dirty="0"/>
+              <a:t>¿Qué es la covarianza entre variables?</a:t>
+            </a:r>
+          </a:p>
+          <a:p>
+            <a:pPr lvl="1"/>
+            <a:r>
+              <a:rPr lang="es-ES" dirty="0"/>
+              <a:t>Formulación de los coeficientes más comunes</a:t>
+            </a:r>
+          </a:p>
+          <a:p>
+            <a:pPr lvl="1"/>
+            <a:r>
+              <a:rPr lang="es-ES" dirty="0"/>
+              <a:t>Significancia</a:t>
+            </a:r>
+          </a:p>
+          <a:p>
+            <a:pPr marL="457200" lvl="1" indent="0">
+              <a:buNone/>
+            </a:pPr>
+            <a:endParaRPr lang="es-ES" dirty="0"/>
+          </a:p>
+          <a:p>
+            <a:r>
+              <a:rPr lang="es-ES" dirty="0"/>
+              <a:t>Correlación vs Covarianza</a:t>
+            </a:r>
+          </a:p>
+          <a:p>
+            <a:endParaRPr lang="es-ES" dirty="0"/>
+          </a:p>
+        </p:txBody>
+      </p:sp>
+      <p:sp>
+        <p:nvSpPr>
+          <p:cNvPr id="4" name="Título 1">
+            <a:extLst>
+              <a:ext uri="{FF2B5EF4-FFF2-40B4-BE49-F238E27FC236}">
+                <a16:creationId xmlns:a16="http://schemas.microsoft.com/office/drawing/2014/main" id="{465A879F-5A44-4D61-A060-B5F31DADD7D0}"/>
+              </a:ext>
+            </a:extLst>
+          </p:cNvPr>
+          <p:cNvSpPr>
+            <a:spLocks noGrp="1"/>
+          </p:cNvSpPr>
+          <p:nvPr>
+            <p:ph type="title"/>
+          </p:nvPr>
+        </p:nvSpPr>
+        <p:spPr>
+          <a:xfrm>
+            <a:off x="838200" y="365125"/>
+            <a:ext cx="10515600" cy="1325563"/>
+          </a:xfrm>
+        </p:spPr>
+        <p:txBody>
+          <a:bodyPr/>
+          <a:lstStyle/>
+          <a:p>
+            <a:r>
+              <a:rPr lang="en-GB" dirty="0" err="1"/>
+              <a:t>Correlación</a:t>
+            </a:r>
+            <a:r>
+              <a:rPr lang="en-GB" dirty="0"/>
+              <a:t> y </a:t>
+            </a:r>
+            <a:r>
+              <a:rPr lang="en-GB" dirty="0" err="1"/>
+              <a:t>Covarianza</a:t>
+            </a:r>
+            <a:endParaRPr lang="en-GB" dirty="0"/>
+          </a:p>
+        </p:txBody>
+      </p:sp>
+    </p:spTree>
+    <p:extLst>
+      <p:ext uri="{BB962C8B-B14F-4D97-AF65-F5344CB8AC3E}">
+        <p14:creationId xmlns:p14="http://schemas.microsoft.com/office/powerpoint/2010/main" val="1548655069"/>
+      </p:ext>
+    </p:extLst>
+  </p:cSld>
+  <p:clrMapOvr>
+    <a:masterClrMapping/>
+  </p:clrMapOvr>
+</p:sld>
+</file>
+
+<file path=ppt/slides/slide19.xml><?xml version="1.0" encoding="utf-8"?>
+<p:sld xmlns:a="http://schemas.openxmlformats.org/drawingml/2006/main" xmlns:r="http://schemas.openxmlformats.org/officeDocument/2006/relationships" xmlns:p="http://schemas.openxmlformats.org/presentationml/2006/main">
+  <p:cSld>
+    <p:spTree>
+      <p:nvGrpSpPr>
+        <p:cNvPr id="1" name=""/>
+        <p:cNvGrpSpPr/>
+        <p:nvPr/>
+      </p:nvGrpSpPr>
+      <p:grpSpPr>
+        <a:xfrm>
+          <a:off x="0" y="0"/>
+          <a:ext cx="0" cy="0"/>
+          <a:chOff x="0" y="0"/>
+          <a:chExt cx="0" cy="0"/>
+        </a:xfrm>
+      </p:grpSpPr>
+      <p:sp>
+        <p:nvSpPr>
           <p:cNvPr id="2" name="Título 1"/>
           <p:cNvSpPr>
             <a:spLocks noGrp="1"/>
@@ -14112,15 +14333,335 @@
           <a:lstStyle/>
           <a:p>
             <a:r>
-              <a:rPr lang="en-GB" dirty="0" err="1" smtClean="0"/>
+              <a:rPr lang="en-GB" dirty="0" err="1"/>
               <a:t>Correlación</a:t>
             </a:r>
             <a:r>
-              <a:rPr lang="en-GB" dirty="0" smtClean="0"/>
+              <a:rPr lang="en-GB" dirty="0"/>
               <a:t> y </a:t>
             </a:r>
             <a:r>
-              <a:rPr lang="en-GB" dirty="0" err="1" smtClean="0"/>
+              <a:rPr lang="en-GB" dirty="0" err="1"/>
+              <a:t>Covarianza</a:t>
+            </a:r>
+            <a:endParaRPr lang="en-GB" dirty="0"/>
+          </a:p>
+        </p:txBody>
+      </p:sp>
+      <p:sp>
+        <p:nvSpPr>
+          <p:cNvPr id="3" name="Marcador de contenido 2"/>
+          <p:cNvSpPr>
+            <a:spLocks noGrp="1"/>
+          </p:cNvSpPr>
+          <p:nvPr>
+            <p:ph idx="1"/>
+          </p:nvPr>
+        </p:nvSpPr>
+        <p:spPr>
+          <a:xfrm>
+            <a:off x="838200" y="2062109"/>
+            <a:ext cx="10515600" cy="3250871"/>
+          </a:xfrm>
+        </p:spPr>
+        <p:txBody>
+          <a:bodyPr>
+            <a:normAutofit/>
+          </a:bodyPr>
+          <a:lstStyle/>
+          <a:p>
+            <a:pPr marL="0" indent="0">
+              <a:buNone/>
+            </a:pPr>
+            <a:r>
+              <a:rPr lang="es-ES" sz="3600" dirty="0"/>
+              <a:t>“La correlación en el sentido más amplio es una medida de una asociación entre variables. En correlación datos, el cambio en la magnitud de 1 variable está asociado con un cambio en el magnitud de otra variable, ya sea en la misma (correlación positiva) o en la opuesta (negativa correlación) dirección”</a:t>
+            </a:r>
+            <a:endParaRPr lang="en-GB" sz="3600" dirty="0"/>
+          </a:p>
+        </p:txBody>
+      </p:sp>
+    </p:spTree>
+    <p:extLst>
+      <p:ext uri="{BB962C8B-B14F-4D97-AF65-F5344CB8AC3E}">
+        <p14:creationId xmlns:p14="http://schemas.microsoft.com/office/powerpoint/2010/main" val="2186666675"/>
+      </p:ext>
+    </p:extLst>
+  </p:cSld>
+  <p:clrMapOvr>
+    <a:masterClrMapping/>
+  </p:clrMapOvr>
+</p:sld>
+</file>
+
+<file path=ppt/slides/slide2.xml><?xml version="1.0" encoding="utf-8"?>
+<p:sld xmlns:a="http://schemas.openxmlformats.org/drawingml/2006/main" xmlns:r="http://schemas.openxmlformats.org/officeDocument/2006/relationships" xmlns:p="http://schemas.openxmlformats.org/presentationml/2006/main">
+  <p:cSld>
+    <p:spTree>
+      <p:nvGrpSpPr>
+        <p:cNvPr id="1" name=""/>
+        <p:cNvGrpSpPr/>
+        <p:nvPr/>
+      </p:nvGrpSpPr>
+      <p:grpSpPr>
+        <a:xfrm>
+          <a:off x="0" y="0"/>
+          <a:ext cx="0" cy="0"/>
+          <a:chOff x="0" y="0"/>
+          <a:chExt cx="0" cy="0"/>
+        </a:xfrm>
+      </p:grpSpPr>
+      <p:sp>
+        <p:nvSpPr>
+          <p:cNvPr id="2" name="Título 1">
+            <a:extLst>
+              <a:ext uri="{FF2B5EF4-FFF2-40B4-BE49-F238E27FC236}">
+                <a16:creationId xmlns:a16="http://schemas.microsoft.com/office/drawing/2014/main" id="{E6F876DF-B3E3-43EA-B556-5A0D56EBFC87}"/>
+              </a:ext>
+            </a:extLst>
+          </p:cNvPr>
+          <p:cNvSpPr>
+            <a:spLocks noGrp="1"/>
+          </p:cNvSpPr>
+          <p:nvPr>
+            <p:ph type="title"/>
+          </p:nvPr>
+        </p:nvSpPr>
+        <p:spPr/>
+        <p:txBody>
+          <a:bodyPr/>
+          <a:lstStyle/>
+          <a:p>
+            <a:r>
+              <a:rPr lang="es-ES" dirty="0"/>
+              <a:t>Introducción General</a:t>
+            </a:r>
+            <a:endParaRPr lang="en-GB" dirty="0"/>
+          </a:p>
+        </p:txBody>
+      </p:sp>
+      <p:sp>
+        <p:nvSpPr>
+          <p:cNvPr id="17" name="Marcador de contenido 16">
+            <a:extLst>
+              <a:ext uri="{FF2B5EF4-FFF2-40B4-BE49-F238E27FC236}">
+                <a16:creationId xmlns:a16="http://schemas.microsoft.com/office/drawing/2014/main" id="{803D551A-E37E-40C9-B653-44E77665497E}"/>
+              </a:ext>
+            </a:extLst>
+          </p:cNvPr>
+          <p:cNvSpPr>
+            <a:spLocks noGrp="1"/>
+          </p:cNvSpPr>
+          <p:nvPr>
+            <p:ph idx="1"/>
+          </p:nvPr>
+        </p:nvSpPr>
+        <p:spPr/>
+        <p:txBody>
+          <a:bodyPr>
+            <a:normAutofit fontScale="77500" lnSpcReduction="20000"/>
+          </a:bodyPr>
+          <a:lstStyle/>
+          <a:p>
+            <a:r>
+              <a:rPr lang="es-ES" dirty="0"/>
+              <a:t>La tecnología evoluciona. En 2021…</a:t>
+            </a:r>
+          </a:p>
+          <a:p>
+            <a:pPr lvl="1"/>
+            <a:r>
+              <a:rPr lang="es-ES" dirty="0"/>
+              <a:t>Los sistemas de monitorización y control son capaces de entregar grandes volúmenes de información</a:t>
+            </a:r>
+          </a:p>
+          <a:p>
+            <a:pPr lvl="1"/>
+            <a:r>
+              <a:rPr lang="en-GB" dirty="0" err="1"/>
+              <a:t>Existen</a:t>
+            </a:r>
+            <a:r>
+              <a:rPr lang="en-GB" dirty="0"/>
+              <a:t> </a:t>
+            </a:r>
+            <a:r>
+              <a:rPr lang="en-GB" dirty="0" err="1"/>
+              <a:t>herramientas</a:t>
+            </a:r>
+            <a:r>
+              <a:rPr lang="en-GB" dirty="0"/>
+              <a:t> de </a:t>
+            </a:r>
+            <a:r>
+              <a:rPr lang="en-GB" dirty="0" err="1"/>
+              <a:t>análisis</a:t>
+            </a:r>
+            <a:r>
+              <a:rPr lang="en-GB" dirty="0"/>
+              <a:t> </a:t>
+            </a:r>
+            <a:r>
+              <a:rPr lang="en-GB" dirty="0" err="1"/>
+              <a:t>avanzadas</a:t>
+            </a:r>
+            <a:endParaRPr lang="en-GB" dirty="0"/>
+          </a:p>
+          <a:p>
+            <a:r>
+              <a:rPr lang="en-GB" dirty="0"/>
+              <a:t>Las </a:t>
+            </a:r>
+            <a:r>
+              <a:rPr lang="en-GB" dirty="0" err="1"/>
+              <a:t>aplicaciones</a:t>
+            </a:r>
+            <a:r>
+              <a:rPr lang="en-GB" dirty="0"/>
+              <a:t> </a:t>
+            </a:r>
+            <a:r>
+              <a:rPr lang="en-GB" dirty="0" err="1"/>
+              <a:t>energéticas</a:t>
+            </a:r>
+            <a:r>
+              <a:rPr lang="en-GB" dirty="0"/>
+              <a:t> </a:t>
+            </a:r>
+            <a:r>
+              <a:rPr lang="en-GB" dirty="0" err="1"/>
+              <a:t>evolucionan</a:t>
+            </a:r>
+            <a:endParaRPr lang="en-GB" dirty="0"/>
+          </a:p>
+          <a:p>
+            <a:pPr lvl="1"/>
+            <a:r>
+              <a:rPr lang="es-ES" dirty="0"/>
+              <a:t>Relevancia creciente de la variabilidad en el precio de la energía (eléctrica)</a:t>
+            </a:r>
+          </a:p>
+          <a:p>
+            <a:pPr lvl="1"/>
+            <a:r>
+              <a:rPr lang="es-ES" dirty="0"/>
+              <a:t>Diseño cada vez más ajustado de los sistemas de producción y distribución de energía al consumo previsto</a:t>
+            </a:r>
+          </a:p>
+          <a:p>
+            <a:pPr lvl="1"/>
+            <a:r>
+              <a:rPr lang="es-ES" dirty="0"/>
+              <a:t>Mercado incipiente de los servicios energéticos y/o de flexibilidad.</a:t>
+            </a:r>
+          </a:p>
+          <a:p>
+            <a:r>
+              <a:rPr lang="es-ES" dirty="0"/>
+              <a:t>Es necesario reenfocar los estudios energéticos</a:t>
+            </a:r>
+          </a:p>
+          <a:p>
+            <a:pPr lvl="1"/>
+            <a:r>
+              <a:rPr lang="es-ES" dirty="0"/>
+              <a:t>Complementar los procesos de diseño, modelado y dimensionamiento</a:t>
+            </a:r>
+          </a:p>
+          <a:p>
+            <a:pPr lvl="1"/>
+            <a:r>
+              <a:rPr lang="es-ES" dirty="0"/>
+              <a:t>Introducir un enfoque basado en datos</a:t>
+            </a:r>
+          </a:p>
+          <a:p>
+            <a:pPr lvl="1"/>
+            <a:endParaRPr lang="en-GB" dirty="0"/>
+          </a:p>
+          <a:p>
+            <a:pPr marL="0" indent="0">
+              <a:buNone/>
+            </a:pPr>
+            <a:r>
+              <a:rPr lang="en-GB" i="1" dirty="0" err="1"/>
+              <a:t>Empecemos</a:t>
+            </a:r>
+            <a:r>
+              <a:rPr lang="en-GB" i="1" dirty="0"/>
+              <a:t> por un </a:t>
+            </a:r>
+            <a:r>
+              <a:rPr lang="en-GB" i="1" dirty="0" err="1"/>
+              <a:t>pequeño</a:t>
+            </a:r>
+            <a:r>
+              <a:rPr lang="en-GB" i="1" dirty="0"/>
+              <a:t> </a:t>
+            </a:r>
+            <a:r>
+              <a:rPr lang="en-GB" i="1" dirty="0" err="1"/>
+              <a:t>seminario</a:t>
+            </a:r>
+            <a:endParaRPr lang="en-GB" i="1" dirty="0"/>
+          </a:p>
+        </p:txBody>
+      </p:sp>
+    </p:spTree>
+    <p:extLst>
+      <p:ext uri="{BB962C8B-B14F-4D97-AF65-F5344CB8AC3E}">
+        <p14:creationId xmlns:p14="http://schemas.microsoft.com/office/powerpoint/2010/main" val="1524550474"/>
+      </p:ext>
+    </p:extLst>
+  </p:cSld>
+  <p:clrMapOvr>
+    <a:masterClrMapping/>
+  </p:clrMapOvr>
+</p:sld>
+</file>
+
+<file path=ppt/slides/slide20.xml><?xml version="1.0" encoding="utf-8"?>
+<p:sld xmlns:a="http://schemas.openxmlformats.org/drawingml/2006/main" xmlns:r="http://schemas.openxmlformats.org/officeDocument/2006/relationships" xmlns:p="http://schemas.openxmlformats.org/presentationml/2006/main">
+  <p:cSld>
+    <p:spTree>
+      <p:nvGrpSpPr>
+        <p:cNvPr id="1" name=""/>
+        <p:cNvGrpSpPr/>
+        <p:nvPr/>
+      </p:nvGrpSpPr>
+      <p:grpSpPr>
+        <a:xfrm>
+          <a:off x="0" y="0"/>
+          <a:ext cx="0" cy="0"/>
+          <a:chOff x="0" y="0"/>
+          <a:chExt cx="0" cy="0"/>
+        </a:xfrm>
+      </p:grpSpPr>
+      <p:sp>
+        <p:nvSpPr>
+          <p:cNvPr id="2" name="Título 1"/>
+          <p:cNvSpPr>
+            <a:spLocks noGrp="1"/>
+          </p:cNvSpPr>
+          <p:nvPr>
+            <p:ph type="title"/>
+          </p:nvPr>
+        </p:nvSpPr>
+        <p:spPr/>
+        <p:txBody>
+          <a:bodyPr/>
+          <a:lstStyle/>
+          <a:p>
+            <a:r>
+              <a:rPr lang="en-GB" dirty="0" err="1"/>
+              <a:t>Correlación</a:t>
+            </a:r>
+            <a:r>
+              <a:rPr lang="en-GB" dirty="0"/>
+              <a:t> y </a:t>
+            </a:r>
+            <a:r>
+              <a:rPr lang="en-GB" dirty="0" err="1"/>
               <a:t>Covarianza</a:t>
             </a:r>
             <a:endParaRPr lang="en-GB" dirty="0"/>
@@ -14223,10 +14764,9 @@
           <a:lstStyle/>
           <a:p>
             <a:r>
-              <a:rPr lang="es-ES" sz="3200" dirty="0" smtClean="0"/>
+              <a:rPr lang="es-ES" sz="3200" dirty="0"/>
               <a:t>COVARIANZA</a:t>
             </a:r>
-            <a:endParaRPr lang="es-ES" sz="3200" dirty="0"/>
           </a:p>
         </p:txBody>
       </p:sp>
@@ -14283,7 +14823,7 @@
 </p:sld>
 </file>
 
-<file path=ppt/slides/slide18.xml><?xml version="1.0" encoding="utf-8"?>
+<file path=ppt/slides/slide21.xml><?xml version="1.0" encoding="utf-8"?>
 <p:sld xmlns:a="http://schemas.openxmlformats.org/drawingml/2006/main" xmlns:r="http://schemas.openxmlformats.org/officeDocument/2006/relationships" xmlns:p="http://schemas.openxmlformats.org/presentationml/2006/main">
   <p:cSld>
     <p:spTree>
@@ -14316,15 +14856,15 @@
           <a:lstStyle/>
           <a:p>
             <a:r>
-              <a:rPr lang="en-GB" dirty="0" err="1" smtClean="0"/>
+              <a:rPr lang="en-GB" dirty="0" err="1"/>
               <a:t>Correlación</a:t>
             </a:r>
             <a:r>
-              <a:rPr lang="en-GB" dirty="0" smtClean="0"/>
+              <a:rPr lang="en-GB" dirty="0"/>
               <a:t> y </a:t>
             </a:r>
             <a:r>
-              <a:rPr lang="en-GB" dirty="0" err="1" smtClean="0"/>
+              <a:rPr lang="en-GB" dirty="0" err="1"/>
               <a:t>Covarianza</a:t>
             </a:r>
             <a:endParaRPr lang="en-GB" dirty="0"/>
@@ -14347,7 +14887,7 @@
           <a:lstStyle/>
           <a:p>
             <a:r>
-              <a:rPr lang="es-ES" dirty="0" smtClean="0"/>
+              <a:rPr lang="es-ES" dirty="0"/>
               <a:t>Coeficiente de correlación de Pearson</a:t>
             </a:r>
           </a:p>
@@ -14356,10 +14896,9 @@
               <a:buNone/>
             </a:pPr>
             <a:r>
-              <a:rPr lang="es-ES" dirty="0" smtClean="0"/>
+              <a:rPr lang="es-ES" dirty="0"/>
               <a:t>Ecuación: </a:t>
             </a:r>
-            <a:endParaRPr lang="es-ES" dirty="0"/>
           </a:p>
         </p:txBody>
       </p:sp>
@@ -14427,10 +14966,9 @@
           <a:lstStyle/>
           <a:p>
             <a:r>
-              <a:rPr lang="es-ES" sz="3200" dirty="0" smtClean="0"/>
+              <a:rPr lang="es-ES" sz="3200" dirty="0"/>
               <a:t>“El coeficiente de correlación de Pearson se calcula como la covarianza entre las pares de variables X e Y dividido por la desviación estándar de X y la desviación estándar de Y”</a:t>
             </a:r>
-            <a:endParaRPr lang="es-ES" sz="3200" dirty="0"/>
           </a:p>
         </p:txBody>
       </p:sp>
@@ -14447,7 +14985,7 @@
 </p:sld>
 </file>
 
-<file path=ppt/slides/slide19.xml><?xml version="1.0" encoding="utf-8"?>
+<file path=ppt/slides/slide22.xml><?xml version="1.0" encoding="utf-8"?>
 <p:sld xmlns:a="http://schemas.openxmlformats.org/drawingml/2006/main" xmlns:r="http://schemas.openxmlformats.org/officeDocument/2006/relationships" xmlns:p="http://schemas.openxmlformats.org/presentationml/2006/main">
   <p:cSld>
     <p:spTree>
@@ -14480,15 +15018,15 @@
           <a:lstStyle/>
           <a:p>
             <a:r>
-              <a:rPr lang="en-GB" dirty="0" err="1" smtClean="0"/>
+              <a:rPr lang="en-GB" dirty="0" err="1"/>
               <a:t>Correlación</a:t>
             </a:r>
             <a:r>
-              <a:rPr lang="en-GB" dirty="0" smtClean="0"/>
+              <a:rPr lang="en-GB" dirty="0"/>
               <a:t> y </a:t>
             </a:r>
             <a:r>
-              <a:rPr lang="en-GB" dirty="0" err="1" smtClean="0"/>
+              <a:rPr lang="en-GB" dirty="0" err="1"/>
               <a:t>Covarianza</a:t>
             </a:r>
             <a:endParaRPr lang="en-GB" dirty="0"/>
@@ -14511,8 +15049,12 @@
           <a:lstStyle/>
           <a:p>
             <a:r>
-              <a:rPr lang="es-ES" dirty="0" smtClean="0"/>
-              <a:t>Coeficiente de correlación de Pearson</a:t>
+              <a:rPr lang="es-ES" dirty="0"/>
+              <a:t>Coeficiente de correlación de Pearson: </a:t>
+            </a:r>
+            <a:r>
+              <a:rPr lang="es-ES" b="1" u="sng" dirty="0"/>
+              <a:t>Grado de correlación</a:t>
             </a:r>
           </a:p>
           <a:p>
@@ -14520,10 +15062,9 @@
               <a:buNone/>
             </a:pPr>
             <a:r>
-              <a:rPr lang="es-ES" dirty="0" smtClean="0"/>
+              <a:rPr lang="es-ES" dirty="0"/>
               <a:t>Ecuación: </a:t>
             </a:r>
-            <a:endParaRPr lang="es-ES" dirty="0"/>
           </a:p>
         </p:txBody>
       </p:sp>
@@ -14550,7 +15091,7 @@
         </p:blipFill>
         <p:spPr bwMode="auto">
           <a:xfrm>
-            <a:off x="459913" y="3326525"/>
+            <a:off x="208299" y="3173102"/>
             <a:ext cx="3897173" cy="2092928"/>
           </a:xfrm>
           <a:prstGeom prst="rect">
@@ -14584,7 +15125,7 @@
         </p:blipFill>
         <p:spPr>
           <a:xfrm>
-            <a:off x="4735373" y="3013916"/>
+            <a:off x="4778331" y="3000597"/>
             <a:ext cx="6764333" cy="2718145"/>
           </a:xfrm>
           <a:prstGeom prst="rect">
@@ -14615,13 +15156,87 @@
           <a:lstStyle/>
           <a:p>
             <a:r>
-              <a:rPr lang="es-ES" sz="3200" b="1" dirty="0" smtClean="0"/>
+              <a:rPr lang="es-ES" sz="3200" b="1" dirty="0"/>
               <a:t>Interpretación</a:t>
             </a:r>
-            <a:endParaRPr lang="es-ES" sz="3200" b="1" dirty="0"/>
-          </a:p>
-        </p:txBody>
-      </p:sp>
+          </a:p>
+        </p:txBody>
+      </p:sp>
+      <p:sp>
+        <p:nvSpPr>
+          <p:cNvPr id="4" name="CuadroTexto 3">
+            <a:extLst>
+              <a:ext uri="{FF2B5EF4-FFF2-40B4-BE49-F238E27FC236}">
+                <a16:creationId xmlns:a16="http://schemas.microsoft.com/office/drawing/2014/main" id="{C18279FC-07AF-4B94-86AA-B26F9D420A07}"/>
+              </a:ext>
+            </a:extLst>
+          </p:cNvPr>
+          <p:cNvSpPr txBox="1"/>
+          <p:nvPr/>
+        </p:nvSpPr>
+        <p:spPr>
+          <a:xfrm>
+            <a:off x="2813775" y="6161459"/>
+            <a:ext cx="3430534" cy="369332"/>
+          </a:xfrm>
+          <a:prstGeom prst="rect">
+            <a:avLst/>
+          </a:prstGeom>
+          <a:noFill/>
+        </p:spPr>
+        <p:txBody>
+          <a:bodyPr wrap="square" rtlCol="0">
+            <a:spAutoFit/>
+          </a:bodyPr>
+          <a:lstStyle/>
+          <a:p>
+            <a:pPr algn="ctr"/>
+            <a:r>
+              <a:rPr lang="es-ES" dirty="0"/>
+              <a:t>En valor absoluto</a:t>
+            </a:r>
+          </a:p>
+        </p:txBody>
+      </p:sp>
+      <p:cxnSp>
+        <p:nvCxnSpPr>
+          <p:cNvPr id="8" name="Conector recto de flecha 7">
+            <a:extLst>
+              <a:ext uri="{FF2B5EF4-FFF2-40B4-BE49-F238E27FC236}">
+                <a16:creationId xmlns:a16="http://schemas.microsoft.com/office/drawing/2014/main" id="{C7031067-B166-4A57-A302-0AC1AF053D4E}"/>
+              </a:ext>
+            </a:extLst>
+          </p:cNvPr>
+          <p:cNvCxnSpPr/>
+          <p:nvPr/>
+        </p:nvCxnSpPr>
+        <p:spPr>
+          <a:xfrm flipV="1">
+            <a:off x="4529042" y="5081364"/>
+            <a:ext cx="249289" cy="1073959"/>
+          </a:xfrm>
+          <a:prstGeom prst="straightConnector1">
+            <a:avLst/>
+          </a:prstGeom>
+          <a:ln>
+            <a:tailEnd type="triangle"/>
+          </a:ln>
+        </p:spPr>
+        <p:style>
+          <a:lnRef idx="1">
+            <a:schemeClr val="accent1"/>
+          </a:lnRef>
+          <a:fillRef idx="0">
+            <a:schemeClr val="accent1"/>
+          </a:fillRef>
+          <a:effectRef idx="0">
+            <a:schemeClr val="accent1"/>
+          </a:effectRef>
+          <a:fontRef idx="minor">
+            <a:schemeClr val="tx1"/>
+          </a:fontRef>
+        </p:style>
+      </p:cxnSp>
     </p:spTree>
     <p:extLst>
       <p:ext uri="{BB962C8B-B14F-4D97-AF65-F5344CB8AC3E}">
@@ -14635,7 +15250,7 @@
 </p:sld>
 </file>
 
-<file path=ppt/slides/slide2.xml><?xml version="1.0" encoding="utf-8"?>
+<file path=ppt/slides/slide23.xml><?xml version="1.0" encoding="utf-8"?>
 <p:sld xmlns:a="http://schemas.openxmlformats.org/drawingml/2006/main" xmlns:r="http://schemas.openxmlformats.org/officeDocument/2006/relationships" xmlns:p="http://schemas.openxmlformats.org/presentationml/2006/main">
   <p:cSld>
     <p:spTree>
@@ -14654,232 +15269,6 @@
       </p:grpSpPr>
       <p:sp>
         <p:nvSpPr>
-          <p:cNvPr id="2" name="Título 1">
-            <a:extLst>
-              <a:ext uri="{FF2B5EF4-FFF2-40B4-BE49-F238E27FC236}">
-                <a16:creationId xmlns:a16="http://schemas.microsoft.com/office/drawing/2014/main" id="{E6F876DF-B3E3-43EA-B556-5A0D56EBFC87}"/>
-              </a:ext>
-            </a:extLst>
-          </p:cNvPr>
-          <p:cNvSpPr>
-            <a:spLocks noGrp="1"/>
-          </p:cNvSpPr>
-          <p:nvPr>
-            <p:ph type="title"/>
-          </p:nvPr>
-        </p:nvSpPr>
-        <p:spPr/>
-        <p:txBody>
-          <a:bodyPr/>
-          <a:lstStyle/>
-          <a:p>
-            <a:r>
-              <a:rPr lang="es-ES" dirty="0"/>
-              <a:t>Introducción General</a:t>
-            </a:r>
-            <a:endParaRPr lang="en-GB" dirty="0"/>
-          </a:p>
-        </p:txBody>
-      </p:sp>
-      <p:sp>
-        <p:nvSpPr>
-          <p:cNvPr id="17" name="Marcador de contenido 16">
-            <a:extLst>
-              <a:ext uri="{FF2B5EF4-FFF2-40B4-BE49-F238E27FC236}">
-                <a16:creationId xmlns:a16="http://schemas.microsoft.com/office/drawing/2014/main" id="{803D551A-E37E-40C9-B653-44E77665497E}"/>
-              </a:ext>
-            </a:extLst>
-          </p:cNvPr>
-          <p:cNvSpPr>
-            <a:spLocks noGrp="1"/>
-          </p:cNvSpPr>
-          <p:nvPr>
-            <p:ph idx="1"/>
-          </p:nvPr>
-        </p:nvSpPr>
-        <p:spPr/>
-        <p:txBody>
-          <a:bodyPr>
-            <a:normAutofit fontScale="77500" lnSpcReduction="20000"/>
-          </a:bodyPr>
-          <a:lstStyle/>
-          <a:p>
-            <a:r>
-              <a:rPr lang="es-ES" dirty="0"/>
-              <a:t>La tecnología evoluciona. En 2021…</a:t>
-            </a:r>
-          </a:p>
-          <a:p>
-            <a:pPr lvl="1"/>
-            <a:r>
-              <a:rPr lang="es-ES" dirty="0"/>
-              <a:t>Los sistemas de monitorización y control son capaces de entregar grandes volúmenes de información</a:t>
-            </a:r>
-          </a:p>
-          <a:p>
-            <a:pPr lvl="1"/>
-            <a:r>
-              <a:rPr lang="en-GB" dirty="0" err="1"/>
-              <a:t>Existen</a:t>
-            </a:r>
-            <a:r>
-              <a:rPr lang="en-GB" dirty="0"/>
-              <a:t> </a:t>
-            </a:r>
-            <a:r>
-              <a:rPr lang="en-GB" dirty="0" err="1"/>
-              <a:t>herramientas</a:t>
-            </a:r>
-            <a:r>
-              <a:rPr lang="en-GB" dirty="0"/>
-              <a:t> de </a:t>
-            </a:r>
-            <a:r>
-              <a:rPr lang="en-GB" dirty="0" err="1"/>
-              <a:t>análisis</a:t>
-            </a:r>
-            <a:r>
-              <a:rPr lang="en-GB" dirty="0"/>
-              <a:t> </a:t>
-            </a:r>
-            <a:r>
-              <a:rPr lang="en-GB" dirty="0" err="1"/>
-              <a:t>avanzadas</a:t>
-            </a:r>
-            <a:endParaRPr lang="en-GB" dirty="0"/>
-          </a:p>
-          <a:p>
-            <a:r>
-              <a:rPr lang="en-GB" dirty="0"/>
-              <a:t>Las </a:t>
-            </a:r>
-            <a:r>
-              <a:rPr lang="en-GB" dirty="0" err="1"/>
-              <a:t>aplicaciones</a:t>
-            </a:r>
-            <a:r>
-              <a:rPr lang="en-GB" dirty="0"/>
-              <a:t> </a:t>
-            </a:r>
-            <a:r>
-              <a:rPr lang="en-GB" dirty="0" err="1"/>
-              <a:t>energéticas</a:t>
-            </a:r>
-            <a:r>
-              <a:rPr lang="en-GB" dirty="0"/>
-              <a:t> </a:t>
-            </a:r>
-            <a:r>
-              <a:rPr lang="en-GB" dirty="0" err="1"/>
-              <a:t>evolucionan</a:t>
-            </a:r>
-            <a:endParaRPr lang="en-GB" dirty="0"/>
-          </a:p>
-          <a:p>
-            <a:pPr lvl="1"/>
-            <a:r>
-              <a:rPr lang="es-ES" dirty="0"/>
-              <a:t>Relevancia creciente de la variabilidad en el precio de la energía (eléctrica)</a:t>
-            </a:r>
-          </a:p>
-          <a:p>
-            <a:pPr lvl="1"/>
-            <a:r>
-              <a:rPr lang="es-ES" dirty="0"/>
-              <a:t>Diseño cada vez más ajustado de los sistemas de producción y distribución de energía al consumo previsto</a:t>
-            </a:r>
-          </a:p>
-          <a:p>
-            <a:pPr lvl="1"/>
-            <a:r>
-              <a:rPr lang="es-ES" dirty="0"/>
-              <a:t>Mercado incipiente de los servicios energéticos y/o de flexibilidad.</a:t>
-            </a:r>
-          </a:p>
-          <a:p>
-            <a:r>
-              <a:rPr lang="es-ES" dirty="0"/>
-              <a:t>Es necesario reenfocar los estudios energéticos</a:t>
-            </a:r>
-          </a:p>
-          <a:p>
-            <a:pPr lvl="1"/>
-            <a:r>
-              <a:rPr lang="es-ES" dirty="0"/>
-              <a:t>Complementar los procesos de diseño, modelado y dimensionamiento</a:t>
-            </a:r>
-          </a:p>
-          <a:p>
-            <a:pPr lvl="1"/>
-            <a:r>
-              <a:rPr lang="es-ES" dirty="0"/>
-              <a:t>Introducir un enfoque basado en datos</a:t>
-            </a:r>
-          </a:p>
-          <a:p>
-            <a:pPr lvl="1"/>
-            <a:endParaRPr lang="en-GB" dirty="0"/>
-          </a:p>
-          <a:p>
-            <a:pPr marL="0" indent="0">
-              <a:buNone/>
-            </a:pPr>
-            <a:r>
-              <a:rPr lang="en-GB" i="1" dirty="0" err="1"/>
-              <a:t>Empecemos</a:t>
-            </a:r>
-            <a:r>
-              <a:rPr lang="en-GB" i="1" dirty="0"/>
-              <a:t> por un </a:t>
-            </a:r>
-            <a:r>
-              <a:rPr lang="en-GB" i="1" dirty="0" err="1"/>
-              <a:t>pequeño</a:t>
-            </a:r>
-            <a:r>
-              <a:rPr lang="en-GB" i="1" dirty="0"/>
-              <a:t> </a:t>
-            </a:r>
-            <a:r>
-              <a:rPr lang="en-GB" i="1" dirty="0" err="1"/>
-              <a:t>seminario</a:t>
-            </a:r>
-            <a:endParaRPr lang="en-GB" i="1" dirty="0"/>
-          </a:p>
-        </p:txBody>
-      </p:sp>
-    </p:spTree>
-    <p:extLst>
-      <p:ext uri="{BB962C8B-B14F-4D97-AF65-F5344CB8AC3E}">
-        <p14:creationId xmlns:p14="http://schemas.microsoft.com/office/powerpoint/2010/main" val="1524550474"/>
-      </p:ext>
-    </p:extLst>
-  </p:cSld>
-  <p:clrMapOvr>
-    <a:masterClrMapping/>
-  </p:clrMapOvr>
-</p:sld>
-</file>
-
-<file path=ppt/slides/slide20.xml><?xml version="1.0" encoding="utf-8"?>
-<p:sld xmlns:a="http://schemas.openxmlformats.org/drawingml/2006/main" xmlns:r="http://schemas.openxmlformats.org/officeDocument/2006/relationships" xmlns:p="http://schemas.openxmlformats.org/presentationml/2006/main">
-  <p:cSld>
-    <p:spTree>
-      <p:nvGrpSpPr>
-        <p:cNvPr id="1" name=""/>
-        <p:cNvGrpSpPr/>
-        <p:nvPr/>
-      </p:nvGrpSpPr>
-      <p:grpSpPr>
-        <a:xfrm>
-          <a:off x="0" y="0"/>
-          <a:ext cx="0" cy="0"/>
-          <a:chOff x="0" y="0"/>
-          <a:chExt cx="0" cy="0"/>
-        </a:xfrm>
-      </p:grpSpPr>
-      <p:sp>
-        <p:nvSpPr>
           <p:cNvPr id="3" name="Marcador de contenido 2"/>
           <p:cNvSpPr>
             <a:spLocks noGrp="1"/>
@@ -14922,15 +15311,15 @@
           <a:lstStyle/>
           <a:p>
             <a:r>
-              <a:rPr lang="en-GB" dirty="0" err="1" smtClean="0"/>
+              <a:rPr lang="en-GB" dirty="0" err="1"/>
               <a:t>Correlación</a:t>
             </a:r>
             <a:r>
-              <a:rPr lang="en-GB" dirty="0" smtClean="0"/>
+              <a:rPr lang="en-GB" dirty="0"/>
               <a:t> y </a:t>
             </a:r>
             <a:r>
-              <a:rPr lang="en-GB" dirty="0" err="1" smtClean="0"/>
+              <a:rPr lang="en-GB" dirty="0" err="1"/>
               <a:t>Covarianza</a:t>
             </a:r>
             <a:endParaRPr lang="en-GB" dirty="0"/>
@@ -14974,7 +15363,7 @@
 </p:sld>
 </file>
 
-<file path=ppt/slides/slide21.xml><?xml version="1.0" encoding="utf-8"?>
+<file path=ppt/slides/slide24.xml><?xml version="1.0" encoding="utf-8"?>
 <p:sld xmlns:a="http://schemas.openxmlformats.org/drawingml/2006/main" xmlns:r="http://schemas.openxmlformats.org/officeDocument/2006/relationships" xmlns:p="http://schemas.openxmlformats.org/presentationml/2006/main">
   <p:cSld>
     <p:spTree>
@@ -15035,15 +15424,15 @@
           <a:lstStyle/>
           <a:p>
             <a:r>
-              <a:rPr lang="en-GB" dirty="0" err="1" smtClean="0"/>
+              <a:rPr lang="en-GB" dirty="0" err="1"/>
               <a:t>Correlación</a:t>
             </a:r>
             <a:r>
-              <a:rPr lang="en-GB" dirty="0" smtClean="0"/>
+              <a:rPr lang="en-GB" dirty="0"/>
               <a:t> y </a:t>
             </a:r>
             <a:r>
-              <a:rPr lang="en-GB" dirty="0" err="1" smtClean="0"/>
+              <a:rPr lang="en-GB" dirty="0" err="1"/>
               <a:t>Covarianza</a:t>
             </a:r>
             <a:endParaRPr lang="en-GB" dirty="0"/>
@@ -15114,10 +15503,9 @@
           <a:lstStyle/>
           <a:p>
             <a:r>
-              <a:rPr lang="es-ES" sz="2800" dirty="0" smtClean="0"/>
+              <a:rPr lang="es-ES" sz="2800" dirty="0"/>
               <a:t>Tabla de correlaciones de Pearson en R</a:t>
             </a:r>
-            <a:endParaRPr lang="es-ES" sz="2800" dirty="0"/>
           </a:p>
         </p:txBody>
       </p:sp>
@@ -15134,7 +15522,7 @@
 </p:sld>
 </file>
 
-<file path=ppt/slides/slide22.xml><?xml version="1.0" encoding="utf-8"?>
+<file path=ppt/slides/slide25.xml><?xml version="1.0" encoding="utf-8"?>
 <p:sld xmlns:a="http://schemas.openxmlformats.org/drawingml/2006/main" xmlns:r="http://schemas.openxmlformats.org/officeDocument/2006/relationships" xmlns:p="http://schemas.openxmlformats.org/presentationml/2006/main">
   <p:cSld>
     <p:spTree>
@@ -15167,16 +15555,8 @@
           <a:lstStyle/>
           <a:p>
             <a:r>
-              <a:rPr lang="es-ES" dirty="0" smtClean="0"/>
-              <a:t>Otros Coeficientes: </a:t>
-            </a:r>
-            <a:r>
               <a:rPr lang="es-ES" dirty="0"/>
-              <a:t>SPEARMAN RANK </a:t>
-            </a:r>
-            <a:r>
-              <a:rPr lang="es-ES" dirty="0" smtClean="0"/>
-              <a:t>CORRELATION</a:t>
+              <a:t>Otros Coeficientes: SPEARMAN RANK CORRELATION</a:t>
             </a:r>
           </a:p>
           <a:p>
@@ -15193,29 +15573,8 @@
             </a:r>
             <a:r>
               <a:rPr lang="es-ES" sz="3200" dirty="0"/>
-              <a:t> es una correlación de </a:t>
-            </a:r>
-            <a:r>
-              <a:rPr lang="es-ES" sz="3200" dirty="0" smtClean="0"/>
-              <a:t>Pearson coeficiente </a:t>
-            </a:r>
-            <a:r>
-              <a:rPr lang="es-ES" sz="3200" dirty="0"/>
-              <a:t>calculado con los rangos de los valores de </a:t>
-            </a:r>
-            <a:r>
-              <a:rPr lang="es-ES" sz="3200" dirty="0" smtClean="0"/>
-              <a:t>cada de </a:t>
-            </a:r>
-            <a:r>
-              <a:rPr lang="es-ES" sz="3200" dirty="0"/>
-              <a:t>las 2 variables en lugar de sus valores </a:t>
-            </a:r>
-            <a:r>
-              <a:rPr lang="es-ES" sz="3200" dirty="0" smtClean="0"/>
-              <a:t>reales”</a:t>
-            </a:r>
-            <a:endParaRPr lang="es-ES" sz="3200" dirty="0"/>
+              <a:t> es una correlación de Pearson coeficiente calculado con los rangos de los valores de cada de las 2 variables en lugar de sus valores reales”</a:t>
+            </a:r>
           </a:p>
           <a:p>
             <a:pPr marL="0" indent="0">
@@ -15241,15 +15600,15 @@
           <a:lstStyle/>
           <a:p>
             <a:r>
-              <a:rPr lang="en-GB" dirty="0" err="1" smtClean="0"/>
+              <a:rPr lang="en-GB" dirty="0" err="1"/>
               <a:t>Correlación</a:t>
             </a:r>
             <a:r>
-              <a:rPr lang="en-GB" dirty="0" smtClean="0"/>
+              <a:rPr lang="en-GB" dirty="0"/>
               <a:t> y </a:t>
             </a:r>
             <a:r>
-              <a:rPr lang="en-GB" dirty="0" err="1" smtClean="0"/>
+              <a:rPr lang="en-GB" dirty="0" err="1"/>
               <a:t>Covarianza</a:t>
             </a:r>
             <a:endParaRPr lang="en-GB" dirty="0"/>
@@ -15384,10 +15743,9 @@
           <a:lstStyle/>
           <a:p>
             <a:r>
-              <a:rPr lang="es-ES" dirty="0" smtClean="0"/>
+              <a:rPr lang="es-ES" dirty="0"/>
               <a:t>Igual que Pearson</a:t>
             </a:r>
-            <a:endParaRPr lang="es-ES" dirty="0"/>
           </a:p>
         </p:txBody>
       </p:sp>
@@ -15404,7 +15762,7 @@
 </p:sld>
 </file>
 
-<file path=ppt/slides/slide23.xml><?xml version="1.0" encoding="utf-8"?>
+<file path=ppt/slides/slide26.xml><?xml version="1.0" encoding="utf-8"?>
 <p:sld xmlns:a="http://schemas.openxmlformats.org/drawingml/2006/main" xmlns:r="http://schemas.openxmlformats.org/officeDocument/2006/relationships" xmlns:p="http://schemas.openxmlformats.org/presentationml/2006/main">
   <p:cSld>
     <p:spTree>
@@ -15437,16 +15795,8 @@
           <a:lstStyle/>
           <a:p>
             <a:r>
-              <a:rPr lang="es-ES" dirty="0" smtClean="0"/>
-              <a:t>Otros Coeficientes: </a:t>
-            </a:r>
-            <a:r>
               <a:rPr lang="es-ES" dirty="0"/>
-              <a:t>SPEARMAN RANK </a:t>
-            </a:r>
-            <a:r>
-              <a:rPr lang="es-ES" dirty="0" smtClean="0"/>
-              <a:t>CORRELATION</a:t>
+              <a:t>Otros Coeficientes: SPEARMAN RANK CORRELATION</a:t>
             </a:r>
           </a:p>
           <a:p>
@@ -15473,15 +15823,15 @@
           <a:lstStyle/>
           <a:p>
             <a:r>
-              <a:rPr lang="en-GB" dirty="0" err="1" smtClean="0"/>
+              <a:rPr lang="en-GB" dirty="0" err="1"/>
               <a:t>Correlación</a:t>
             </a:r>
             <a:r>
-              <a:rPr lang="en-GB" dirty="0" smtClean="0"/>
+              <a:rPr lang="en-GB" dirty="0"/>
               <a:t> y </a:t>
             </a:r>
             <a:r>
-              <a:rPr lang="en-GB" dirty="0" err="1" smtClean="0"/>
+              <a:rPr lang="en-GB" dirty="0" err="1"/>
               <a:t>Covarianza</a:t>
             </a:r>
             <a:endParaRPr lang="en-GB" dirty="0"/>
@@ -15544,47 +15894,7 @@
             <a:pPr algn="just"/>
             <a:r>
               <a:rPr lang="es-ES" sz="1400" dirty="0"/>
-              <a:t>con un coeficiente de correlación de </a:t>
-            </a:r>
-            <a:r>
-              <a:rPr lang="es-ES" sz="1400" dirty="0" smtClean="0"/>
-              <a:t>Pearson (r</a:t>
-            </a:r>
-            <a:r>
-              <a:rPr lang="es-ES" sz="1400" dirty="0"/>
-              <a:t>) de +0,84. También en el piso del lado </a:t>
-            </a:r>
-            <a:r>
-              <a:rPr lang="es-ES" sz="1400" dirty="0" smtClean="0"/>
-              <a:t>izquierdo parte</a:t>
-            </a:r>
-            <a:r>
-              <a:rPr lang="es-ES" sz="1400" dirty="0"/>
-              <a:t>, la curva es continuamente </a:t>
-            </a:r>
-            <a:r>
-              <a:rPr lang="es-ES" sz="1400" dirty="0" smtClean="0"/>
-              <a:t>ligeramente creciente</a:t>
-            </a:r>
-            <a:r>
-              <a:rPr lang="es-ES" sz="1400" dirty="0"/>
-              <a:t>. Después de clasificar los valores </a:t>
-            </a:r>
-            <a:r>
-              <a:rPr lang="es-ES" sz="1400" dirty="0" smtClean="0"/>
-              <a:t>de ambas </a:t>
-            </a:r>
-            <a:r>
-              <a:rPr lang="es-ES" sz="1400" dirty="0"/>
-              <a:t>variables de menor a </a:t>
-            </a:r>
-            <a:r>
-              <a:rPr lang="es-ES" sz="1400" dirty="0" smtClean="0"/>
-              <a:t>mayor, los </a:t>
-            </a:r>
-            <a:r>
-              <a:rPr lang="es-ES" sz="1400" dirty="0"/>
-              <a:t>rangos muestran una relación lineal perfecta</a:t>
+              <a:t>con un coeficiente de correlación de Pearson (r) de +0,84. También en el piso del lado izquierdo parte, la curva es continuamente ligeramente creciente. Después de clasificar los valores de ambas variables de menor a mayor, los rangos muestran una relación lineal perfecta</a:t>
             </a:r>
           </a:p>
           <a:p>
@@ -15606,23 +15916,7 @@
             <a:pPr algn="just"/>
             <a:r>
               <a:rPr lang="es-ES" sz="1400" dirty="0"/>
-              <a:t>Correlación de Pearson calculada con </a:t>
-            </a:r>
-            <a:r>
-              <a:rPr lang="es-ES" sz="1400" dirty="0" smtClean="0"/>
-              <a:t>la rangos </a:t>
-            </a:r>
-            <a:r>
-              <a:rPr lang="es-ES" sz="1400" dirty="0"/>
-              <a:t>de datos en lugar de sus valores </a:t>
-            </a:r>
-            <a:r>
-              <a:rPr lang="es-ES" sz="1400" dirty="0" smtClean="0"/>
-              <a:t>reales. Por </a:t>
-            </a:r>
-            <a:r>
-              <a:rPr lang="es-ES" sz="1400" dirty="0"/>
-              <a:t>tanto, el coeficiente de </a:t>
+              <a:t>Correlación de Pearson calculada con la rangos de datos en lugar de sus valores reales. Por tanto, el coeficiente de </a:t>
             </a:r>
             <a:r>
               <a:rPr lang="es-ES" sz="1400" dirty="0" err="1"/>
@@ -15630,23 +15924,7 @@
             </a:r>
             <a:r>
               <a:rPr lang="es-ES" sz="1400" dirty="0"/>
-              <a:t> (ρ) </a:t>
-            </a:r>
-            <a:r>
-              <a:rPr lang="es-ES" sz="1400" dirty="0" smtClean="0"/>
-              <a:t>de +1.0 </a:t>
-            </a:r>
-            <a:r>
-              <a:rPr lang="es-ES" sz="1400" dirty="0"/>
-              <a:t>en A corresponde a la correlación de </a:t>
-            </a:r>
-            <a:r>
-              <a:rPr lang="es-ES" sz="1400" dirty="0" smtClean="0"/>
-              <a:t>Pearson de </a:t>
-            </a:r>
-            <a:r>
-              <a:rPr lang="es-ES" sz="1400" dirty="0"/>
-              <a:t>+1.0 en B.</a:t>
+              <a:t> (ρ) de +1.0 en A corresponde a la correlación de Pearson de +1.0 en B.</a:t>
             </a:r>
           </a:p>
         </p:txBody>
@@ -15664,7 +15942,7 @@
 </p:sld>
 </file>
 
-<file path=ppt/slides/slide24.xml><?xml version="1.0" encoding="utf-8"?>
+<file path=ppt/slides/slide27.xml><?xml version="1.0" encoding="utf-8"?>
 <p:sld xmlns:a="http://schemas.openxmlformats.org/drawingml/2006/main" xmlns:r="http://schemas.openxmlformats.org/officeDocument/2006/relationships" xmlns:p="http://schemas.openxmlformats.org/presentationml/2006/main">
   <p:cSld>
     <p:spTree>
@@ -15697,15 +15975,15 @@
           <a:lstStyle/>
           <a:p>
             <a:r>
-              <a:rPr lang="en-GB" dirty="0" err="1" smtClean="0"/>
+              <a:rPr lang="en-GB" dirty="0" err="1"/>
               <a:t>Regresiones</a:t>
             </a:r>
             <a:r>
-              <a:rPr lang="en-GB" dirty="0" smtClean="0"/>
+              <a:rPr lang="en-GB" dirty="0"/>
               <a:t> </a:t>
             </a:r>
             <a:r>
-              <a:rPr lang="en-GB" dirty="0" err="1" smtClean="0"/>
+              <a:rPr lang="en-GB" dirty="0" err="1"/>
               <a:t>Lineales</a:t>
             </a:r>
             <a:endParaRPr lang="en-GB" dirty="0"/>
@@ -15731,16 +16009,12 @@
               <a:buNone/>
             </a:pPr>
             <a:r>
-              <a:rPr lang="en-GB" dirty="0" smtClean="0"/>
+              <a:rPr lang="en-GB" dirty="0"/>
               <a:t>“</a:t>
             </a:r>
             <a:r>
               <a:rPr lang="es-ES" dirty="0"/>
-              <a:t>En estadística, la regresión lineal es un enfoque lineal para modelar la relación entre una respuesta escalar y una o más variables explicativas (también conocidas como variables dependientes e independientes</a:t>
-            </a:r>
-            <a:r>
-              <a:rPr lang="es-ES" dirty="0" smtClean="0"/>
-              <a:t>)”</a:t>
+              <a:t>En estadística, la regresión lineal es un enfoque lineal para modelar la relación entre una respuesta escalar y una o más variables explicativas (también conocidas como variables dependientes e independientes)”</a:t>
             </a:r>
             <a:endParaRPr lang="en-GB" dirty="0"/>
           </a:p>
@@ -15824,7 +16098,7 @@
 </p:sld>
 </file>
 
-<file path=ppt/slides/slide25.xml><?xml version="1.0" encoding="utf-8"?>
+<file path=ppt/slides/slide28.xml><?xml version="1.0" encoding="utf-8"?>
 <p:sld xmlns:a="http://schemas.openxmlformats.org/drawingml/2006/main" xmlns:r="http://schemas.openxmlformats.org/officeDocument/2006/relationships" xmlns:p="http://schemas.openxmlformats.org/presentationml/2006/main">
   <p:cSld>
     <p:spTree>
@@ -15857,15 +16131,15 @@
           <a:lstStyle/>
           <a:p>
             <a:r>
-              <a:rPr lang="en-GB" dirty="0" err="1" smtClean="0"/>
+              <a:rPr lang="en-GB" dirty="0" err="1"/>
               <a:t>Regresiones</a:t>
             </a:r>
             <a:r>
-              <a:rPr lang="en-GB" dirty="0" smtClean="0"/>
+              <a:rPr lang="en-GB" dirty="0"/>
               <a:t> </a:t>
             </a:r>
             <a:r>
-              <a:rPr lang="en-GB" dirty="0" err="1" smtClean="0"/>
+              <a:rPr lang="en-GB" dirty="0" err="1"/>
               <a:t>Lineales</a:t>
             </a:r>
             <a:endParaRPr lang="en-GB" dirty="0"/>
@@ -15893,33 +16167,18 @@
           <a:lstStyle/>
           <a:p>
             <a:r>
-              <a:rPr lang="es-ES" dirty="0" err="1" smtClean="0"/>
+              <a:rPr lang="es-ES" dirty="0" err="1"/>
               <a:t>Univariables</a:t>
             </a:r>
             <a:r>
-              <a:rPr lang="es-ES" dirty="0" smtClean="0"/>
+              <a:rPr lang="es-ES" dirty="0"/>
               <a:t> vs </a:t>
             </a:r>
             <a:r>
-              <a:rPr lang="es-ES" dirty="0" err="1" smtClean="0"/>
+              <a:rPr lang="es-ES" dirty="0" err="1"/>
               <a:t>Multivariables</a:t>
             </a:r>
-            <a:endParaRPr lang="es-ES" dirty="0" smtClean="0"/>
-          </a:p>
-          <a:p>
-            <a:pPr marL="0" indent="0">
-              <a:buNone/>
-            </a:pPr>
-            <a:endParaRPr lang="es-ES" dirty="0" smtClean="0"/>
-          </a:p>
-          <a:p>
-            <a:pPr marL="0" indent="0">
-              <a:buNone/>
-            </a:pPr>
-            <a:r>
-              <a:rPr lang="es-ES" dirty="0" smtClean="0"/>
-              <a:t>En general</a:t>
-            </a:r>
+            <a:endParaRPr lang="es-ES" dirty="0"/>
           </a:p>
           <a:p>
             <a:pPr marL="0" indent="0">
@@ -15931,14 +16190,29 @@
             <a:pPr marL="0" indent="0">
               <a:buNone/>
             </a:pPr>
-            <a:endParaRPr lang="es-ES" dirty="0" smtClean="0"/>
+            <a:r>
+              <a:rPr lang="es-ES" dirty="0"/>
+              <a:t>En general</a:t>
+            </a:r>
           </a:p>
           <a:p>
             <a:pPr marL="0" indent="0">
               <a:buNone/>
             </a:pPr>
-            <a:r>
-              <a:rPr lang="es-ES" dirty="0" smtClean="0"/>
+            <a:endParaRPr lang="es-ES" dirty="0"/>
+          </a:p>
+          <a:p>
+            <a:pPr marL="0" indent="0">
+              <a:buNone/>
+            </a:pPr>
+            <a:endParaRPr lang="es-ES" dirty="0"/>
+          </a:p>
+          <a:p>
+            <a:pPr marL="0" indent="0">
+              <a:buNone/>
+            </a:pPr>
+            <a:r>
+              <a:rPr lang="es-ES" dirty="0"/>
               <a:t>Matricial </a:t>
             </a:r>
           </a:p>
@@ -16207,7 +16481,7 @@
 </p:sld>
 </file>
 
-<file path=ppt/slides/slide26.xml><?xml version="1.0" encoding="utf-8"?>
+<file path=ppt/slides/slide29.xml><?xml version="1.0" encoding="utf-8"?>
 <p:sld xmlns:a="http://schemas.openxmlformats.org/drawingml/2006/main" xmlns:r="http://schemas.openxmlformats.org/officeDocument/2006/relationships" xmlns:p="http://schemas.openxmlformats.org/presentationml/2006/main">
   <p:cSld>
     <p:spTree>
@@ -16240,15 +16514,15 @@
           <a:lstStyle/>
           <a:p>
             <a:r>
-              <a:rPr lang="en-GB" dirty="0" err="1" smtClean="0"/>
+              <a:rPr lang="en-GB" dirty="0" err="1"/>
               <a:t>Métricas</a:t>
             </a:r>
             <a:r>
-              <a:rPr lang="en-GB" dirty="0" smtClean="0"/>
+              <a:rPr lang="en-GB" dirty="0"/>
               <a:t> de Error </a:t>
             </a:r>
             <a:r>
-              <a:rPr lang="en-GB" dirty="0" err="1" smtClean="0"/>
+              <a:rPr lang="en-GB" dirty="0" err="1"/>
               <a:t>Regresión</a:t>
             </a:r>
             <a:endParaRPr lang="en-GB" dirty="0"/>
@@ -16276,7 +16550,7 @@
               <a:buNone/>
             </a:pPr>
             <a:r>
-              <a:rPr lang="es-ES" dirty="0" smtClean="0"/>
+              <a:rPr lang="es-ES" dirty="0"/>
               <a:t>Se presentan las siguientes métricas estadísticas:</a:t>
             </a:r>
           </a:p>
@@ -16285,11 +16559,11 @@
               <a:buNone/>
             </a:pPr>
             <a:r>
-              <a:rPr lang="es-ES" dirty="0" smtClean="0"/>
+              <a:rPr lang="es-ES" dirty="0"/>
               <a:t>Coeficiente de determinación: R</a:t>
             </a:r>
             <a:r>
-              <a:rPr lang="es-ES" baseline="30000" dirty="0" smtClean="0"/>
+              <a:rPr lang="es-ES" baseline="30000" dirty="0"/>
               <a:t>2</a:t>
             </a:r>
           </a:p>
@@ -16303,7 +16577,7 @@
             <a:pPr marL="0" indent="0">
               <a:buNone/>
             </a:pPr>
-            <a:endParaRPr lang="es-ES" baseline="30000" dirty="0" smtClean="0"/>
+            <a:endParaRPr lang="es-ES" baseline="30000" dirty="0"/>
           </a:p>
           <a:p>
             <a:pPr marL="0" indent="0">
@@ -16315,7 +16589,7 @@
             <a:pPr marL="0" indent="0">
               <a:buNone/>
             </a:pPr>
-            <a:endParaRPr lang="es-ES" baseline="30000" dirty="0" smtClean="0"/>
+            <a:endParaRPr lang="es-ES" baseline="30000" dirty="0"/>
           </a:p>
           <a:p>
             <a:pPr marL="0" indent="0">
@@ -16323,37 +16597,16 @@
             </a:pPr>
             <a:r>
               <a:rPr lang="es-ES" dirty="0"/>
-              <a:t>Se puede interpretar un valor </a:t>
-            </a:r>
-            <a:r>
-              <a:rPr lang="es-ES" dirty="0" smtClean="0"/>
-              <a:t>R</a:t>
-            </a:r>
-            <a:r>
-              <a:rPr lang="es-ES" baseline="30000" dirty="0" smtClean="0"/>
+              <a:t>Se puede interpretar un valor R</a:t>
+            </a:r>
+            <a:r>
+              <a:rPr lang="es-ES" baseline="30000" dirty="0"/>
               <a:t>2 </a:t>
             </a:r>
             <a:r>
-              <a:rPr lang="es-ES" dirty="0" smtClean="0"/>
-              <a:t>de 0.9 como</a:t>
-            </a:r>
-            <a:r>
               <a:rPr lang="es-ES" dirty="0"/>
-              <a:t>: "Noventa por ciento de la varianza en la línea de </a:t>
-            </a:r>
-            <a:r>
-              <a:rPr lang="es-ES" dirty="0" smtClean="0"/>
-              <a:t>base los </a:t>
-            </a:r>
-            <a:r>
-              <a:rPr lang="es-ES" dirty="0"/>
-              <a:t>valores pueden explicarse mediante los valores </a:t>
-            </a:r>
-            <a:r>
-              <a:rPr lang="es-ES" dirty="0" smtClean="0"/>
-              <a:t>modelados”</a:t>
-            </a:r>
-            <a:endParaRPr lang="es-ES" dirty="0"/>
+              <a:t>de 0.9 como: "Noventa por ciento de la varianza en la línea de base los valores pueden explicarse mediante los valores modelados”</a:t>
+            </a:r>
           </a:p>
         </p:txBody>
       </p:sp>
@@ -16394,7 +16647,7 @@
 </p:sld>
 </file>
 
-<file path=ppt/slides/slide27.xml><?xml version="1.0" encoding="utf-8"?>
+<file path=ppt/slides/slide3.xml><?xml version="1.0" encoding="utf-8"?>
 <p:sld xmlns:a="http://schemas.openxmlformats.org/drawingml/2006/main" xmlns:r="http://schemas.openxmlformats.org/officeDocument/2006/relationships" xmlns:p="http://schemas.openxmlformats.org/presentationml/2006/main">
   <p:cSld>
     <p:spTree>
@@ -16427,15 +16680,152 @@
           <a:lstStyle/>
           <a:p>
             <a:r>
-              <a:rPr lang="en-GB" dirty="0" err="1" smtClean="0"/>
+              <a:rPr lang="es-ES" dirty="0"/>
+              <a:t>Objetivos</a:t>
+            </a:r>
+            <a:endParaRPr lang="en-GB" dirty="0"/>
+          </a:p>
+        </p:txBody>
+      </p:sp>
+      <p:sp>
+        <p:nvSpPr>
+          <p:cNvPr id="4" name="Marcador de contenido 3">
+            <a:extLst>
+              <a:ext uri="{FF2B5EF4-FFF2-40B4-BE49-F238E27FC236}">
+                <a16:creationId xmlns:a16="http://schemas.microsoft.com/office/drawing/2014/main" id="{FAAEBB48-7A95-45B0-8B83-C465E7AE57F8}"/>
+              </a:ext>
+            </a:extLst>
+          </p:cNvPr>
+          <p:cNvSpPr>
+            <a:spLocks noGrp="1"/>
+          </p:cNvSpPr>
+          <p:nvPr>
+            <p:ph idx="1"/>
+          </p:nvPr>
+        </p:nvSpPr>
+        <p:spPr/>
+        <p:txBody>
+          <a:bodyPr>
+            <a:normAutofit fontScale="70000" lnSpcReduction="20000"/>
+          </a:bodyPr>
+          <a:lstStyle/>
+          <a:p>
+            <a:r>
+              <a:rPr lang="es-ES" dirty="0"/>
+              <a:t>Comprender las cargas térmicas en la edificación y sus dinámicas principales</a:t>
+            </a:r>
+          </a:p>
+          <a:p>
+            <a:r>
+              <a:rPr lang="es-ES" dirty="0"/>
+              <a:t>Introducir el concepto de Medida y Verificación de ahorros energéticos</a:t>
+            </a:r>
+          </a:p>
+          <a:p>
+            <a:r>
+              <a:rPr lang="es-ES" dirty="0"/>
+              <a:t>Disponer de herramientas para la realización de análisis de datos</a:t>
+            </a:r>
+          </a:p>
+          <a:p>
+            <a:r>
+              <a:rPr lang="es-ES" dirty="0"/>
+              <a:t>Identificar las variables relevantes y modelar la dependencia de las cargas térmicas frente a las mismas</a:t>
+            </a:r>
+          </a:p>
+          <a:p>
+            <a:r>
+              <a:rPr lang="es-ES" dirty="0"/>
+              <a:t>Conocer los métodos de análisis estadístico y las métricas de error</a:t>
+            </a:r>
+          </a:p>
+          <a:p>
+            <a:r>
+              <a:rPr lang="es-ES" dirty="0"/>
+              <a:t>Introducir distintos métodos de análisis clásicos y modernos</a:t>
+            </a:r>
+          </a:p>
+          <a:p>
+            <a:r>
+              <a:rPr lang="es-ES" dirty="0"/>
+              <a:t>Introducir métodos de clasificación y segmentación de datos</a:t>
+            </a:r>
+          </a:p>
+          <a:p>
+            <a:r>
+              <a:rPr lang="es-ES" dirty="0"/>
+              <a:t>Introducir métodos de detección de errores y reparación de series temporales</a:t>
+            </a:r>
+          </a:p>
+          <a:p>
+            <a:endParaRPr lang="es-ES" dirty="0"/>
+          </a:p>
+          <a:p>
+            <a:pPr marL="0" indent="0">
+              <a:buNone/>
+            </a:pPr>
+            <a:r>
+              <a:rPr lang="es-ES" i="1" dirty="0"/>
+              <a:t>Enunciar los problemas, posibles vías de solución, proporcionar herramientas y referencias útiles</a:t>
+            </a:r>
+          </a:p>
+        </p:txBody>
+      </p:sp>
+    </p:spTree>
+    <p:extLst>
+      <p:ext uri="{BB962C8B-B14F-4D97-AF65-F5344CB8AC3E}">
+        <p14:creationId xmlns:p14="http://schemas.microsoft.com/office/powerpoint/2010/main" val="280258531"/>
+      </p:ext>
+    </p:extLst>
+  </p:cSld>
+  <p:clrMapOvr>
+    <a:masterClrMapping/>
+  </p:clrMapOvr>
+</p:sld>
+</file>
+
+<file path=ppt/slides/slide30.xml><?xml version="1.0" encoding="utf-8"?>
+<p:sld xmlns:a="http://schemas.openxmlformats.org/drawingml/2006/main" xmlns:r="http://schemas.openxmlformats.org/officeDocument/2006/relationships" xmlns:p="http://schemas.openxmlformats.org/presentationml/2006/main">
+  <p:cSld>
+    <p:spTree>
+      <p:nvGrpSpPr>
+        <p:cNvPr id="1" name=""/>
+        <p:cNvGrpSpPr/>
+        <p:nvPr/>
+      </p:nvGrpSpPr>
+      <p:grpSpPr>
+        <a:xfrm>
+          <a:off x="0" y="0"/>
+          <a:ext cx="0" cy="0"/>
+          <a:chOff x="0" y="0"/>
+          <a:chExt cx="0" cy="0"/>
+        </a:xfrm>
+      </p:grpSpPr>
+      <p:sp>
+        <p:nvSpPr>
+          <p:cNvPr id="2" name="Título 1"/>
+          <p:cNvSpPr>
+            <a:spLocks noGrp="1"/>
+          </p:cNvSpPr>
+          <p:nvPr>
+            <p:ph type="title"/>
+          </p:nvPr>
+        </p:nvSpPr>
+        <p:spPr/>
+        <p:txBody>
+          <a:bodyPr/>
+          <a:lstStyle/>
+          <a:p>
+            <a:r>
+              <a:rPr lang="en-GB" dirty="0" err="1"/>
               <a:t>Métricas</a:t>
             </a:r>
             <a:r>
-              <a:rPr lang="en-GB" dirty="0" smtClean="0"/>
+              <a:rPr lang="en-GB" dirty="0"/>
               <a:t> de Error </a:t>
             </a:r>
             <a:r>
-              <a:rPr lang="en-GB" dirty="0" err="1" smtClean="0"/>
+              <a:rPr lang="en-GB" dirty="0" err="1"/>
               <a:t>Regresión</a:t>
             </a:r>
             <a:endParaRPr lang="en-GB" dirty="0"/>
@@ -16462,11 +16852,7 @@
             </a:pPr>
             <a:r>
               <a:rPr lang="en-US" dirty="0"/>
-              <a:t>Root mean squared error (RMSE</a:t>
-            </a:r>
-            <a:r>
-              <a:rPr lang="en-US" dirty="0"/>
-              <a:t>)/Error </a:t>
+              <a:t>Root mean squared error (RMSE)/Error </a:t>
             </a:r>
             <a:r>
               <a:rPr lang="en-US" dirty="0" err="1"/>
@@ -16477,16 +16863,10 @@
               <a:t> </a:t>
             </a:r>
             <a:r>
-              <a:rPr lang="en-US" dirty="0" err="1" smtClean="0"/>
+              <a:rPr lang="en-US" dirty="0" err="1"/>
               <a:t>medio</a:t>
             </a:r>
-            <a:endParaRPr lang="en-US" dirty="0" smtClean="0"/>
-          </a:p>
-          <a:p>
-            <a:pPr marL="0" indent="0">
-              <a:buNone/>
-            </a:pPr>
-            <a:endParaRPr lang="en-US" dirty="0" smtClean="0"/>
+            <a:endParaRPr lang="en-US" dirty="0"/>
           </a:p>
           <a:p>
             <a:pPr marL="0" indent="0">
@@ -16498,39 +16878,21 @@
             <a:pPr marL="0" indent="0">
               <a:buNone/>
             </a:pPr>
-            <a:endParaRPr lang="en-US" dirty="0" smtClean="0"/>
+            <a:endParaRPr lang="en-US" dirty="0"/>
           </a:p>
           <a:p>
             <a:pPr marL="0" indent="0">
               <a:buNone/>
             </a:pPr>
-            <a:r>
-              <a:rPr lang="es-ES" dirty="0" smtClean="0"/>
-              <a:t>Representa el desviación </a:t>
-            </a:r>
+            <a:endParaRPr lang="en-US" dirty="0"/>
+          </a:p>
+          <a:p>
+            <a:pPr marL="0" indent="0">
+              <a:buNone/>
+            </a:pPr>
             <a:r>
               <a:rPr lang="es-ES" dirty="0"/>
-              <a:t>estándar </a:t>
-            </a:r>
-            <a:r>
-              <a:rPr lang="es-ES" dirty="0" smtClean="0"/>
-              <a:t>muestra </a:t>
-            </a:r>
-            <a:r>
-              <a:rPr lang="es-ES" dirty="0"/>
-              <a:t>de las diferencias </a:t>
-            </a:r>
-            <a:r>
-              <a:rPr lang="es-ES" dirty="0" smtClean="0"/>
-              <a:t>entre valores </a:t>
-            </a:r>
-            <a:r>
-              <a:rPr lang="es-ES" dirty="0"/>
-              <a:t>modelados y de </a:t>
-            </a:r>
-            <a:r>
-              <a:rPr lang="es-ES" dirty="0" smtClean="0"/>
-              <a:t>referencia.</a:t>
+              <a:t>Representa el desviación estándar muestra de las diferencias entre valores modelados y de referencia.</a:t>
             </a:r>
           </a:p>
           <a:p>
@@ -16544,7 +16906,7 @@
               <a:buNone/>
             </a:pPr>
             <a:r>
-              <a:rPr lang="es-ES" dirty="0" smtClean="0"/>
+              <a:rPr lang="es-ES" dirty="0"/>
               <a:t>Se desea un valor bajo de esta métrica</a:t>
             </a:r>
             <a:endParaRPr lang="en-US" dirty="0"/>
@@ -16598,12 +16960,8 @@
           <a:lstStyle/>
           <a:p>
             <a:r>
-              <a:rPr lang="es-ES" sz="2800" dirty="0" smtClean="0"/>
-              <a:t>Desde 0 </a:t>
-            </a:r>
-            <a:r>
               <a:rPr lang="es-ES" sz="2800" dirty="0"/>
-              <a:t>hasta ∞</a:t>
+              <a:t>Desde 0 hasta ∞</a:t>
             </a:r>
           </a:p>
         </p:txBody>
@@ -16621,7 +16979,7 @@
 </p:sld>
 </file>
 
-<file path=ppt/slides/slide28.xml><?xml version="1.0" encoding="utf-8"?>
+<file path=ppt/slides/slide31.xml><?xml version="1.0" encoding="utf-8"?>
 <p:sld xmlns:a="http://schemas.openxmlformats.org/drawingml/2006/main" xmlns:r="http://schemas.openxmlformats.org/officeDocument/2006/relationships" xmlns:p="http://schemas.openxmlformats.org/presentationml/2006/main">
   <p:cSld>
     <p:spTree>
@@ -16654,15 +17012,15 @@
           <a:lstStyle/>
           <a:p>
             <a:r>
-              <a:rPr lang="en-GB" dirty="0" err="1" smtClean="0"/>
+              <a:rPr lang="en-GB" dirty="0" err="1"/>
               <a:t>Métricas</a:t>
             </a:r>
             <a:r>
-              <a:rPr lang="en-GB" dirty="0" smtClean="0"/>
+              <a:rPr lang="en-GB" dirty="0"/>
               <a:t> de Error </a:t>
             </a:r>
             <a:r>
-              <a:rPr lang="en-GB" dirty="0" err="1" smtClean="0"/>
+              <a:rPr lang="en-GB" dirty="0" err="1"/>
               <a:t>Regresión</a:t>
             </a:r>
             <a:endParaRPr lang="en-GB" dirty="0"/>
@@ -16689,38 +17047,12 @@
             </a:pPr>
             <a:r>
               <a:rPr lang="en-US" dirty="0"/>
-              <a:t>Coefficient of variance of root mean squared </a:t>
-            </a:r>
-            <a:r>
-              <a:rPr lang="en-US" dirty="0" smtClean="0"/>
-              <a:t>error </a:t>
-            </a:r>
-            <a:r>
-              <a:rPr lang="es-ES" dirty="0" smtClean="0"/>
-              <a:t>(</a:t>
+              <a:t>Coefficient of variance of root mean squared error </a:t>
             </a:r>
             <a:r>
               <a:rPr lang="es-ES" dirty="0"/>
-              <a:t>CVRMSE</a:t>
-            </a:r>
-            <a:r>
-              <a:rPr lang="es-ES" dirty="0" smtClean="0"/>
-              <a:t>)/ Coeficiente </a:t>
-            </a:r>
-            <a:r>
-              <a:rPr lang="es-ES" dirty="0"/>
-              <a:t>de varianza del error cuadrático </a:t>
-            </a:r>
-            <a:r>
-              <a:rPr lang="es-ES" dirty="0" smtClean="0"/>
-              <a:t>medio</a:t>
-            </a:r>
-          </a:p>
-          <a:p>
-            <a:pPr marL="0" indent="0">
-              <a:buNone/>
-            </a:pPr>
-            <a:endParaRPr lang="en-GB" dirty="0" smtClean="0"/>
+              <a:t>(CVRMSE)/ Coeficiente de varianza del error cuadrático medio</a:t>
+            </a:r>
           </a:p>
           <a:p>
             <a:pPr marL="0" indent="0">
@@ -16732,7 +17064,7 @@
             <a:pPr marL="0" indent="0">
               <a:buNone/>
             </a:pPr>
-            <a:endParaRPr lang="en-GB" dirty="0" smtClean="0"/>
+            <a:endParaRPr lang="en-GB" dirty="0"/>
           </a:p>
           <a:p>
             <a:pPr marL="0" indent="0">
@@ -16744,21 +17076,15 @@
             <a:pPr marL="0" indent="0">
               <a:buNone/>
             </a:pPr>
-            <a:r>
-              <a:rPr lang="es-ES" dirty="0" smtClean="0"/>
-              <a:t>Deriva </a:t>
-            </a:r>
+            <a:endParaRPr lang="en-GB" dirty="0"/>
+          </a:p>
+          <a:p>
+            <a:pPr marL="0" indent="0">
+              <a:buNone/>
+            </a:pPr>
             <a:r>
               <a:rPr lang="es-ES" dirty="0"/>
-              <a:t>normalizando el </a:t>
-            </a:r>
-            <a:r>
-              <a:rPr lang="es-ES" dirty="0" smtClean="0"/>
-              <a:t>RMSE con </a:t>
-            </a:r>
-            <a:r>
-              <a:rPr lang="es-ES" dirty="0"/>
-              <a:t>la media de los datos</a:t>
+              <a:t>Deriva normalizando el RMSE con la media de los datos</a:t>
             </a:r>
             <a:endParaRPr lang="en-GB" dirty="0"/>
           </a:p>
@@ -16801,7 +17127,7 @@
 </p:sld>
 </file>
 
-<file path=ppt/slides/slide29.xml><?xml version="1.0" encoding="utf-8"?>
+<file path=ppt/slides/slide32.xml><?xml version="1.0" encoding="utf-8"?>
 <p:sld xmlns:a="http://schemas.openxmlformats.org/drawingml/2006/main" xmlns:r="http://schemas.openxmlformats.org/officeDocument/2006/relationships" xmlns:p="http://schemas.openxmlformats.org/presentationml/2006/main">
   <p:cSld>
     <p:spTree>
@@ -16834,15 +17160,15 @@
           <a:lstStyle/>
           <a:p>
             <a:r>
-              <a:rPr lang="en-GB" dirty="0" err="1" smtClean="0"/>
+              <a:rPr lang="en-GB" dirty="0" err="1"/>
               <a:t>Métricas</a:t>
             </a:r>
             <a:r>
-              <a:rPr lang="en-GB" dirty="0" smtClean="0"/>
+              <a:rPr lang="en-GB" dirty="0"/>
               <a:t> de Error </a:t>
             </a:r>
             <a:r>
-              <a:rPr lang="en-GB" dirty="0" err="1" smtClean="0"/>
+              <a:rPr lang="en-GB" dirty="0" err="1"/>
               <a:t>Regresión</a:t>
             </a:r>
             <a:endParaRPr lang="en-GB" dirty="0"/>
@@ -16868,20 +17194,8 @@
               <a:buNone/>
             </a:pPr>
             <a:r>
-              <a:rPr lang="en-GB" dirty="0" smtClean="0"/>
-              <a:t>Mean Bias Error (</a:t>
-            </a:r>
-            <a:r>
               <a:rPr lang="en-GB" dirty="0"/>
-              <a:t>MBE</a:t>
-            </a:r>
-            <a:r>
-              <a:rPr lang="en-GB" dirty="0" smtClean="0"/>
-              <a:t>)/Error </a:t>
-            </a:r>
-            <a:r>
-              <a:rPr lang="en-GB" dirty="0"/>
-              <a:t>de </a:t>
+              <a:t>Mean Bias Error (MBE)/Error de </a:t>
             </a:r>
             <a:r>
               <a:rPr lang="en-GB" dirty="0" err="1"/>
@@ -16892,10 +17206,10 @@
               <a:t> </a:t>
             </a:r>
             <a:r>
-              <a:rPr lang="en-GB" dirty="0" err="1" smtClean="0"/>
+              <a:rPr lang="en-GB" dirty="0" err="1"/>
               <a:t>medio</a:t>
             </a:r>
-            <a:endParaRPr lang="en-GB" dirty="0" smtClean="0"/>
+            <a:endParaRPr lang="en-GB" dirty="0"/>
           </a:p>
           <a:p>
             <a:pPr marL="0" indent="0">
@@ -16907,7 +17221,7 @@
             <a:pPr marL="0" indent="0">
               <a:buNone/>
             </a:pPr>
-            <a:endParaRPr lang="en-GB" dirty="0" smtClean="0"/>
+            <a:endParaRPr lang="en-GB" dirty="0"/>
           </a:p>
           <a:p>
             <a:pPr marL="0" indent="0">
@@ -16982,7 +17296,7 @@
 </p:sld>
 </file>
 
-<file path=ppt/slides/slide3.xml><?xml version="1.0" encoding="utf-8"?>
+<file path=ppt/slides/slide33.xml><?xml version="1.0" encoding="utf-8"?>
 <p:sld xmlns:a="http://schemas.openxmlformats.org/drawingml/2006/main" xmlns:r="http://schemas.openxmlformats.org/officeDocument/2006/relationships" xmlns:p="http://schemas.openxmlformats.org/presentationml/2006/main">
   <p:cSld>
     <p:spTree>
@@ -17015,22 +17329,24 @@
           <a:lstStyle/>
           <a:p>
             <a:r>
-              <a:rPr lang="es-ES" dirty="0"/>
-              <a:t>Objetivos</a:t>
-            </a:r>
-            <a:endParaRPr lang="en-GB" dirty="0"/>
-          </a:p>
-        </p:txBody>
-      </p:sp>
-      <p:sp>
-        <p:nvSpPr>
-          <p:cNvPr id="4" name="Marcador de contenido 3">
-            <a:extLst>
-              <a:ext uri="{FF2B5EF4-FFF2-40B4-BE49-F238E27FC236}">
-                <a16:creationId xmlns:a16="http://schemas.microsoft.com/office/drawing/2014/main" id="{FAAEBB48-7A95-45B0-8B83-C465E7AE57F8}"/>
-              </a:ext>
-            </a:extLst>
-          </p:cNvPr>
+              <a:rPr lang="en-GB" dirty="0" err="1"/>
+              <a:t>Métricas</a:t>
+            </a:r>
+            <a:r>
+              <a:rPr lang="en-GB" dirty="0"/>
+              <a:t> de Error </a:t>
+            </a:r>
+            <a:r>
+              <a:rPr lang="en-GB" dirty="0" err="1"/>
+              <a:t>Regresión</a:t>
+            </a:r>
+            <a:endParaRPr lang="es-ES" dirty="0"/>
+          </a:p>
+        </p:txBody>
+      </p:sp>
+      <p:sp>
+        <p:nvSpPr>
+          <p:cNvPr id="3" name="Marcador de contenido 2"/>
           <p:cNvSpPr>
             <a:spLocks noGrp="1"/>
           </p:cNvSpPr>
@@ -17040,76 +17356,46 @@
         </p:nvSpPr>
         <p:spPr/>
         <p:txBody>
-          <a:bodyPr>
-            <a:normAutofit fontScale="70000" lnSpcReduction="20000"/>
-          </a:bodyPr>
+          <a:bodyPr/>
           <a:lstStyle/>
-          <a:p>
-            <a:r>
-              <a:rPr lang="es-ES" dirty="0"/>
-              <a:t>Comprender las cargas térmicas en la edificación y sus dinámicas principales</a:t>
-            </a:r>
-          </a:p>
-          <a:p>
-            <a:r>
-              <a:rPr lang="es-ES" dirty="0"/>
-              <a:t>Introducir el concepto de Medida y Verificación de ahorros energéticos</a:t>
-            </a:r>
-          </a:p>
-          <a:p>
-            <a:r>
-              <a:rPr lang="es-ES" dirty="0"/>
-              <a:t>Disponer de herramientas para la realización de análisis de datos</a:t>
-            </a:r>
-          </a:p>
-          <a:p>
-            <a:r>
-              <a:rPr lang="es-ES" dirty="0"/>
-              <a:t>Identificar las variables relevantes y modelar la dependencia de las cargas térmicas frente a las mismas</a:t>
-            </a:r>
-          </a:p>
-          <a:p>
-            <a:r>
-              <a:rPr lang="es-ES" dirty="0"/>
-              <a:t>Conocer los métodos de análisis estadístico y las métricas de error</a:t>
-            </a:r>
-          </a:p>
-          <a:p>
-            <a:r>
-              <a:rPr lang="es-ES" dirty="0"/>
-              <a:t>Introducir distintos métodos de análisis clásicos y modernos</a:t>
-            </a:r>
-          </a:p>
-          <a:p>
-            <a:r>
-              <a:rPr lang="es-ES" dirty="0"/>
-              <a:t>Introducir métodos de clasificación y segmentación de datos</a:t>
-            </a:r>
-          </a:p>
-          <a:p>
-            <a:r>
-              <a:rPr lang="es-ES" dirty="0"/>
-              <a:t>Introducir métodos de detección de errores y reparación de series temporales</a:t>
-            </a:r>
-          </a:p>
-          <a:p>
-            <a:endParaRPr lang="es-ES" dirty="0"/>
-          </a:p>
           <a:p>
             <a:pPr marL="0" indent="0">
               <a:buNone/>
             </a:pPr>
             <a:r>
-              <a:rPr lang="es-ES" i="1" dirty="0"/>
-              <a:t>Enunciar los problemas, posibles vías de solución, proporcionar herramientas y referencias útiles</a:t>
-            </a:r>
+              <a:rPr lang="es-ES" dirty="0"/>
+              <a:t>Existen otras muchas métricas que se adecuan a un tipo de regresión o a otro.</a:t>
+            </a:r>
+          </a:p>
+          <a:p>
+            <a:endParaRPr lang="es-ES" dirty="0"/>
+          </a:p>
+          <a:p>
+            <a:pPr marL="0" indent="0">
+              <a:buNone/>
+            </a:pPr>
+            <a:r>
+              <a:rPr lang="en-US" dirty="0"/>
+              <a:t>Reference: Insights into Performance Fitness and Error Metrics for Machine Learning (</a:t>
+            </a:r>
+            <a:r>
+              <a:rPr lang="en-US" dirty="0">
+                <a:hlinkClick r:id="rId2"/>
+              </a:rPr>
+              <a:t>https://www.researchgate.net/publication/341816886_Insights_into_Performance_Fitness_and_Error_Metrics_for_Machine_Learning</a:t>
+            </a:r>
+            <a:r>
+              <a:rPr lang="en-US" dirty="0"/>
+              <a:t>)   </a:t>
+            </a:r>
+            <a:endParaRPr lang="es-ES" dirty="0"/>
           </a:p>
         </p:txBody>
       </p:sp>
     </p:spTree>
     <p:extLst>
       <p:ext uri="{BB962C8B-B14F-4D97-AF65-F5344CB8AC3E}">
-        <p14:creationId xmlns:p14="http://schemas.microsoft.com/office/powerpoint/2010/main" val="280258531"/>
+        <p14:creationId xmlns:p14="http://schemas.microsoft.com/office/powerpoint/2010/main" val="2240436746"/>
       </p:ext>
     </p:extLst>
   </p:cSld>
@@ -17119,7 +17405,7 @@
 </p:sld>
 </file>
 
-<file path=ppt/slides/slide30.xml><?xml version="1.0" encoding="utf-8"?>
+<file path=ppt/slides/slide34.xml><?xml version="1.0" encoding="utf-8"?>
 <p:sld xmlns:a="http://schemas.openxmlformats.org/drawingml/2006/main" xmlns:r="http://schemas.openxmlformats.org/officeDocument/2006/relationships" xmlns:p="http://schemas.openxmlformats.org/presentationml/2006/main">
   <p:cSld>
     <p:spTree>
@@ -17138,7 +17424,13 @@
       </p:grpSpPr>
       <p:sp>
         <p:nvSpPr>
-          <p:cNvPr id="2" name="Título 1"/>
+          <p:cNvPr id="2" name="Título 1">
+            <a:extLst>
+              <a:ext uri="{FF2B5EF4-FFF2-40B4-BE49-F238E27FC236}">
+                <a16:creationId xmlns:a16="http://schemas.microsoft.com/office/drawing/2014/main" id="{E9A646E3-9C62-480F-8A2D-357C9B5270AA}"/>
+              </a:ext>
+            </a:extLst>
+          </p:cNvPr>
           <p:cNvSpPr>
             <a:spLocks noGrp="1"/>
           </p:cNvSpPr>
@@ -17152,81 +17444,141 @@
           <a:lstStyle/>
           <a:p>
             <a:r>
-              <a:rPr lang="en-GB" dirty="0" err="1"/>
-              <a:t>Métricas</a:t>
-            </a:r>
-            <a:r>
-              <a:rPr lang="en-GB" dirty="0"/>
-              <a:t> de Error </a:t>
-            </a:r>
-            <a:r>
-              <a:rPr lang="en-GB" dirty="0" err="1"/>
-              <a:t>Regresión</a:t>
-            </a:r>
-            <a:endParaRPr lang="es-ES" dirty="0"/>
-          </a:p>
-        </p:txBody>
-      </p:sp>
-      <p:sp>
-        <p:nvSpPr>
-          <p:cNvPr id="3" name="Marcador de contenido 2"/>
-          <p:cNvSpPr>
-            <a:spLocks noGrp="1"/>
-          </p:cNvSpPr>
-          <p:nvPr>
-            <p:ph idx="1"/>
-          </p:nvPr>
-        </p:nvSpPr>
-        <p:spPr/>
-        <p:txBody>
-          <a:bodyPr/>
+              <a:rPr lang="es-ES" dirty="0"/>
+              <a:t>Regresión no-lineal</a:t>
+            </a:r>
+          </a:p>
+        </p:txBody>
+      </p:sp>
+      <p:sp>
+        <p:nvSpPr>
+          <p:cNvPr id="5" name="CuadroTexto 4">
+            <a:extLst>
+              <a:ext uri="{FF2B5EF4-FFF2-40B4-BE49-F238E27FC236}">
+                <a16:creationId xmlns:a16="http://schemas.microsoft.com/office/drawing/2014/main" id="{81BC98DF-CB72-4EFE-A75D-FFC440D50236}"/>
+              </a:ext>
+            </a:extLst>
+          </p:cNvPr>
+          <p:cNvSpPr txBox="1"/>
+          <p:nvPr/>
+        </p:nvSpPr>
+        <p:spPr>
+          <a:xfrm>
+            <a:off x="3495483" y="4688041"/>
+            <a:ext cx="6097022" cy="369332"/>
+          </a:xfrm>
+          <a:prstGeom prst="rect">
+            <a:avLst/>
+          </a:prstGeom>
+          <a:noFill/>
+        </p:spPr>
+        <p:txBody>
+          <a:bodyPr wrap="square">
+            <a:spAutoFit/>
+          </a:bodyPr>
           <a:lstStyle/>
           <a:p>
-            <a:pPr marL="0" indent="0">
-              <a:buNone/>
-            </a:pPr>
-            <a:r>
-              <a:rPr lang="es-ES" dirty="0" smtClean="0"/>
-              <a:t>Existen otras muchas métricas que se adecuan a un tipo de regresión o a otro.</a:t>
-            </a:r>
-          </a:p>
-          <a:p>
-            <a:endParaRPr lang="es-ES" dirty="0"/>
-          </a:p>
-          <a:p>
-            <a:pPr marL="0" indent="0">
-              <a:buNone/>
-            </a:pPr>
-            <a:r>
-              <a:rPr lang="en-US" dirty="0" smtClean="0"/>
-              <a:t>Reference: Insights </a:t>
-            </a:r>
-            <a:r>
-              <a:rPr lang="en-US" dirty="0"/>
-              <a:t>into Performance Fitness and Error Metrics for Machine </a:t>
-            </a:r>
-            <a:r>
-              <a:rPr lang="en-US" dirty="0"/>
-              <a:t>Learning (</a:t>
-            </a:r>
-            <a:r>
-              <a:rPr lang="en-US" dirty="0">
+            <a:r>
+              <a:rPr lang="es-ES" dirty="0" err="1">
                 <a:hlinkClick r:id="rId2"/>
               </a:rPr>
-              <a:t>https://www.researchgate.net/publication/341816886_Insights_into_Performance_Fitness_and_Error_Metrics_for_Machine_Learning</a:t>
-            </a:r>
-            <a:r>
-              <a:rPr lang="en-US" dirty="0" smtClean="0"/>
-              <a:t>)   </a:t>
-            </a:r>
-            <a:endParaRPr lang="es-ES" dirty="0" smtClean="0"/>
+              <a:t>RPubs</a:t>
+            </a:r>
+            <a:r>
+              <a:rPr lang="es-ES" dirty="0">
+                <a:hlinkClick r:id="rId2"/>
+              </a:rPr>
+              <a:t> - Métodos de regresión no lineal</a:t>
+            </a:r>
+            <a:endParaRPr lang="es-ES" dirty="0"/>
+          </a:p>
+        </p:txBody>
+      </p:sp>
+      <p:sp>
+        <p:nvSpPr>
+          <p:cNvPr id="6" name="CuadroTexto 5">
+            <a:extLst>
+              <a:ext uri="{FF2B5EF4-FFF2-40B4-BE49-F238E27FC236}">
+                <a16:creationId xmlns:a16="http://schemas.microsoft.com/office/drawing/2014/main" id="{53746C72-7C24-4E4E-BA18-587004A758C5}"/>
+              </a:ext>
+            </a:extLst>
+          </p:cNvPr>
+          <p:cNvSpPr txBox="1"/>
+          <p:nvPr/>
+        </p:nvSpPr>
+        <p:spPr>
+          <a:xfrm>
+            <a:off x="838200" y="2178604"/>
+            <a:ext cx="6747024" cy="646331"/>
+          </a:xfrm>
+          <a:prstGeom prst="rect">
+            <a:avLst/>
+          </a:prstGeom>
+          <a:noFill/>
+        </p:spPr>
+        <p:txBody>
+          <a:bodyPr wrap="square" rtlCol="0">
+            <a:spAutoFit/>
+          </a:bodyPr>
+          <a:lstStyle/>
+          <a:p>
+            <a:r>
+              <a:rPr lang="es-ES" sz="3600" dirty="0"/>
+              <a:t>¿Qué tendríamos que hacer?</a:t>
+            </a:r>
+          </a:p>
+        </p:txBody>
+      </p:sp>
+      <p:sp>
+        <p:nvSpPr>
+          <p:cNvPr id="7" name="Flecha: hacia abajo 6">
+            <a:extLst>
+              <a:ext uri="{FF2B5EF4-FFF2-40B4-BE49-F238E27FC236}">
+                <a16:creationId xmlns:a16="http://schemas.microsoft.com/office/drawing/2014/main" id="{F134B63E-548F-466A-AB50-8BBAAADE2819}"/>
+              </a:ext>
+            </a:extLst>
+          </p:cNvPr>
+          <p:cNvSpPr/>
+          <p:nvPr/>
+        </p:nvSpPr>
+        <p:spPr>
+          <a:xfrm>
+            <a:off x="5836204" y="3037772"/>
+            <a:ext cx="533911" cy="1055549"/>
+          </a:xfrm>
+          <a:prstGeom prst="downArrow">
+            <a:avLst/>
+          </a:prstGeom>
+        </p:spPr>
+        <p:style>
+          <a:lnRef idx="2">
+            <a:schemeClr val="accent1">
+              <a:shade val="50000"/>
+            </a:schemeClr>
+          </a:lnRef>
+          <a:fillRef idx="1">
+            <a:schemeClr val="accent1"/>
+          </a:fillRef>
+          <a:effectRef idx="0">
+            <a:schemeClr val="accent1"/>
+          </a:effectRef>
+          <a:fontRef idx="minor">
+            <a:schemeClr val="lt1"/>
+          </a:fontRef>
+        </p:style>
+        <p:txBody>
+          <a:bodyPr rtlCol="0" anchor="ctr"/>
+          <a:lstStyle/>
+          <a:p>
+            <a:pPr algn="ctr"/>
+            <a:endParaRPr lang="es-ES"/>
           </a:p>
         </p:txBody>
       </p:sp>
     </p:spTree>
     <p:extLst>
       <p:ext uri="{BB962C8B-B14F-4D97-AF65-F5344CB8AC3E}">
-        <p14:creationId xmlns:p14="http://schemas.microsoft.com/office/powerpoint/2010/main" val="2240436746"/>
+        <p14:creationId xmlns:p14="http://schemas.microsoft.com/office/powerpoint/2010/main" val="3858668926"/>
       </p:ext>
     </p:extLst>
   </p:cSld>
@@ -17236,7 +17588,7 @@
 </p:sld>
 </file>
 
-<file path=ppt/slides/slide31.xml><?xml version="1.0" encoding="utf-8"?>
+<file path=ppt/slides/slide35.xml><?xml version="1.0" encoding="utf-8"?>
 <p:sld xmlns:a="http://schemas.openxmlformats.org/drawingml/2006/main" xmlns:r="http://schemas.openxmlformats.org/officeDocument/2006/relationships" xmlns:p="http://schemas.openxmlformats.org/presentationml/2006/main">
   <p:cSld>
     <p:spTree>
@@ -17269,15 +17621,15 @@
           <a:lstStyle/>
           <a:p>
             <a:r>
-              <a:rPr lang="en-GB" dirty="0" err="1" smtClean="0"/>
+              <a:rPr lang="en-GB" dirty="0" err="1"/>
               <a:t>Modelos</a:t>
             </a:r>
             <a:r>
-              <a:rPr lang="en-GB" dirty="0" smtClean="0"/>
+              <a:rPr lang="en-GB" dirty="0"/>
               <a:t> de </a:t>
             </a:r>
             <a:r>
-              <a:rPr lang="en-GB" dirty="0" err="1" smtClean="0"/>
+              <a:rPr lang="en-GB" dirty="0" err="1"/>
               <a:t>Clasificación</a:t>
             </a:r>
             <a:endParaRPr lang="en-GB" dirty="0"/>
@@ -17300,18 +17652,9 @@
           <a:lstStyle/>
           <a:p>
             <a:r>
-              <a:rPr lang="es-ES" dirty="0" smtClean="0"/>
-              <a:t>“Cuando la variable dependiente es un factor o una </a:t>
-            </a:r>
-            <a:r>
-              <a:rPr lang="es-ES" dirty="0" smtClean="0"/>
-              <a:t>variable </a:t>
-            </a:r>
-            <a:r>
-              <a:rPr lang="es-ES" dirty="0" smtClean="0"/>
-              <a:t>tipo cualitativo, los modelos que se generan para su calculo se denominan modelos de clasificación” </a:t>
-            </a:r>
-            <a:endParaRPr lang="es-ES" dirty="0"/>
+              <a:rPr lang="es-ES" dirty="0"/>
+              <a:t>“Cuando la variable dependiente es un factor o una variable tipo cualitativo, los modelos que se generan para su calculo se denominan modelos de clasificación” </a:t>
+            </a:r>
           </a:p>
         </p:txBody>
       </p:sp>
@@ -17369,7 +17712,7 @@
 </p:sld>
 </file>
 
-<file path=ppt/slides/slide32.xml><?xml version="1.0" encoding="utf-8"?>
+<file path=ppt/slides/slide36.xml><?xml version="1.0" encoding="utf-8"?>
 <p:sld xmlns:a="http://schemas.openxmlformats.org/drawingml/2006/main" xmlns:r="http://schemas.openxmlformats.org/officeDocument/2006/relationships" xmlns:p="http://schemas.openxmlformats.org/presentationml/2006/main">
   <p:cSld>
     <p:spTree>
@@ -17402,15 +17745,15 @@
           <a:lstStyle/>
           <a:p>
             <a:r>
-              <a:rPr lang="en-GB" dirty="0" err="1" smtClean="0"/>
+              <a:rPr lang="en-GB" dirty="0" err="1"/>
               <a:t>Modelos</a:t>
             </a:r>
             <a:r>
-              <a:rPr lang="en-GB" dirty="0" smtClean="0"/>
+              <a:rPr lang="en-GB" dirty="0"/>
               <a:t> de </a:t>
             </a:r>
             <a:r>
-              <a:rPr lang="en-GB" dirty="0" err="1" smtClean="0"/>
+              <a:rPr lang="en-GB" dirty="0" err="1"/>
               <a:t>Clasificación</a:t>
             </a:r>
             <a:endParaRPr lang="en-GB" dirty="0"/>
@@ -17436,7 +17779,7 @@
               <a:buNone/>
             </a:pPr>
             <a:r>
-              <a:rPr lang="es-ES" dirty="0" smtClean="0"/>
+              <a:rPr lang="es-ES" dirty="0"/>
               <a:t>Modelos de Clasificación mas comunes:</a:t>
             </a:r>
           </a:p>
@@ -17448,57 +17791,51 @@
           </a:p>
           <a:p>
             <a:r>
-              <a:rPr lang="es-ES" dirty="0" err="1" smtClean="0"/>
+              <a:rPr lang="es-ES" dirty="0" err="1"/>
               <a:t>Support</a:t>
             </a:r>
             <a:r>
-              <a:rPr lang="es-ES" dirty="0" smtClean="0"/>
+              <a:rPr lang="es-ES" dirty="0"/>
               <a:t> Vector </a:t>
             </a:r>
             <a:r>
-              <a:rPr lang="es-ES" dirty="0" err="1" smtClean="0"/>
+              <a:rPr lang="es-ES" dirty="0" err="1"/>
               <a:t>Classiffier</a:t>
             </a:r>
-            <a:endParaRPr lang="es-ES" dirty="0" smtClean="0"/>
-          </a:p>
-          <a:p>
-            <a:r>
-              <a:rPr lang="es-ES" dirty="0" smtClean="0"/>
-              <a:t>Regresión </a:t>
-            </a:r>
-            <a:r>
-              <a:rPr lang="es-ES" dirty="0" err="1" smtClean="0"/>
-              <a:t>Logistica</a:t>
-            </a:r>
-            <a:endParaRPr lang="es-ES" dirty="0" smtClean="0"/>
-          </a:p>
-          <a:p>
-            <a:r>
-              <a:rPr lang="es-ES" dirty="0" smtClean="0"/>
+            <a:endParaRPr lang="es-ES" dirty="0"/>
+          </a:p>
+          <a:p>
+            <a:r>
+              <a:rPr lang="es-ES" dirty="0"/>
+              <a:t>Regresión Logística</a:t>
+            </a:r>
+          </a:p>
+          <a:p>
+            <a:r>
+              <a:rPr lang="es-ES" dirty="0"/>
               <a:t>Arboles de Decisión</a:t>
             </a:r>
           </a:p>
           <a:p>
             <a:r>
-              <a:rPr lang="es-ES" dirty="0" err="1" smtClean="0"/>
+              <a:rPr lang="es-ES" dirty="0" err="1"/>
               <a:t>Random</a:t>
             </a:r>
             <a:r>
-              <a:rPr lang="es-ES" dirty="0" smtClean="0"/>
+              <a:rPr lang="es-ES" dirty="0"/>
               <a:t> </a:t>
             </a:r>
             <a:r>
-              <a:rPr lang="es-ES" dirty="0" err="1" smtClean="0"/>
+              <a:rPr lang="es-ES" dirty="0" err="1"/>
               <a:t>Forest</a:t>
             </a:r>
-            <a:endParaRPr lang="es-ES" dirty="0" smtClean="0"/>
-          </a:p>
-          <a:p>
-            <a:r>
-              <a:rPr lang="es-ES" dirty="0" smtClean="0"/>
+            <a:endParaRPr lang="es-ES" dirty="0"/>
+          </a:p>
+          <a:p>
+            <a:r>
+              <a:rPr lang="es-ES" dirty="0"/>
               <a:t>Etc.</a:t>
             </a:r>
-            <a:endParaRPr lang="es-ES" dirty="0"/>
           </a:p>
         </p:txBody>
       </p:sp>
@@ -17515,7 +17852,7 @@
 </p:sld>
 </file>
 
-<file path=ppt/slides/slide33.xml><?xml version="1.0" encoding="utf-8"?>
+<file path=ppt/slides/slide37.xml><?xml version="1.0" encoding="utf-8"?>
 <p:sld xmlns:a="http://schemas.openxmlformats.org/drawingml/2006/main" xmlns:r="http://schemas.openxmlformats.org/officeDocument/2006/relationships" xmlns:p="http://schemas.openxmlformats.org/presentationml/2006/main">
   <p:cSld>
     <p:spTree>
@@ -17548,30 +17885,29 @@
           <a:lstStyle/>
           <a:p>
             <a:r>
-              <a:rPr lang="es-ES" dirty="0" smtClean="0"/>
+              <a:rPr lang="es-ES" dirty="0"/>
               <a:t>Matriz</a:t>
             </a:r>
             <a:r>
-              <a:rPr lang="en-GB" dirty="0" smtClean="0"/>
+              <a:rPr lang="en-GB" dirty="0"/>
               <a:t> de </a:t>
             </a:r>
             <a:r>
-              <a:rPr lang="en-GB" dirty="0" err="1" smtClean="0"/>
+              <a:rPr lang="en-GB" dirty="0" err="1"/>
               <a:t>Confusión</a:t>
             </a:r>
             <a:r>
-              <a:rPr lang="en-GB" dirty="0" smtClean="0"/>
+              <a:rPr lang="en-GB" dirty="0"/>
               <a:t> y </a:t>
             </a:r>
             <a:r>
-              <a:rPr lang="en-GB" dirty="0" err="1" smtClean="0"/>
+              <a:rPr lang="en-GB" dirty="0" err="1"/>
               <a:t>Precisión</a:t>
             </a:r>
             <a:r>
-              <a:rPr lang="en-GB" dirty="0" smtClean="0"/>
+              <a:rPr lang="en-GB" dirty="0"/>
               <a:t> // Confusion Matrix &amp; Accuracy </a:t>
             </a:r>
-            <a:endParaRPr lang="en-GB" dirty="0"/>
           </a:p>
         </p:txBody>
       </p:sp>
@@ -17664,7 +18000,7 @@
           </a:lstStyle>
           <a:p>
             <a:r>
-              <a:rPr lang="en-GB" smtClean="0"/>
+              <a:rPr lang="en-GB"/>
               <a:t>Metricas de Error Clasificación</a:t>
             </a:r>
             <a:endParaRPr lang="en-GB" dirty="0"/>
@@ -17684,7 +18020,7 @@
 </p:sld>
 </file>
 
-<file path=ppt/slides/slide34.xml><?xml version="1.0" encoding="utf-8"?>
+<file path=ppt/slides/slide38.xml><?xml version="1.0" encoding="utf-8"?>
 <p:sld xmlns:a="http://schemas.openxmlformats.org/drawingml/2006/main" xmlns:r="http://schemas.openxmlformats.org/officeDocument/2006/relationships" xmlns:p="http://schemas.openxmlformats.org/presentationml/2006/main">
   <p:cSld>
     <p:spTree>
@@ -17717,15 +18053,15 @@
           <a:lstStyle/>
           <a:p>
             <a:r>
-              <a:rPr lang="en-GB" dirty="0" err="1" smtClean="0"/>
+              <a:rPr lang="en-GB" dirty="0" err="1"/>
               <a:t>Metricas</a:t>
             </a:r>
             <a:r>
-              <a:rPr lang="en-GB" dirty="0" smtClean="0"/>
+              <a:rPr lang="en-GB" dirty="0"/>
               <a:t> de Error </a:t>
             </a:r>
             <a:r>
-              <a:rPr lang="en-GB" dirty="0" err="1" smtClean="0"/>
+              <a:rPr lang="en-GB" dirty="0" err="1"/>
               <a:t>Clasificación</a:t>
             </a:r>
             <a:endParaRPr lang="en-GB" dirty="0"/>
@@ -17751,7 +18087,7 @@
               <a:buNone/>
             </a:pPr>
             <a:r>
-              <a:rPr lang="es-ES" dirty="0" smtClean="0"/>
+              <a:rPr lang="es-ES" dirty="0"/>
               <a:t>Recuperación y F-1 por clase</a:t>
             </a:r>
           </a:p>
@@ -17769,7 +18105,7 @@
               <a:rPr lang="en-US" dirty="0"/>
               <a:t>f1 = 2 * precision * recall / (precision + recall) </a:t>
             </a:r>
-            <a:endParaRPr lang="es-ES" dirty="0" smtClean="0"/>
+            <a:endParaRPr lang="es-ES" dirty="0"/>
           </a:p>
           <a:p>
             <a:pPr marL="0" indent="0">
@@ -17833,7 +18169,7 @@
 </p:sld>
 </file>
 
-<file path=ppt/slides/slide35.xml><?xml version="1.0" encoding="utf-8"?>
+<file path=ppt/slides/slide39.xml><?xml version="1.0" encoding="utf-8"?>
 <p:sld xmlns:a="http://schemas.openxmlformats.org/drawingml/2006/main" xmlns:r="http://schemas.openxmlformats.org/officeDocument/2006/relationships" xmlns:p="http://schemas.openxmlformats.org/presentationml/2006/main">
   <p:cSld>
     <p:spTree>
@@ -17866,14 +18202,13 @@
           <a:lstStyle/>
           <a:p>
             <a:r>
-              <a:rPr lang="en-GB" dirty="0" err="1" smtClean="0"/>
+              <a:rPr lang="en-GB" dirty="0" err="1"/>
               <a:t>Conclusiones</a:t>
             </a:r>
             <a:r>
-              <a:rPr lang="en-GB" dirty="0" smtClean="0"/>
+              <a:rPr lang="en-GB" dirty="0"/>
               <a:t> Finales</a:t>
             </a:r>
-            <a:endParaRPr lang="en-GB" dirty="0"/>
           </a:p>
         </p:txBody>
       </p:sp>
@@ -17897,12 +18232,8 @@
               <a:buAutoNum type="arabicPeriod"/>
             </a:pPr>
             <a:r>
-              <a:rPr lang="es-ES" dirty="0" smtClean="0"/>
-              <a:t>Un análisis de correlaciones entre las variables nos ayudará a determinar cuále</a:t>
-            </a:r>
-            <a:r>
-              <a:rPr lang="es-ES" dirty="0" smtClean="0"/>
-              <a:t>s son las variables óptimas para incluirlas en los modelos</a:t>
+              <a:rPr lang="es-ES" dirty="0"/>
+              <a:t>Un análisis de correlaciones entre las variables nos ayudará a determinar cuáles son las variables óptimas para incluirlas en los modelos</a:t>
             </a:r>
           </a:p>
           <a:p>
@@ -17911,7 +18242,7 @@
               <a:buAutoNum type="arabicPeriod"/>
             </a:pPr>
             <a:r>
-              <a:rPr lang="es-ES" dirty="0" smtClean="0"/>
+              <a:rPr lang="es-ES" dirty="0"/>
               <a:t>Se estudian los modelos de regresión y sus métricas de error más comunes</a:t>
             </a:r>
           </a:p>
@@ -17921,7 +18252,7 @@
               <a:buAutoNum type="arabicPeriod"/>
             </a:pPr>
             <a:r>
-              <a:rPr lang="es-ES" dirty="0" smtClean="0"/>
+              <a:rPr lang="es-ES" dirty="0"/>
               <a:t>Se estudian los modelos de clasificación mas comunes y las métricas de error más comunes</a:t>
             </a:r>
           </a:p>
@@ -17931,10 +18262,9 @@
               <a:buAutoNum type="arabicPeriod"/>
             </a:pPr>
             <a:r>
-              <a:rPr lang="es-ES" dirty="0" smtClean="0"/>
+              <a:rPr lang="es-ES" dirty="0"/>
               <a:t>Pasamos a la práctica</a:t>
             </a:r>
-            <a:endParaRPr lang="es-ES" dirty="0"/>
           </a:p>
         </p:txBody>
       </p:sp>
@@ -17942,151 +18272,6 @@
     <p:extLst>
       <p:ext uri="{BB962C8B-B14F-4D97-AF65-F5344CB8AC3E}">
         <p14:creationId xmlns:p14="http://schemas.microsoft.com/office/powerpoint/2010/main" val="4044856203"/>
-      </p:ext>
-    </p:extLst>
-  </p:cSld>
-  <p:clrMapOvr>
-    <a:masterClrMapping/>
-  </p:clrMapOvr>
-</p:sld>
-</file>
-
-<file path=ppt/slides/slide36.xml><?xml version="1.0" encoding="utf-8"?>
-<p:sld xmlns:a="http://schemas.openxmlformats.org/drawingml/2006/main" xmlns:r="http://schemas.openxmlformats.org/officeDocument/2006/relationships" xmlns:p="http://schemas.openxmlformats.org/presentationml/2006/main">
-  <p:cSld>
-    <p:spTree>
-      <p:nvGrpSpPr>
-        <p:cNvPr id="1" name=""/>
-        <p:cNvGrpSpPr/>
-        <p:nvPr/>
-      </p:nvGrpSpPr>
-      <p:grpSpPr>
-        <a:xfrm>
-          <a:off x="0" y="0"/>
-          <a:ext cx="0" cy="0"/>
-          <a:chOff x="0" y="0"/>
-          <a:chExt cx="0" cy="0"/>
-        </a:xfrm>
-      </p:grpSpPr>
-      <p:sp>
-        <p:nvSpPr>
-          <p:cNvPr id="4" name="Título 3">
-            <a:extLst>
-              <a:ext uri="{FF2B5EF4-FFF2-40B4-BE49-F238E27FC236}">
-                <a16:creationId xmlns:a16="http://schemas.microsoft.com/office/drawing/2014/main" id="{57358FC5-0DFC-4396-9893-E446212006B0}"/>
-              </a:ext>
-            </a:extLst>
-          </p:cNvPr>
-          <p:cNvSpPr>
-            <a:spLocks noGrp="1"/>
-          </p:cNvSpPr>
-          <p:nvPr>
-            <p:ph type="ctrTitle"/>
-          </p:nvPr>
-        </p:nvSpPr>
-        <p:spPr/>
-        <p:txBody>
-          <a:bodyPr>
-            <a:noAutofit/>
-          </a:bodyPr>
-          <a:lstStyle/>
-          <a:p>
-            <a:r>
-              <a:rPr lang="es-ES" sz="4400" dirty="0"/>
-              <a:t>Estudio de consumo de energía mediante métodos de análisis de datos</a:t>
-            </a:r>
-            <a:br>
-              <a:rPr lang="es-ES" sz="4400" dirty="0"/>
-            </a:br>
-            <a:r>
-              <a:rPr lang="es-ES" sz="2800" dirty="0"/>
-              <a:t>Contexto, métodos de análisis, herramientas y aplicaciones</a:t>
-            </a:r>
-            <a:endParaRPr lang="en-GB" sz="4400" dirty="0"/>
-          </a:p>
-        </p:txBody>
-      </p:sp>
-      <p:sp>
-        <p:nvSpPr>
-          <p:cNvPr id="5" name="Subtítulo 4">
-            <a:extLst>
-              <a:ext uri="{FF2B5EF4-FFF2-40B4-BE49-F238E27FC236}">
-                <a16:creationId xmlns:a16="http://schemas.microsoft.com/office/drawing/2014/main" id="{5BE36759-AD9E-492B-A539-7E3579699A77}"/>
-              </a:ext>
-            </a:extLst>
-          </p:cNvPr>
-          <p:cNvSpPr>
-            <a:spLocks noGrp="1"/>
-          </p:cNvSpPr>
-          <p:nvPr>
-            <p:ph type="subTitle" idx="1"/>
-          </p:nvPr>
-        </p:nvSpPr>
-        <p:spPr>
-          <a:xfrm>
-            <a:off x="1524000" y="3602038"/>
-            <a:ext cx="9144000" cy="1310204"/>
-          </a:xfrm>
-        </p:spPr>
-        <p:txBody>
-          <a:bodyPr numCol="2">
-            <a:normAutofit/>
-          </a:bodyPr>
-          <a:lstStyle/>
-          <a:p>
-            <a:pPr algn="l"/>
-            <a:r>
-              <a:rPr lang="es-ES" sz="2000" dirty="0"/>
-              <a:t>Mikel Lumbreras Mugaguren</a:t>
-            </a:r>
-          </a:p>
-          <a:p>
-            <a:pPr algn="l"/>
-            <a:r>
-              <a:rPr lang="es-ES" sz="2000" dirty="0"/>
-              <a:t>946014985</a:t>
-            </a:r>
-          </a:p>
-          <a:p>
-            <a:pPr algn="l"/>
-            <a:r>
-              <a:rPr lang="es-ES" sz="2000" dirty="0" err="1">
-                <a:hlinkClick r:id="rId2"/>
-              </a:rPr>
-              <a:t>mikel.lumbreras@ehu.eus</a:t>
-            </a:r>
-            <a:endParaRPr lang="es-ES" sz="2000" dirty="0"/>
-          </a:p>
-          <a:p>
-            <a:pPr algn="l"/>
-            <a:r>
-              <a:rPr lang="es-ES" sz="2000" dirty="0"/>
-              <a:t>Roberto Garay Martinez</a:t>
-            </a:r>
-          </a:p>
-          <a:p>
-            <a:pPr algn="l"/>
-            <a:r>
-              <a:rPr lang="es-ES" sz="2000" dirty="0"/>
-              <a:t>667 178 958</a:t>
-            </a:r>
-          </a:p>
-          <a:p>
-            <a:pPr algn="l"/>
-            <a:r>
-              <a:rPr lang="es-ES" sz="2000" dirty="0">
-                <a:hlinkClick r:id="rId3"/>
-              </a:rPr>
-              <a:t>roberto.garay@tecnalia.com</a:t>
-            </a:r>
-            <a:endParaRPr lang="es-ES" sz="2000" dirty="0"/>
-          </a:p>
-        </p:txBody>
-      </p:sp>
-    </p:spTree>
-    <p:extLst>
-      <p:ext uri="{BB962C8B-B14F-4D97-AF65-F5344CB8AC3E}">
-        <p14:creationId xmlns:p14="http://schemas.microsoft.com/office/powerpoint/2010/main" val="659607027"/>
       </p:ext>
     </p:extLst>
   </p:cSld>
@@ -18155,12 +18340,16 @@
             <a:graphicFrameLocks noGrp="1"/>
           </p:cNvGraphicFramePr>
           <p:nvPr>
-            <p:extLst/>
+            <p:extLst>
+              <p:ext uri="{D42A27DB-BD31-4B8C-83A1-F6EECF244321}">
+                <p14:modId xmlns:p14="http://schemas.microsoft.com/office/powerpoint/2010/main" val="3551560020"/>
+              </p:ext>
+            </p:extLst>
           </p:nvPr>
         </p:nvGraphicFramePr>
         <p:xfrm>
           <a:off x="965790" y="1260825"/>
-          <a:ext cx="10857615" cy="4881880"/>
+          <a:ext cx="10857615" cy="4638040"/>
         </p:xfrm>
         <a:graphic>
           <a:graphicData uri="http://schemas.openxmlformats.org/drawingml/2006/table">
@@ -18253,18 +18442,10 @@
                     </a:p>
                     <a:p>
                       <a:r>
-                        <a:rPr lang="es-ES" sz="1600" dirty="0">
-                          <a:highlight>
-                            <a:srgbClr val="FFFF00"/>
-                          </a:highlight>
-                        </a:rPr>
-                        <a:t>(FECHAS Y HORARIOS)</a:t>
+                        <a:rPr lang="es-ES" sz="1600" dirty="0"/>
+                        <a:t>2021/11/09</a:t>
                       </a:r>
-                      <a:endParaRPr lang="en-GB" sz="1600" dirty="0">
-                        <a:highlight>
-                          <a:srgbClr val="FFFF00"/>
-                        </a:highlight>
-                      </a:endParaRPr>
+                      <a:endParaRPr lang="en-GB" sz="1600" dirty="0"/>
                     </a:p>
                   </a:txBody>
                   <a:tcPr/>
@@ -18468,36 +18649,11 @@
                       </a:r>
                     </a:p>
                     <a:p>
-                      <a:pPr marL="0" marR="0" lvl="0" indent="0" algn="l" defTabSz="914400" rtl="0" eaLnBrk="1" fontAlgn="auto" latinLnBrk="0" hangingPunct="1">
-                        <a:lnSpc>
-                          <a:spcPct val="100000"/>
-                        </a:lnSpc>
-                        <a:spcBef>
-                          <a:spcPts val="0"/>
-                        </a:spcBef>
-                        <a:spcAft>
-                          <a:spcPts val="0"/>
-                        </a:spcAft>
-                        <a:buClrTx/>
-                        <a:buSzTx/>
-                        <a:buFontTx/>
-                        <a:buNone/>
-                        <a:tabLst/>
-                        <a:defRPr/>
-                      </a:pPr>
                       <a:r>
-                        <a:rPr lang="es-ES" sz="1600" dirty="0">
-                          <a:highlight>
-                            <a:srgbClr val="FFFF00"/>
-                          </a:highlight>
-                        </a:rPr>
-                        <a:t>(FECHAS Y HORARIOS)</a:t>
+                        <a:rPr lang="es-ES" sz="1600" dirty="0"/>
+                        <a:t>2021/11/16</a:t>
                       </a:r>
-                      <a:endParaRPr lang="en-GB" sz="1600" dirty="0">
-                        <a:highlight>
-                          <a:srgbClr val="FFFF00"/>
-                        </a:highlight>
-                      </a:endParaRPr>
+                      <a:endParaRPr lang="en-GB" sz="1600" dirty="0"/>
                     </a:p>
                   </a:txBody>
                   <a:tcPr/>
@@ -18626,36 +18782,11 @@
                       </a:r>
                     </a:p>
                     <a:p>
-                      <a:pPr marL="0" marR="0" lvl="0" indent="0" algn="l" defTabSz="914400" rtl="0" eaLnBrk="1" fontAlgn="auto" latinLnBrk="0" hangingPunct="1">
-                        <a:lnSpc>
-                          <a:spcPct val="100000"/>
-                        </a:lnSpc>
-                        <a:spcBef>
-                          <a:spcPts val="0"/>
-                        </a:spcBef>
-                        <a:spcAft>
-                          <a:spcPts val="0"/>
-                        </a:spcAft>
-                        <a:buClrTx/>
-                        <a:buSzTx/>
-                        <a:buFontTx/>
-                        <a:buNone/>
-                        <a:tabLst/>
-                        <a:defRPr/>
-                      </a:pPr>
                       <a:r>
-                        <a:rPr lang="es-ES" sz="1600" dirty="0">
-                          <a:highlight>
-                            <a:srgbClr val="FFFF00"/>
-                          </a:highlight>
-                        </a:rPr>
-                        <a:t>(FECHAS Y HORARIOS)</a:t>
+                        <a:rPr lang="es-ES" sz="1600" dirty="0"/>
+                        <a:t>2021/11/23</a:t>
                       </a:r>
-                      <a:endParaRPr lang="en-GB" sz="1600" dirty="0">
-                        <a:highlight>
-                          <a:srgbClr val="FFFF00"/>
-                        </a:highlight>
-                      </a:endParaRPr>
+                      <a:endParaRPr lang="en-GB" sz="1600" dirty="0"/>
                     </a:p>
                   </a:txBody>
                   <a:tcPr/>
@@ -18813,13 +18944,11 @@
                     <a:lstStyle/>
                     <a:p>
                       <a:r>
-                        <a:rPr lang="es-ES" sz="1600" dirty="0">
-                          <a:highlight>
-                            <a:srgbClr val="FFFF00"/>
-                          </a:highlight>
-                        </a:rPr>
-                        <a:t>CONTENIDO</a:t>
+                        <a:rPr lang="es-ES" sz="1600" dirty="0"/>
+                        <a:t>Análisis de cargas térmicas de un edificio</a:t>
                       </a:r>
+                    </a:p>
+                    <a:p>
                       <a:endParaRPr lang="en-GB" sz="1600" dirty="0">
                         <a:highlight>
                           <a:srgbClr val="FFFF00"/>
@@ -18865,18 +18994,10 @@
                         <a:defRPr/>
                       </a:pPr>
                       <a:r>
-                        <a:rPr lang="es-ES" sz="1600" dirty="0">
-                          <a:highlight>
-                            <a:srgbClr val="FFFF00"/>
-                          </a:highlight>
-                        </a:rPr>
-                        <a:t>(FECHAS Y HORARIOS)</a:t>
+                        <a:rPr lang="es-ES" sz="1600" dirty="0"/>
+                        <a:t>2021/11/30</a:t>
                       </a:r>
-                      <a:endParaRPr lang="en-GB" sz="1600" dirty="0">
-                        <a:highlight>
-                          <a:srgbClr val="FFFF00"/>
-                        </a:highlight>
-                      </a:endParaRPr>
+                      <a:endParaRPr lang="en-GB" sz="1600" dirty="0"/>
                     </a:p>
                   </a:txBody>
                   <a:tcPr/>
@@ -19120,6 +19241,1082 @@
 </p:sld>
 </file>
 
+<file path=ppt/slides/slide40.xml><?xml version="1.0" encoding="utf-8"?>
+<p:sld xmlns:a="http://schemas.openxmlformats.org/drawingml/2006/main" xmlns:r="http://schemas.openxmlformats.org/officeDocument/2006/relationships" xmlns:p="http://schemas.openxmlformats.org/presentationml/2006/main">
+  <p:cSld>
+    <p:spTree>
+      <p:nvGrpSpPr>
+        <p:cNvPr id="1" name=""/>
+        <p:cNvGrpSpPr/>
+        <p:nvPr/>
+      </p:nvGrpSpPr>
+      <p:grpSpPr>
+        <a:xfrm>
+          <a:off x="0" y="0"/>
+          <a:ext cx="0" cy="0"/>
+          <a:chOff x="0" y="0"/>
+          <a:chExt cx="0" cy="0"/>
+        </a:xfrm>
+      </p:grpSpPr>
+      <p:sp>
+        <p:nvSpPr>
+          <p:cNvPr id="2" name="Título 1">
+            <a:extLst>
+              <a:ext uri="{FF2B5EF4-FFF2-40B4-BE49-F238E27FC236}">
+                <a16:creationId xmlns:a16="http://schemas.microsoft.com/office/drawing/2014/main" id="{3BA35E48-703B-4E3F-8A50-181FCA662E24}"/>
+              </a:ext>
+            </a:extLst>
+          </p:cNvPr>
+          <p:cNvSpPr>
+            <a:spLocks noGrp="1"/>
+          </p:cNvSpPr>
+          <p:nvPr>
+            <p:ph type="title"/>
+          </p:nvPr>
+        </p:nvSpPr>
+        <p:spPr/>
+        <p:txBody>
+          <a:bodyPr/>
+          <a:lstStyle/>
+          <a:p>
+            <a:r>
+              <a:rPr lang="es-ES" dirty="0" err="1"/>
+              <a:t>Kahoot</a:t>
+            </a:r>
+            <a:r>
+              <a:rPr lang="es-ES" dirty="0"/>
+              <a:t> II</a:t>
+            </a:r>
+          </a:p>
+        </p:txBody>
+      </p:sp>
+      <p:sp>
+        <p:nvSpPr>
+          <p:cNvPr id="4" name="Marcador de contenido 2">
+            <a:extLst>
+              <a:ext uri="{FF2B5EF4-FFF2-40B4-BE49-F238E27FC236}">
+                <a16:creationId xmlns:a16="http://schemas.microsoft.com/office/drawing/2014/main" id="{C600BDF6-21DE-42EC-8938-7AE4152071C7}"/>
+              </a:ext>
+            </a:extLst>
+          </p:cNvPr>
+          <p:cNvSpPr>
+            <a:spLocks noGrp="1"/>
+          </p:cNvSpPr>
+          <p:nvPr>
+            <p:ph idx="1"/>
+          </p:nvPr>
+        </p:nvSpPr>
+        <p:spPr>
+          <a:xfrm>
+            <a:off x="782968" y="1759430"/>
+            <a:ext cx="5906267" cy="4014736"/>
+          </a:xfrm>
+        </p:spPr>
+        <p:txBody>
+          <a:bodyPr/>
+          <a:lstStyle/>
+          <a:p>
+            <a:pPr marL="0" indent="0">
+              <a:buNone/>
+            </a:pPr>
+            <a:r>
+              <a:rPr lang="es-ES" dirty="0"/>
+              <a:t>A modo de Repaso: Test </a:t>
+            </a:r>
+            <a:r>
+              <a:rPr lang="es-ES" dirty="0" err="1"/>
+              <a:t>Kahoot</a:t>
+            </a:r>
+            <a:endParaRPr lang="es-ES" dirty="0"/>
+          </a:p>
+          <a:p>
+            <a:pPr marL="0" indent="0">
+              <a:buNone/>
+            </a:pPr>
+            <a:endParaRPr lang="es-ES" dirty="0"/>
+          </a:p>
+          <a:p>
+            <a:pPr marL="0" indent="0">
+              <a:buNone/>
+            </a:pPr>
+            <a:endParaRPr lang="es-ES" dirty="0"/>
+          </a:p>
+          <a:p>
+            <a:pPr marL="0" indent="0">
+              <a:buNone/>
+            </a:pPr>
+            <a:r>
+              <a:rPr lang="es-ES" b="1" u="sng" dirty="0"/>
+              <a:t>Test Sesión 2 Curso R</a:t>
+            </a:r>
+          </a:p>
+          <a:p>
+            <a:pPr marL="0" indent="0">
+              <a:buNone/>
+            </a:pPr>
+            <a:r>
+              <a:rPr lang="en-US" dirty="0">
+                <a:hlinkClick r:id="rId2"/>
+              </a:rPr>
+              <a:t>Play Kahoot! - Enter game PIN here!</a:t>
+            </a:r>
+            <a:endParaRPr lang="es-ES" b="1" u="sng" dirty="0"/>
+          </a:p>
+          <a:p>
+            <a:pPr marL="0" indent="0">
+              <a:buNone/>
+            </a:pPr>
+            <a:r>
+              <a:rPr lang="es-ES" sz="2000" b="1" u="sng" dirty="0">
+                <a:solidFill>
+                  <a:schemeClr val="accent1"/>
+                </a:solidFill>
+              </a:rPr>
+              <a:t>(Para Mikel: https://create.kahoot.it/share/conceptos-sesion-2/73494b52-77f6-4c03-a0de-deca25562c1b)</a:t>
+            </a:r>
+          </a:p>
+        </p:txBody>
+      </p:sp>
+      <p:pic>
+        <p:nvPicPr>
+          <p:cNvPr id="5" name="Picture 4" descr="Paso a paso: cómo crear un Kahoot! para usar en clase">
+            <a:extLst>
+              <a:ext uri="{FF2B5EF4-FFF2-40B4-BE49-F238E27FC236}">
+                <a16:creationId xmlns:a16="http://schemas.microsoft.com/office/drawing/2014/main" id="{1AB3662D-FAEC-478E-BAEC-33C76DB0EE1E}"/>
+              </a:ext>
+            </a:extLst>
+          </p:cNvPr>
+          <p:cNvPicPr>
+            <a:picLocks noChangeAspect="1" noChangeArrowheads="1"/>
+          </p:cNvPicPr>
+          <p:nvPr/>
+        </p:nvPicPr>
+        <p:blipFill>
+          <a:blip r:embed="rId3" cstate="print">
+            <a:extLst>
+              <a:ext uri="{28A0092B-C50C-407E-A947-70E740481C1C}">
+                <a14:useLocalDpi xmlns:a14="http://schemas.microsoft.com/office/drawing/2010/main" val="0"/>
+              </a:ext>
+            </a:extLst>
+          </a:blip>
+          <a:srcRect/>
+          <a:stretch>
+            <a:fillRect/>
+          </a:stretch>
+        </p:blipFill>
+        <p:spPr bwMode="auto">
+          <a:xfrm>
+            <a:off x="7039992" y="2837308"/>
+            <a:ext cx="3950563" cy="2222192"/>
+          </a:xfrm>
+          <a:prstGeom prst="rect">
+            <a:avLst/>
+          </a:prstGeom>
+          <a:noFill/>
+          <a:extLst>
+            <a:ext uri="{909E8E84-426E-40DD-AFC4-6F175D3DCCD1}">
+              <a14:hiddenFill xmlns:a14="http://schemas.microsoft.com/office/drawing/2010/main">
+                <a:solidFill>
+                  <a:srgbClr val="FFFFFF"/>
+                </a:solidFill>
+              </a14:hiddenFill>
+            </a:ext>
+          </a:extLst>
+        </p:spPr>
+      </p:pic>
+    </p:spTree>
+    <p:extLst>
+      <p:ext uri="{BB962C8B-B14F-4D97-AF65-F5344CB8AC3E}">
+        <p14:creationId xmlns:p14="http://schemas.microsoft.com/office/powerpoint/2010/main" val="2356795868"/>
+      </p:ext>
+    </p:extLst>
+  </p:cSld>
+  <p:clrMapOvr>
+    <a:masterClrMapping/>
+  </p:clrMapOvr>
+</p:sld>
+</file>
+
+<file path=ppt/slides/slide41.xml><?xml version="1.0" encoding="utf-8"?>
+<p:sld xmlns:a="http://schemas.openxmlformats.org/drawingml/2006/main" xmlns:r="http://schemas.openxmlformats.org/officeDocument/2006/relationships" xmlns:p="http://schemas.openxmlformats.org/presentationml/2006/main">
+  <p:cSld>
+    <p:spTree>
+      <p:nvGrpSpPr>
+        <p:cNvPr id="1" name=""/>
+        <p:cNvGrpSpPr/>
+        <p:nvPr/>
+      </p:nvGrpSpPr>
+      <p:grpSpPr>
+        <a:xfrm>
+          <a:off x="0" y="0"/>
+          <a:ext cx="0" cy="0"/>
+          <a:chOff x="0" y="0"/>
+          <a:chExt cx="0" cy="0"/>
+        </a:xfrm>
+      </p:grpSpPr>
+      <p:sp>
+        <p:nvSpPr>
+          <p:cNvPr id="4" name="Title 1">
+            <a:extLst>
+              <a:ext uri="{FF2B5EF4-FFF2-40B4-BE49-F238E27FC236}">
+                <a16:creationId xmlns:a16="http://schemas.microsoft.com/office/drawing/2014/main" id="{6E456210-A59C-4D1B-ABFC-6CEA6765ABBC}"/>
+              </a:ext>
+            </a:extLst>
+          </p:cNvPr>
+          <p:cNvSpPr>
+            <a:spLocks noGrp="1"/>
+          </p:cNvSpPr>
+          <p:nvPr>
+            <p:ph type="title"/>
+          </p:nvPr>
+        </p:nvSpPr>
+        <p:spPr>
+          <a:xfrm>
+            <a:off x="838200" y="365125"/>
+            <a:ext cx="10515600" cy="1325563"/>
+          </a:xfrm>
+        </p:spPr>
+        <p:txBody>
+          <a:bodyPr/>
+          <a:lstStyle/>
+          <a:p>
+            <a:r>
+              <a:rPr lang="es-ES" dirty="0"/>
+              <a:t>Práctica Sesión 2: Análisis Correlacional</a:t>
+            </a:r>
+          </a:p>
+        </p:txBody>
+      </p:sp>
+      <p:pic>
+        <p:nvPicPr>
+          <p:cNvPr id="5" name="Picture 4" descr="Paso a paso: cómo crear un Kahoot! para usar en clase">
+            <a:extLst>
+              <a:ext uri="{FF2B5EF4-FFF2-40B4-BE49-F238E27FC236}">
+                <a16:creationId xmlns:a16="http://schemas.microsoft.com/office/drawing/2014/main" id="{EEA0DE32-E976-4B53-883F-4FC62A2EA856}"/>
+              </a:ext>
+            </a:extLst>
+          </p:cNvPr>
+          <p:cNvPicPr>
+            <a:picLocks noChangeAspect="1" noChangeArrowheads="1"/>
+          </p:cNvPicPr>
+          <p:nvPr/>
+        </p:nvPicPr>
+        <p:blipFill>
+          <a:blip r:embed="rId2" cstate="print">
+            <a:extLst>
+              <a:ext uri="{28A0092B-C50C-407E-A947-70E740481C1C}">
+                <a14:useLocalDpi xmlns:a14="http://schemas.microsoft.com/office/drawing/2010/main" val="0"/>
+              </a:ext>
+            </a:extLst>
+          </a:blip>
+          <a:srcRect/>
+          <a:stretch>
+            <a:fillRect/>
+          </a:stretch>
+        </p:blipFill>
+        <p:spPr bwMode="auto">
+          <a:xfrm>
+            <a:off x="7297445" y="2837308"/>
+            <a:ext cx="3950563" cy="2222192"/>
+          </a:xfrm>
+          <a:prstGeom prst="rect">
+            <a:avLst/>
+          </a:prstGeom>
+          <a:noFill/>
+          <a:extLst>
+            <a:ext uri="{909E8E84-426E-40DD-AFC4-6F175D3DCCD1}">
+              <a14:hiddenFill xmlns:a14="http://schemas.microsoft.com/office/drawing/2010/main">
+                <a:solidFill>
+                  <a:srgbClr val="FFFFFF"/>
+                </a:solidFill>
+              </a14:hiddenFill>
+            </a:ext>
+          </a:extLst>
+        </p:spPr>
+      </p:pic>
+      <p:sp>
+        <p:nvSpPr>
+          <p:cNvPr id="6" name="Marcador de contenido 2">
+            <a:extLst>
+              <a:ext uri="{FF2B5EF4-FFF2-40B4-BE49-F238E27FC236}">
+                <a16:creationId xmlns:a16="http://schemas.microsoft.com/office/drawing/2014/main" id="{F8EC1624-FCAB-40E6-BDBD-D2777E98AF28}"/>
+              </a:ext>
+            </a:extLst>
+          </p:cNvPr>
+          <p:cNvSpPr>
+            <a:spLocks noGrp="1"/>
+          </p:cNvSpPr>
+          <p:nvPr>
+            <p:ph idx="1"/>
+          </p:nvPr>
+        </p:nvSpPr>
+        <p:spPr>
+          <a:xfrm>
+            <a:off x="838200" y="1768308"/>
+            <a:ext cx="5906267" cy="4014736"/>
+          </a:xfrm>
+        </p:spPr>
+        <p:txBody>
+          <a:bodyPr/>
+          <a:lstStyle/>
+          <a:p>
+            <a:pPr marL="0" indent="0">
+              <a:buNone/>
+            </a:pPr>
+            <a:r>
+              <a:rPr lang="es-ES" dirty="0"/>
+              <a:t>Repaso Conceptos R/</a:t>
+            </a:r>
+            <a:r>
+              <a:rPr lang="es-ES" dirty="0" err="1"/>
+              <a:t>Rstudio</a:t>
+            </a:r>
+            <a:endParaRPr lang="es-ES" dirty="0"/>
+          </a:p>
+          <a:p>
+            <a:pPr marL="0" indent="0">
+              <a:buNone/>
+            </a:pPr>
+            <a:endParaRPr lang="es-ES" dirty="0"/>
+          </a:p>
+          <a:p>
+            <a:pPr marL="0" indent="0">
+              <a:buNone/>
+            </a:pPr>
+            <a:endParaRPr lang="es-ES" dirty="0"/>
+          </a:p>
+          <a:p>
+            <a:pPr marL="0" indent="0">
+              <a:buNone/>
+            </a:pPr>
+            <a:r>
+              <a:rPr lang="es-ES" b="1" u="sng" dirty="0"/>
+              <a:t>Test Conceptos R:</a:t>
+            </a:r>
+          </a:p>
+          <a:p>
+            <a:pPr marL="0" indent="0">
+              <a:buNone/>
+            </a:pPr>
+            <a:r>
+              <a:rPr lang="en-US" dirty="0">
+                <a:hlinkClick r:id="rId3"/>
+              </a:rPr>
+              <a:t>Play Kahoot! - Enter game PIN here!</a:t>
+            </a:r>
+            <a:endParaRPr lang="es-ES" b="1" u="sng" dirty="0"/>
+          </a:p>
+          <a:p>
+            <a:pPr marL="0" indent="0">
+              <a:buNone/>
+            </a:pPr>
+            <a:r>
+              <a:rPr lang="es-ES" sz="2000" b="1" u="sng" dirty="0">
+                <a:hlinkClick r:id="rId4"/>
+              </a:rPr>
+              <a:t>Para Mikel:</a:t>
+            </a:r>
+          </a:p>
+          <a:p>
+            <a:pPr marL="0" indent="0">
+              <a:buNone/>
+            </a:pPr>
+            <a:r>
+              <a:rPr lang="es-ES" sz="2000" dirty="0">
+                <a:hlinkClick r:id="rId4"/>
+              </a:rPr>
+              <a:t>(https://create.kahoot.it/share/conceptos-r/c14d78ab-9dc8-4a62-9540-dc61e2e8ae11</a:t>
+            </a:r>
+            <a:r>
+              <a:rPr lang="es-ES" sz="2000" dirty="0"/>
+              <a:t> )</a:t>
+            </a:r>
+            <a:endParaRPr lang="es-ES" dirty="0"/>
+          </a:p>
+          <a:p>
+            <a:pPr marL="0" indent="0">
+              <a:buNone/>
+            </a:pPr>
+            <a:endParaRPr lang="es-ES" dirty="0"/>
+          </a:p>
+          <a:p>
+            <a:pPr marL="0" indent="0">
+              <a:buNone/>
+            </a:pPr>
+            <a:endParaRPr lang="es-ES" dirty="0"/>
+          </a:p>
+        </p:txBody>
+      </p:sp>
+    </p:spTree>
+    <p:extLst>
+      <p:ext uri="{BB962C8B-B14F-4D97-AF65-F5344CB8AC3E}">
+        <p14:creationId xmlns:p14="http://schemas.microsoft.com/office/powerpoint/2010/main" val="2049410132"/>
+      </p:ext>
+    </p:extLst>
+  </p:cSld>
+  <p:clrMapOvr>
+    <a:masterClrMapping/>
+  </p:clrMapOvr>
+</p:sld>
+</file>
+
+<file path=ppt/slides/slide42.xml><?xml version="1.0" encoding="utf-8"?>
+<p:sld xmlns:a="http://schemas.openxmlformats.org/drawingml/2006/main" xmlns:r="http://schemas.openxmlformats.org/officeDocument/2006/relationships" xmlns:p="http://schemas.openxmlformats.org/presentationml/2006/main">
+  <p:cSld>
+    <p:spTree>
+      <p:nvGrpSpPr>
+        <p:cNvPr id="1" name=""/>
+        <p:cNvGrpSpPr/>
+        <p:nvPr/>
+      </p:nvGrpSpPr>
+      <p:grpSpPr>
+        <a:xfrm>
+          <a:off x="0" y="0"/>
+          <a:ext cx="0" cy="0"/>
+          <a:chOff x="0" y="0"/>
+          <a:chExt cx="0" cy="0"/>
+        </a:xfrm>
+      </p:grpSpPr>
+      <p:sp>
+        <p:nvSpPr>
+          <p:cNvPr id="2" name="Title 1">
+            <a:extLst>
+              <a:ext uri="{FF2B5EF4-FFF2-40B4-BE49-F238E27FC236}">
+                <a16:creationId xmlns:a16="http://schemas.microsoft.com/office/drawing/2014/main" id="{E9889F8A-3C1A-4580-B462-7B4E04F6E33B}"/>
+              </a:ext>
+            </a:extLst>
+          </p:cNvPr>
+          <p:cNvSpPr>
+            <a:spLocks noGrp="1"/>
+          </p:cNvSpPr>
+          <p:nvPr>
+            <p:ph type="title"/>
+          </p:nvPr>
+        </p:nvSpPr>
+        <p:spPr/>
+        <p:txBody>
+          <a:bodyPr/>
+          <a:lstStyle/>
+          <a:p>
+            <a:r>
+              <a:rPr lang="es-ES" dirty="0"/>
+              <a:t>Práctica Sesión 2: Análisis Correlacional</a:t>
+            </a:r>
+          </a:p>
+        </p:txBody>
+      </p:sp>
+      <p:sp>
+        <p:nvSpPr>
+          <p:cNvPr id="3" name="Content Placeholder 2">
+            <a:extLst>
+              <a:ext uri="{FF2B5EF4-FFF2-40B4-BE49-F238E27FC236}">
+                <a16:creationId xmlns:a16="http://schemas.microsoft.com/office/drawing/2014/main" id="{051682E3-FCE3-41C1-9113-756D8EA13F28}"/>
+              </a:ext>
+            </a:extLst>
+          </p:cNvPr>
+          <p:cNvSpPr>
+            <a:spLocks noGrp="1"/>
+          </p:cNvSpPr>
+          <p:nvPr>
+            <p:ph idx="1"/>
+          </p:nvPr>
+        </p:nvSpPr>
+        <p:spPr/>
+        <p:txBody>
+          <a:bodyPr/>
+          <a:lstStyle/>
+          <a:p>
+            <a:r>
+              <a:rPr lang="es-ES" dirty="0"/>
+              <a:t>SCRIPT 1: Entrando en calor con R (20’)</a:t>
+            </a:r>
+          </a:p>
+          <a:p>
+            <a:endParaRPr lang="es-ES" dirty="0"/>
+          </a:p>
+          <a:p>
+            <a:pPr lvl="1"/>
+            <a:r>
+              <a:rPr lang="es-ES" dirty="0"/>
+              <a:t>Cargar CSV de datos edificio</a:t>
+            </a:r>
+          </a:p>
+          <a:p>
+            <a:pPr lvl="1"/>
+            <a:r>
+              <a:rPr lang="es-ES" dirty="0"/>
+              <a:t>Función: Vamos a pasar de datos horarios a agregados diarios</a:t>
+            </a:r>
+          </a:p>
+          <a:p>
+            <a:pPr lvl="1"/>
+            <a:r>
+              <a:rPr lang="es-ES" dirty="0"/>
+              <a:t>Utilizamos esa función para cambiar nuestro archivo de datos</a:t>
+            </a:r>
+          </a:p>
+          <a:p>
+            <a:pPr lvl="1"/>
+            <a:r>
+              <a:rPr lang="es-ES" dirty="0"/>
+              <a:t>Guardamos el nuevo CSV de datos diarios en el mismo directorio</a:t>
+            </a:r>
+          </a:p>
+        </p:txBody>
+      </p:sp>
+    </p:spTree>
+    <p:extLst>
+      <p:ext uri="{BB962C8B-B14F-4D97-AF65-F5344CB8AC3E}">
+        <p14:creationId xmlns:p14="http://schemas.microsoft.com/office/powerpoint/2010/main" val="4220847849"/>
+      </p:ext>
+    </p:extLst>
+  </p:cSld>
+  <p:clrMapOvr>
+    <a:masterClrMapping/>
+  </p:clrMapOvr>
+</p:sld>
+</file>
+
+<file path=ppt/slides/slide43.xml><?xml version="1.0" encoding="utf-8"?>
+<p:sld xmlns:a="http://schemas.openxmlformats.org/drawingml/2006/main" xmlns:r="http://schemas.openxmlformats.org/officeDocument/2006/relationships" xmlns:p="http://schemas.openxmlformats.org/presentationml/2006/main">
+  <p:cSld>
+    <p:spTree>
+      <p:nvGrpSpPr>
+        <p:cNvPr id="1" name=""/>
+        <p:cNvGrpSpPr/>
+        <p:nvPr/>
+      </p:nvGrpSpPr>
+      <p:grpSpPr>
+        <a:xfrm>
+          <a:off x="0" y="0"/>
+          <a:ext cx="0" cy="0"/>
+          <a:chOff x="0" y="0"/>
+          <a:chExt cx="0" cy="0"/>
+        </a:xfrm>
+      </p:grpSpPr>
+      <p:sp>
+        <p:nvSpPr>
+          <p:cNvPr id="2" name="Title 1">
+            <a:extLst>
+              <a:ext uri="{FF2B5EF4-FFF2-40B4-BE49-F238E27FC236}">
+                <a16:creationId xmlns:a16="http://schemas.microsoft.com/office/drawing/2014/main" id="{E9889F8A-3C1A-4580-B462-7B4E04F6E33B}"/>
+              </a:ext>
+            </a:extLst>
+          </p:cNvPr>
+          <p:cNvSpPr>
+            <a:spLocks noGrp="1"/>
+          </p:cNvSpPr>
+          <p:nvPr>
+            <p:ph type="title"/>
+          </p:nvPr>
+        </p:nvSpPr>
+        <p:spPr/>
+        <p:txBody>
+          <a:bodyPr/>
+          <a:lstStyle/>
+          <a:p>
+            <a:r>
+              <a:rPr lang="es-ES" dirty="0"/>
+              <a:t>Práctica Sesión 2: Análisis Correlacional</a:t>
+            </a:r>
+          </a:p>
+        </p:txBody>
+      </p:sp>
+      <p:sp>
+        <p:nvSpPr>
+          <p:cNvPr id="3" name="Content Placeholder 2">
+            <a:extLst>
+              <a:ext uri="{FF2B5EF4-FFF2-40B4-BE49-F238E27FC236}">
+                <a16:creationId xmlns:a16="http://schemas.microsoft.com/office/drawing/2014/main" id="{051682E3-FCE3-41C1-9113-756D8EA13F28}"/>
+              </a:ext>
+            </a:extLst>
+          </p:cNvPr>
+          <p:cNvSpPr>
+            <a:spLocks noGrp="1"/>
+          </p:cNvSpPr>
+          <p:nvPr>
+            <p:ph idx="1"/>
+          </p:nvPr>
+        </p:nvSpPr>
+        <p:spPr/>
+        <p:txBody>
+          <a:bodyPr/>
+          <a:lstStyle/>
+          <a:p>
+            <a:r>
+              <a:rPr lang="es-ES" dirty="0"/>
+              <a:t>SCRIPT 2: Análisis Correlaciones (40’)</a:t>
+            </a:r>
+          </a:p>
+          <a:p>
+            <a:pPr marL="0" indent="0">
+              <a:buNone/>
+            </a:pPr>
+            <a:endParaRPr lang="es-ES" dirty="0"/>
+          </a:p>
+          <a:p>
+            <a:pPr lvl="1"/>
+            <a:r>
+              <a:rPr lang="es-ES" dirty="0"/>
+              <a:t>Cargar CSV de datos edificio DIARIOS (El generado en el anterior script)</a:t>
+            </a:r>
+          </a:p>
+          <a:p>
+            <a:pPr lvl="1"/>
+            <a:r>
+              <a:rPr lang="es-ES" dirty="0"/>
+              <a:t>Limpieza de datos: Quitamos los </a:t>
+            </a:r>
+            <a:r>
+              <a:rPr lang="es-ES" dirty="0" err="1"/>
+              <a:t>NAs</a:t>
+            </a:r>
+            <a:endParaRPr lang="es-ES" dirty="0"/>
+          </a:p>
+          <a:p>
+            <a:pPr lvl="1"/>
+            <a:r>
+              <a:rPr lang="es-ES" dirty="0"/>
+              <a:t>Comprobamos Test de Correlaciones</a:t>
+            </a:r>
+          </a:p>
+          <a:p>
+            <a:pPr lvl="2"/>
+            <a:r>
+              <a:rPr lang="es-ES" dirty="0"/>
+              <a:t>Coeficientes de correlación, t-</a:t>
+            </a:r>
+            <a:r>
+              <a:rPr lang="es-ES" dirty="0" err="1"/>
+              <a:t>value</a:t>
+            </a:r>
+            <a:r>
+              <a:rPr lang="es-ES" dirty="0"/>
+              <a:t>, p-</a:t>
+            </a:r>
+            <a:r>
+              <a:rPr lang="es-ES" dirty="0" err="1"/>
+              <a:t>value</a:t>
+            </a:r>
+            <a:r>
+              <a:rPr lang="es-ES" dirty="0"/>
+              <a:t>, etc.</a:t>
+            </a:r>
+          </a:p>
+          <a:p>
+            <a:pPr lvl="1"/>
+            <a:r>
+              <a:rPr lang="es-ES" dirty="0"/>
+              <a:t>Comprobamos Matrix de correlaciones</a:t>
+            </a:r>
+          </a:p>
+        </p:txBody>
+      </p:sp>
+    </p:spTree>
+    <p:extLst>
+      <p:ext uri="{BB962C8B-B14F-4D97-AF65-F5344CB8AC3E}">
+        <p14:creationId xmlns:p14="http://schemas.microsoft.com/office/powerpoint/2010/main" val="1240959078"/>
+      </p:ext>
+    </p:extLst>
+  </p:cSld>
+  <p:clrMapOvr>
+    <a:masterClrMapping/>
+  </p:clrMapOvr>
+</p:sld>
+</file>
+
+<file path=ppt/slides/slide44.xml><?xml version="1.0" encoding="utf-8"?>
+<p:sld xmlns:a="http://schemas.openxmlformats.org/drawingml/2006/main" xmlns:r="http://schemas.openxmlformats.org/officeDocument/2006/relationships" xmlns:p="http://schemas.openxmlformats.org/presentationml/2006/main">
+  <p:cSld>
+    <p:spTree>
+      <p:nvGrpSpPr>
+        <p:cNvPr id="1" name=""/>
+        <p:cNvGrpSpPr/>
+        <p:nvPr/>
+      </p:nvGrpSpPr>
+      <p:grpSpPr>
+        <a:xfrm>
+          <a:off x="0" y="0"/>
+          <a:ext cx="0" cy="0"/>
+          <a:chOff x="0" y="0"/>
+          <a:chExt cx="0" cy="0"/>
+        </a:xfrm>
+      </p:grpSpPr>
+      <p:sp>
+        <p:nvSpPr>
+          <p:cNvPr id="2" name="Title 1">
+            <a:extLst>
+              <a:ext uri="{FF2B5EF4-FFF2-40B4-BE49-F238E27FC236}">
+                <a16:creationId xmlns:a16="http://schemas.microsoft.com/office/drawing/2014/main" id="{E9889F8A-3C1A-4580-B462-7B4E04F6E33B}"/>
+              </a:ext>
+            </a:extLst>
+          </p:cNvPr>
+          <p:cNvSpPr>
+            <a:spLocks noGrp="1"/>
+          </p:cNvSpPr>
+          <p:nvPr>
+            <p:ph type="title"/>
+          </p:nvPr>
+        </p:nvSpPr>
+        <p:spPr/>
+        <p:txBody>
+          <a:bodyPr/>
+          <a:lstStyle/>
+          <a:p>
+            <a:r>
+              <a:rPr lang="es-ES" dirty="0"/>
+              <a:t>Práctica Sesión 2: Análisis Correlacional</a:t>
+            </a:r>
+          </a:p>
+        </p:txBody>
+      </p:sp>
+      <p:sp>
+        <p:nvSpPr>
+          <p:cNvPr id="3" name="Content Placeholder 2">
+            <a:extLst>
+              <a:ext uri="{FF2B5EF4-FFF2-40B4-BE49-F238E27FC236}">
+                <a16:creationId xmlns:a16="http://schemas.microsoft.com/office/drawing/2014/main" id="{051682E3-FCE3-41C1-9113-756D8EA13F28}"/>
+              </a:ext>
+            </a:extLst>
+          </p:cNvPr>
+          <p:cNvSpPr>
+            <a:spLocks noGrp="1"/>
+          </p:cNvSpPr>
+          <p:nvPr>
+            <p:ph idx="1"/>
+          </p:nvPr>
+        </p:nvSpPr>
+        <p:spPr>
+          <a:xfrm>
+            <a:off x="838199" y="1825626"/>
+            <a:ext cx="10764915" cy="4014736"/>
+          </a:xfrm>
+        </p:spPr>
+        <p:txBody>
+          <a:bodyPr>
+            <a:normAutofit/>
+          </a:bodyPr>
+          <a:lstStyle/>
+          <a:p>
+            <a:r>
+              <a:rPr lang="es-ES" dirty="0"/>
+              <a:t>SCRIPT 3: Introducción a regresiones lineales con R (1.5h)</a:t>
+            </a:r>
+          </a:p>
+          <a:p>
+            <a:endParaRPr lang="es-ES" dirty="0"/>
+          </a:p>
+          <a:p>
+            <a:pPr lvl="1"/>
+            <a:r>
+              <a:rPr lang="es-ES" dirty="0"/>
+              <a:t>De nuevo: Lectura del CSV con datos diarios</a:t>
+            </a:r>
+          </a:p>
+          <a:p>
+            <a:pPr lvl="1"/>
+            <a:r>
+              <a:rPr lang="es-ES" dirty="0"/>
+              <a:t>Función: Dividir datos en Training y </a:t>
+            </a:r>
+            <a:r>
+              <a:rPr lang="es-ES" dirty="0" err="1"/>
+              <a:t>Testing</a:t>
+            </a:r>
+            <a:r>
+              <a:rPr lang="es-ES" dirty="0"/>
+              <a:t> (80/20)</a:t>
+            </a:r>
+          </a:p>
+          <a:p>
+            <a:pPr lvl="1"/>
+            <a:r>
+              <a:rPr lang="es-ES" dirty="0"/>
+              <a:t>Función 2: Entrenamiento de Regresión </a:t>
+            </a:r>
+            <a:r>
+              <a:rPr lang="es-ES" dirty="0" err="1"/>
+              <a:t>Univariable</a:t>
+            </a:r>
+            <a:r>
+              <a:rPr lang="es-ES" dirty="0"/>
+              <a:t>: Q = A + </a:t>
+            </a:r>
+            <a:r>
+              <a:rPr lang="es-ES" dirty="0" err="1"/>
+              <a:t>BxT</a:t>
+            </a:r>
+            <a:endParaRPr lang="es-ES" dirty="0"/>
+          </a:p>
+          <a:p>
+            <a:pPr lvl="1"/>
+            <a:r>
+              <a:rPr lang="es-ES" dirty="0"/>
+              <a:t>Función 3: Entrenamiento de Regresión Multivariable: </a:t>
+            </a:r>
+            <a:r>
+              <a:rPr lang="es-ES" sz="1800" dirty="0"/>
+              <a:t>Q = A + </a:t>
+            </a:r>
+            <a:r>
+              <a:rPr lang="es-ES" sz="1800" dirty="0" err="1"/>
+              <a:t>B</a:t>
+            </a:r>
+            <a:r>
+              <a:rPr lang="es-ES" sz="1100" dirty="0" err="1"/>
+              <a:t>x</a:t>
+            </a:r>
+            <a:r>
+              <a:rPr lang="es-ES" sz="1800" dirty="0" err="1"/>
+              <a:t>T</a:t>
+            </a:r>
+            <a:r>
+              <a:rPr lang="es-ES" sz="1800" dirty="0"/>
+              <a:t> + </a:t>
+            </a:r>
+            <a:r>
+              <a:rPr lang="es-ES" sz="1800" dirty="0" err="1"/>
+              <a:t>C</a:t>
+            </a:r>
+            <a:r>
+              <a:rPr lang="es-ES" sz="1100" dirty="0" err="1"/>
+              <a:t>x</a:t>
+            </a:r>
+            <a:r>
+              <a:rPr lang="es-ES" sz="1800" dirty="0" err="1"/>
+              <a:t>Gt</a:t>
+            </a:r>
+            <a:r>
+              <a:rPr lang="es-ES" sz="1800" dirty="0"/>
+              <a:t> + </a:t>
+            </a:r>
+            <a:r>
+              <a:rPr lang="es-ES" sz="1800" dirty="0" err="1"/>
+              <a:t>D</a:t>
+            </a:r>
+            <a:r>
+              <a:rPr lang="es-ES" sz="1100" dirty="0" err="1"/>
+              <a:t>x</a:t>
+            </a:r>
+            <a:r>
+              <a:rPr lang="es-ES" sz="1800" dirty="0" err="1"/>
+              <a:t>Ws</a:t>
+            </a:r>
+            <a:r>
+              <a:rPr lang="es-ES" sz="1800" dirty="0"/>
+              <a:t> + </a:t>
+            </a:r>
+            <a:r>
+              <a:rPr lang="es-ES" sz="1800" dirty="0" err="1"/>
+              <a:t>E</a:t>
+            </a:r>
+            <a:r>
+              <a:rPr lang="es-ES" sz="1100" dirty="0" err="1"/>
+              <a:t>x</a:t>
+            </a:r>
+            <a:r>
+              <a:rPr lang="es-ES" sz="1800" dirty="0" err="1"/>
+              <a:t>Wd</a:t>
+            </a:r>
+            <a:endParaRPr lang="es-ES" sz="1800" dirty="0"/>
+          </a:p>
+          <a:p>
+            <a:pPr lvl="1"/>
+            <a:r>
+              <a:rPr lang="es-ES" dirty="0"/>
+              <a:t>Función 4: Testear las regresiones anteriores en el </a:t>
+            </a:r>
+            <a:r>
+              <a:rPr lang="es-ES" dirty="0" err="1"/>
+              <a:t>testing</a:t>
+            </a:r>
+            <a:r>
+              <a:rPr lang="es-ES" dirty="0"/>
+              <a:t> data</a:t>
+            </a:r>
+          </a:p>
+          <a:p>
+            <a:pPr lvl="1"/>
+            <a:r>
+              <a:rPr lang="es-ES" dirty="0"/>
+              <a:t>Función 5: Métricas de error</a:t>
+            </a:r>
+          </a:p>
+          <a:p>
+            <a:pPr lvl="1"/>
+            <a:r>
+              <a:rPr lang="es-ES" dirty="0"/>
+              <a:t>Función 6: Plotear las regresiones usando ggplot2 + guardar .png</a:t>
+            </a:r>
+          </a:p>
+          <a:p>
+            <a:pPr lvl="1"/>
+            <a:endParaRPr lang="es-ES" sz="1800" dirty="0"/>
+          </a:p>
+          <a:p>
+            <a:pPr lvl="1"/>
+            <a:endParaRPr lang="es-ES" dirty="0"/>
+          </a:p>
+        </p:txBody>
+      </p:sp>
+    </p:spTree>
+    <p:extLst>
+      <p:ext uri="{BB962C8B-B14F-4D97-AF65-F5344CB8AC3E}">
+        <p14:creationId xmlns:p14="http://schemas.microsoft.com/office/powerpoint/2010/main" val="2318141971"/>
+      </p:ext>
+    </p:extLst>
+  </p:cSld>
+  <p:clrMapOvr>
+    <a:masterClrMapping/>
+  </p:clrMapOvr>
+</p:sld>
+</file>
+
+<file path=ppt/slides/slide45.xml><?xml version="1.0" encoding="utf-8"?>
+<p:sld xmlns:a="http://schemas.openxmlformats.org/drawingml/2006/main" xmlns:r="http://schemas.openxmlformats.org/officeDocument/2006/relationships" xmlns:p="http://schemas.openxmlformats.org/presentationml/2006/main">
+  <p:cSld>
+    <p:spTree>
+      <p:nvGrpSpPr>
+        <p:cNvPr id="1" name=""/>
+        <p:cNvGrpSpPr/>
+        <p:nvPr/>
+      </p:nvGrpSpPr>
+      <p:grpSpPr>
+        <a:xfrm>
+          <a:off x="0" y="0"/>
+          <a:ext cx="0" cy="0"/>
+          <a:chOff x="0" y="0"/>
+          <a:chExt cx="0" cy="0"/>
+        </a:xfrm>
+      </p:grpSpPr>
+      <p:sp>
+        <p:nvSpPr>
+          <p:cNvPr id="4" name="Título 3">
+            <a:extLst>
+              <a:ext uri="{FF2B5EF4-FFF2-40B4-BE49-F238E27FC236}">
+                <a16:creationId xmlns:a16="http://schemas.microsoft.com/office/drawing/2014/main" id="{57358FC5-0DFC-4396-9893-E446212006B0}"/>
+              </a:ext>
+            </a:extLst>
+          </p:cNvPr>
+          <p:cNvSpPr>
+            <a:spLocks noGrp="1"/>
+          </p:cNvSpPr>
+          <p:nvPr>
+            <p:ph type="ctrTitle"/>
+          </p:nvPr>
+        </p:nvSpPr>
+        <p:spPr/>
+        <p:txBody>
+          <a:bodyPr>
+            <a:noAutofit/>
+          </a:bodyPr>
+          <a:lstStyle/>
+          <a:p>
+            <a:r>
+              <a:rPr lang="es-ES" sz="4400" dirty="0"/>
+              <a:t>Estudio de consumo de energía mediante métodos de análisis de datos</a:t>
+            </a:r>
+            <a:br>
+              <a:rPr lang="es-ES" sz="4400" dirty="0"/>
+            </a:br>
+            <a:r>
+              <a:rPr lang="es-ES" sz="2800" dirty="0"/>
+              <a:t>Contexto, métodos de análisis, herramientas y aplicaciones</a:t>
+            </a:r>
+            <a:endParaRPr lang="en-GB" sz="4400" dirty="0"/>
+          </a:p>
+        </p:txBody>
+      </p:sp>
+      <p:sp>
+        <p:nvSpPr>
+          <p:cNvPr id="5" name="Subtítulo 4">
+            <a:extLst>
+              <a:ext uri="{FF2B5EF4-FFF2-40B4-BE49-F238E27FC236}">
+                <a16:creationId xmlns:a16="http://schemas.microsoft.com/office/drawing/2014/main" id="{5BE36759-AD9E-492B-A539-7E3579699A77}"/>
+              </a:ext>
+            </a:extLst>
+          </p:cNvPr>
+          <p:cNvSpPr>
+            <a:spLocks noGrp="1"/>
+          </p:cNvSpPr>
+          <p:nvPr>
+            <p:ph type="subTitle" idx="1"/>
+          </p:nvPr>
+        </p:nvSpPr>
+        <p:spPr>
+          <a:xfrm>
+            <a:off x="1524000" y="3602038"/>
+            <a:ext cx="9144000" cy="1310204"/>
+          </a:xfrm>
+        </p:spPr>
+        <p:txBody>
+          <a:bodyPr numCol="2">
+            <a:normAutofit/>
+          </a:bodyPr>
+          <a:lstStyle/>
+          <a:p>
+            <a:pPr algn="l"/>
+            <a:r>
+              <a:rPr lang="es-ES" sz="2000" dirty="0"/>
+              <a:t>Mikel Lumbreras Mugaguren</a:t>
+            </a:r>
+          </a:p>
+          <a:p>
+            <a:pPr algn="l"/>
+            <a:r>
+              <a:rPr lang="es-ES" sz="2000" dirty="0"/>
+              <a:t>946014985</a:t>
+            </a:r>
+          </a:p>
+          <a:p>
+            <a:pPr algn="l"/>
+            <a:r>
+              <a:rPr lang="es-ES" sz="2000" dirty="0" err="1">
+                <a:hlinkClick r:id="rId2"/>
+              </a:rPr>
+              <a:t>mikel.lumbreras@ehu.eus</a:t>
+            </a:r>
+            <a:endParaRPr lang="es-ES" sz="2000" dirty="0"/>
+          </a:p>
+          <a:p>
+            <a:pPr algn="l"/>
+            <a:r>
+              <a:rPr lang="es-ES" sz="2000" dirty="0"/>
+              <a:t>Roberto Garay Martinez</a:t>
+            </a:r>
+          </a:p>
+          <a:p>
+            <a:pPr algn="l"/>
+            <a:r>
+              <a:rPr lang="es-ES" sz="2000" dirty="0"/>
+              <a:t>667 178 958</a:t>
+            </a:r>
+          </a:p>
+          <a:p>
+            <a:pPr algn="l"/>
+            <a:r>
+              <a:rPr lang="es-ES" sz="2000" dirty="0">
+                <a:hlinkClick r:id="rId3"/>
+              </a:rPr>
+              <a:t>roberto.garay@tecnalia.com</a:t>
+            </a:r>
+            <a:endParaRPr lang="es-ES" sz="2000" dirty="0"/>
+          </a:p>
+        </p:txBody>
+      </p:sp>
+    </p:spTree>
+    <p:extLst>
+      <p:ext uri="{BB962C8B-B14F-4D97-AF65-F5344CB8AC3E}">
+        <p14:creationId xmlns:p14="http://schemas.microsoft.com/office/powerpoint/2010/main" val="659607027"/>
+      </p:ext>
+    </p:extLst>
+  </p:cSld>
+  <p:clrMapOvr>
+    <a:masterClrMapping/>
+  </p:clrMapOvr>
+</p:sld>
+</file>
+
 <file path=ppt/slides/slide5.xml><?xml version="1.0" encoding="utf-8"?>
 <p:sld xmlns:a="http://schemas.openxmlformats.org/drawingml/2006/main" xmlns:r="http://schemas.openxmlformats.org/officeDocument/2006/relationships" xmlns:p="http://schemas.openxmlformats.org/presentationml/2006/main">
   <p:cSld>
@@ -19184,13 +20381,13 @@
         </p:nvSpPr>
         <p:spPr>
           <a:xfrm>
-            <a:off x="838200" y="2352698"/>
+            <a:off x="838200" y="2228410"/>
             <a:ext cx="10515600" cy="4014736"/>
           </a:xfrm>
         </p:spPr>
         <p:txBody>
           <a:bodyPr>
-            <a:normAutofit fontScale="62500" lnSpcReduction="20000"/>
+            <a:normAutofit fontScale="85000" lnSpcReduction="20000"/>
           </a:bodyPr>
           <a:lstStyle/>
           <a:p>
@@ -19198,18 +20395,35 @@
               <a:buNone/>
             </a:pPr>
             <a:r>
-              <a:rPr lang="es-ES" b="1" dirty="0" smtClean="0"/>
+              <a:rPr lang="es-ES" b="1" dirty="0"/>
               <a:t>Mikel LUMBRERAS MUGAGUREN,</a:t>
             </a:r>
             <a:r>
-              <a:rPr lang="es-ES" dirty="0" smtClean="0"/>
+              <a:rPr lang="es-ES" dirty="0"/>
               <a:t> </a:t>
             </a:r>
             <a:r>
               <a:rPr lang="en-GB" dirty="0" err="1">
                 <a:ea typeface="Times New Roman" panose="02020603050405020304" pitchFamily="18" charset="0"/>
               </a:rPr>
-              <a:t>Investigador</a:t>
+              <a:t>estudiante</a:t>
+            </a:r>
+            <a:r>
+              <a:rPr lang="en-GB" dirty="0">
+                <a:ea typeface="Times New Roman" panose="02020603050405020304" pitchFamily="18" charset="0"/>
+              </a:rPr>
+              <a:t> predoctoral PD EESIA </a:t>
+            </a:r>
+          </a:p>
+          <a:p>
+            <a:pPr marL="0" indent="0">
+              <a:buNone/>
+            </a:pPr>
+            <a:r>
+              <a:rPr lang="en-GB" dirty="0" err="1">
+                <a:ea typeface="Times New Roman" panose="02020603050405020304" pitchFamily="18" charset="0"/>
+              </a:rPr>
+              <a:t>Máster</a:t>
             </a:r>
             <a:r>
               <a:rPr lang="en-GB" dirty="0">
@@ -19218,72 +20432,10 @@
               <a:t> </a:t>
             </a:r>
             <a:r>
-              <a:rPr lang="en-GB" dirty="0" err="1" smtClean="0">
-                <a:ea typeface="Times New Roman" panose="02020603050405020304" pitchFamily="18" charset="0"/>
-              </a:rPr>
-              <a:t>Predoctoral</a:t>
-            </a:r>
-            <a:r>
-              <a:rPr lang="en-GB" dirty="0" smtClean="0">
-                <a:ea typeface="Times New Roman" panose="02020603050405020304" pitchFamily="18" charset="0"/>
-              </a:rPr>
-              <a:t> </a:t>
-            </a:r>
-            <a:r>
-              <a:rPr lang="en-GB" dirty="0" err="1" smtClean="0">
+              <a:rPr lang="en-GB" dirty="0" err="1">
                 <a:ea typeface="Times New Roman" panose="02020603050405020304" pitchFamily="18" charset="0"/>
               </a:rPr>
               <a:t>en</a:t>
-            </a:r>
-            <a:r>
-              <a:rPr lang="en-GB" dirty="0" smtClean="0">
-                <a:ea typeface="Times New Roman" panose="02020603050405020304" pitchFamily="18" charset="0"/>
-              </a:rPr>
-              <a:t> ENEDI, </a:t>
-            </a:r>
-            <a:r>
-              <a:rPr lang="en-GB" dirty="0" err="1" smtClean="0">
-                <a:ea typeface="Times New Roman" panose="02020603050405020304" pitchFamily="18" charset="0"/>
-              </a:rPr>
-              <a:t>Departamento</a:t>
-            </a:r>
-            <a:r>
-              <a:rPr lang="en-GB" dirty="0" smtClean="0">
-                <a:ea typeface="Times New Roman" panose="02020603050405020304" pitchFamily="18" charset="0"/>
-              </a:rPr>
-              <a:t> de </a:t>
-            </a:r>
-            <a:r>
-              <a:rPr lang="en-GB" dirty="0" err="1" smtClean="0">
-                <a:ea typeface="Times New Roman" panose="02020603050405020304" pitchFamily="18" charset="0"/>
-              </a:rPr>
-              <a:t>Ingeniería</a:t>
-            </a:r>
-            <a:r>
-              <a:rPr lang="en-GB" dirty="0" smtClean="0">
-                <a:ea typeface="Times New Roman" panose="02020603050405020304" pitchFamily="18" charset="0"/>
-              </a:rPr>
-              <a:t> </a:t>
-            </a:r>
-            <a:r>
-              <a:rPr lang="en-GB" dirty="0" err="1" smtClean="0">
-                <a:ea typeface="Times New Roman" panose="02020603050405020304" pitchFamily="18" charset="0"/>
-              </a:rPr>
-              <a:t>Ener´getica</a:t>
-            </a:r>
-            <a:endParaRPr lang="en-GB" dirty="0">
-              <a:ea typeface="Times New Roman" panose="02020603050405020304" pitchFamily="18" charset="0"/>
-            </a:endParaRPr>
-          </a:p>
-          <a:p>
-            <a:pPr marL="0" indent="0">
-              <a:buNone/>
-            </a:pPr>
-            <a:r>
-              <a:rPr lang="en-GB" dirty="0" err="1">
-                <a:ea typeface="Times New Roman" panose="02020603050405020304" pitchFamily="18" charset="0"/>
-              </a:rPr>
-              <a:t>Activo</a:t>
             </a:r>
             <a:r>
               <a:rPr lang="en-GB" dirty="0">
@@ -19295,6 +20447,54 @@
               <a:rPr lang="en-GB" dirty="0" err="1">
                 <a:ea typeface="Times New Roman" panose="02020603050405020304" pitchFamily="18" charset="0"/>
               </a:rPr>
+              <a:t>Ingeniería</a:t>
+            </a:r>
+            <a:r>
+              <a:rPr lang="en-GB" dirty="0">
+                <a:ea typeface="Times New Roman" panose="02020603050405020304" pitchFamily="18" charset="0"/>
+              </a:rPr>
+              <a:t> industrial. </a:t>
+            </a:r>
+            <a:r>
+              <a:rPr lang="en-GB" dirty="0" err="1">
+                <a:ea typeface="Times New Roman" panose="02020603050405020304" pitchFamily="18" charset="0"/>
+              </a:rPr>
+              <a:t>Especialidad</a:t>
+            </a:r>
+            <a:r>
+              <a:rPr lang="en-GB" dirty="0">
+                <a:ea typeface="Times New Roman" panose="02020603050405020304" pitchFamily="18" charset="0"/>
+              </a:rPr>
+              <a:t>: </a:t>
+            </a:r>
+            <a:r>
+              <a:rPr lang="en-GB" dirty="0" err="1">
+                <a:ea typeface="Times New Roman" panose="02020603050405020304" pitchFamily="18" charset="0"/>
+              </a:rPr>
+              <a:t>Termoenergía</a:t>
+            </a:r>
+            <a:r>
+              <a:rPr lang="en-GB" dirty="0">
+                <a:ea typeface="Times New Roman" panose="02020603050405020304" pitchFamily="18" charset="0"/>
+              </a:rPr>
+              <a:t>. </a:t>
+            </a:r>
+            <a:r>
+              <a:rPr lang="en-GB" dirty="0" err="1">
+                <a:ea typeface="Times New Roman" panose="02020603050405020304" pitchFamily="18" charset="0"/>
+              </a:rPr>
+              <a:t>Actuálmente</a:t>
+            </a:r>
+            <a:r>
+              <a:rPr lang="en-GB" dirty="0">
+                <a:ea typeface="Times New Roman" panose="02020603050405020304" pitchFamily="18" charset="0"/>
+              </a:rPr>
+              <a:t> consultor de web analytics </a:t>
+            </a:r>
+            <a:r>
+              <a:rPr lang="en-GB" dirty="0" err="1">
+                <a:ea typeface="Times New Roman" panose="02020603050405020304" pitchFamily="18" charset="0"/>
+              </a:rPr>
               <a:t>en</a:t>
             </a:r>
             <a:r>
@@ -19307,31 +20507,19 @@
               <a:rPr lang="en-GB" dirty="0" err="1">
                 <a:ea typeface="Times New Roman" panose="02020603050405020304" pitchFamily="18" charset="0"/>
               </a:rPr>
-              <a:t>caracterización</a:t>
+              <a:t>Mainstrat</a:t>
             </a:r>
             <a:r>
               <a:rPr lang="en-GB" dirty="0">
                 <a:ea typeface="Times New Roman" panose="02020603050405020304" pitchFamily="18" charset="0"/>
               </a:rPr>
-              <a:t> de </a:t>
+              <a:t> (https://mainstrat.com/). Mas de dos </a:t>
             </a:r>
             <a:r>
               <a:rPr lang="en-GB" dirty="0" err="1">
                 <a:ea typeface="Times New Roman" panose="02020603050405020304" pitchFamily="18" charset="0"/>
               </a:rPr>
-              <a:t>edificios</a:t>
-            </a:r>
-            <a:r>
-              <a:rPr lang="en-GB" dirty="0">
-                <a:ea typeface="Times New Roman" panose="02020603050405020304" pitchFamily="18" charset="0"/>
-              </a:rPr>
-              <a:t> y </a:t>
-            </a:r>
-            <a:r>
-              <a:rPr lang="en-GB" dirty="0" err="1">
-                <a:ea typeface="Times New Roman" panose="02020603050405020304" pitchFamily="18" charset="0"/>
-              </a:rPr>
-              <a:t>sistemas</a:t>
+              <a:t>años</a:t>
             </a:r>
             <a:r>
               <a:rPr lang="en-GB" dirty="0">
@@ -19343,7 +20531,7 @@
               <a:rPr lang="en-GB" dirty="0" err="1">
                 <a:ea typeface="Times New Roman" panose="02020603050405020304" pitchFamily="18" charset="0"/>
               </a:rPr>
-              <a:t>energéticos</a:t>
+              <a:t>como</a:t>
             </a:r>
             <a:r>
               <a:rPr lang="en-GB" dirty="0">
@@ -19355,19 +20543,19 @@
               <a:rPr lang="en-GB" dirty="0" err="1">
                 <a:ea typeface="Times New Roman" panose="02020603050405020304" pitchFamily="18" charset="0"/>
               </a:rPr>
-              <a:t>en</a:t>
+              <a:t>investigador</a:t>
             </a:r>
             <a:r>
               <a:rPr lang="en-GB" dirty="0">
                 <a:ea typeface="Times New Roman" panose="02020603050405020304" pitchFamily="18" charset="0"/>
               </a:rPr>
-              <a:t> la </a:t>
+              <a:t> junior </a:t>
             </a:r>
             <a:r>
               <a:rPr lang="en-GB" dirty="0" err="1">
                 <a:ea typeface="Times New Roman" panose="02020603050405020304" pitchFamily="18" charset="0"/>
               </a:rPr>
-              <a:t>edificación</a:t>
+              <a:t>en</a:t>
             </a:r>
             <a:r>
               <a:rPr lang="en-GB" dirty="0">
@@ -19379,37 +20567,25 @@
               <a:rPr lang="en-GB" dirty="0" err="1">
                 <a:ea typeface="Times New Roman" panose="02020603050405020304" pitchFamily="18" charset="0"/>
               </a:rPr>
-              <a:t>desde</a:t>
+              <a:t>Tecnalia</a:t>
             </a:r>
             <a:r>
               <a:rPr lang="en-GB" dirty="0">
                 <a:ea typeface="Times New Roman" panose="02020603050405020304" pitchFamily="18" charset="0"/>
               </a:rPr>
-              <a:t> 2008 e </a:t>
+              <a:t> y &gt;1 </a:t>
             </a:r>
             <a:r>
               <a:rPr lang="en-GB" dirty="0" err="1">
                 <a:ea typeface="Times New Roman" panose="02020603050405020304" pitchFamily="18" charset="0"/>
               </a:rPr>
-              <a:t>investigador</a:t>
+              <a:t>año</a:t>
             </a:r>
             <a:r>
               <a:rPr lang="en-GB" dirty="0">
                 <a:ea typeface="Times New Roman" panose="02020603050405020304" pitchFamily="18" charset="0"/>
               </a:rPr>
-              <a:t> </a:t>
-            </a:r>
-            <a:r>
-              <a:rPr lang="en-GB" dirty="0" err="1">
-                <a:ea typeface="Times New Roman" panose="02020603050405020304" pitchFamily="18" charset="0"/>
-              </a:rPr>
-              <a:t>experimentalista</a:t>
-            </a:r>
-            <a:r>
-              <a:rPr lang="en-GB" dirty="0">
-                <a:ea typeface="Times New Roman" panose="02020603050405020304" pitchFamily="18" charset="0"/>
-              </a:rPr>
-              <a:t> </a:t>
+              <a:t> de PIC </a:t>
             </a:r>
             <a:r>
               <a:rPr lang="en-GB" dirty="0" err="1">
@@ -19421,262 +20597,8 @@
               <a:rPr lang="en-GB" dirty="0">
                 <a:ea typeface="Times New Roman" panose="02020603050405020304" pitchFamily="18" charset="0"/>
               </a:rPr>
-              <a:t> la </a:t>
-            </a:r>
-            <a:r>
-              <a:rPr lang="en-GB" dirty="0" err="1">
-                <a:ea typeface="Times New Roman" panose="02020603050405020304" pitchFamily="18" charset="0"/>
-              </a:rPr>
-              <a:t>infraestructura</a:t>
-            </a:r>
-            <a:r>
-              <a:rPr lang="en-GB" dirty="0">
-                <a:ea typeface="Times New Roman" panose="02020603050405020304" pitchFamily="18" charset="0"/>
-              </a:rPr>
-              <a:t> experimental KUBIK de </a:t>
-            </a:r>
-            <a:r>
-              <a:rPr lang="en-GB" dirty="0" err="1">
-                <a:ea typeface="Times New Roman" panose="02020603050405020304" pitchFamily="18" charset="0"/>
-              </a:rPr>
-              <a:t>Tecnalia</a:t>
-            </a:r>
-            <a:r>
-              <a:rPr lang="en-GB" dirty="0">
-                <a:ea typeface="Times New Roman" panose="02020603050405020304" pitchFamily="18" charset="0"/>
-              </a:rPr>
-              <a:t> </a:t>
-            </a:r>
-            <a:r>
-              <a:rPr lang="en-GB" dirty="0" err="1">
-                <a:ea typeface="Times New Roman" panose="02020603050405020304" pitchFamily="18" charset="0"/>
-              </a:rPr>
-              <a:t>desde</a:t>
-            </a:r>
-            <a:r>
-              <a:rPr lang="en-GB" dirty="0">
-                <a:ea typeface="Times New Roman" panose="02020603050405020304" pitchFamily="18" charset="0"/>
-              </a:rPr>
-              <a:t> 2011.</a:t>
-            </a:r>
-          </a:p>
-          <a:p>
-            <a:pPr marL="0" indent="0">
-              <a:buNone/>
-            </a:pPr>
-            <a:r>
-              <a:rPr lang="en-GB" dirty="0" err="1">
-                <a:ea typeface="Times New Roman" panose="02020603050405020304" pitchFamily="18" charset="0"/>
-              </a:rPr>
-              <a:t>Experto</a:t>
-            </a:r>
-            <a:r>
-              <a:rPr lang="en-GB" dirty="0">
-                <a:ea typeface="Times New Roman" panose="02020603050405020304" pitchFamily="18" charset="0"/>
-              </a:rPr>
-              <a:t> </a:t>
-            </a:r>
-            <a:r>
-              <a:rPr lang="en-GB" dirty="0" err="1">
-                <a:ea typeface="Times New Roman" panose="02020603050405020304" pitchFamily="18" charset="0"/>
-              </a:rPr>
-              <a:t>certificado</a:t>
-            </a:r>
-            <a:r>
-              <a:rPr lang="en-GB" dirty="0">
-                <a:ea typeface="Times New Roman" panose="02020603050405020304" pitchFamily="18" charset="0"/>
-              </a:rPr>
-              <a:t> </a:t>
-            </a:r>
-            <a:r>
-              <a:rPr lang="en-GB" dirty="0" err="1">
-                <a:ea typeface="Times New Roman" panose="02020603050405020304" pitchFamily="18" charset="0"/>
-              </a:rPr>
-              <a:t>como</a:t>
-            </a:r>
-            <a:r>
-              <a:rPr lang="en-GB" dirty="0">
-                <a:ea typeface="Times New Roman" panose="02020603050405020304" pitchFamily="18" charset="0"/>
-              </a:rPr>
-              <a:t> “Certified Energy Manager” (CEM), Certified Energy Auditor” (CEA) and “Certified Measurement &amp; Verification Professional” (CMVP) </a:t>
-            </a:r>
-            <a:r>
-              <a:rPr lang="en-GB" dirty="0" err="1">
-                <a:ea typeface="Times New Roman" panose="02020603050405020304" pitchFamily="18" charset="0"/>
-              </a:rPr>
-              <a:t>por</a:t>
-            </a:r>
-            <a:r>
-              <a:rPr lang="en-GB" dirty="0">
-                <a:ea typeface="Times New Roman" panose="02020603050405020304" pitchFamily="18" charset="0"/>
-              </a:rPr>
-              <a:t> la the US Association of Energy Engineers (AEE).</a:t>
-            </a:r>
-          </a:p>
-          <a:p>
-            <a:pPr marL="0" indent="0">
-              <a:buNone/>
-            </a:pPr>
-            <a:r>
-              <a:rPr lang="en-GB" dirty="0">
-                <a:ea typeface="Times New Roman" panose="02020603050405020304" pitchFamily="18" charset="0"/>
-              </a:rPr>
-              <a:t>Co-</a:t>
-            </a:r>
-            <a:r>
-              <a:rPr lang="en-GB" dirty="0" err="1">
-                <a:ea typeface="Times New Roman" panose="02020603050405020304" pitchFamily="18" charset="0"/>
-              </a:rPr>
-              <a:t>autor</a:t>
-            </a:r>
-            <a:r>
-              <a:rPr lang="en-GB" dirty="0">
-                <a:ea typeface="Times New Roman" panose="02020603050405020304" pitchFamily="18" charset="0"/>
-              </a:rPr>
-              <a:t> de multiples </a:t>
-            </a:r>
-            <a:r>
-              <a:rPr lang="en-GB" dirty="0" err="1">
-                <a:ea typeface="Times New Roman" panose="02020603050405020304" pitchFamily="18" charset="0"/>
-              </a:rPr>
-              <a:t>artículos</a:t>
-            </a:r>
-            <a:r>
-              <a:rPr lang="en-GB" dirty="0">
-                <a:ea typeface="Times New Roman" panose="02020603050405020304" pitchFamily="18" charset="0"/>
-              </a:rPr>
-              <a:t> </a:t>
-            </a:r>
-            <a:r>
-              <a:rPr lang="en-GB" dirty="0" err="1">
-                <a:ea typeface="Times New Roman" panose="02020603050405020304" pitchFamily="18" charset="0"/>
-              </a:rPr>
-              <a:t>científicos</a:t>
-            </a:r>
-            <a:r>
-              <a:rPr lang="en-GB" dirty="0">
-                <a:ea typeface="Times New Roman" panose="02020603050405020304" pitchFamily="18" charset="0"/>
-              </a:rPr>
-              <a:t> (&gt;30, 6 de alto </a:t>
-            </a:r>
-            <a:r>
-              <a:rPr lang="en-GB" dirty="0" err="1">
-                <a:ea typeface="Times New Roman" panose="02020603050405020304" pitchFamily="18" charset="0"/>
-              </a:rPr>
-              <a:t>impacto</a:t>
-            </a:r>
-            <a:r>
-              <a:rPr lang="en-GB" dirty="0">
-                <a:ea typeface="Times New Roman" panose="02020603050405020304" pitchFamily="18" charset="0"/>
-              </a:rPr>
-              <a:t>), </a:t>
-            </a:r>
-            <a:r>
-              <a:rPr lang="en-GB" dirty="0" err="1">
-                <a:ea typeface="Times New Roman" panose="02020603050405020304" pitchFamily="18" charset="0"/>
-              </a:rPr>
-              <a:t>libros</a:t>
-            </a:r>
-            <a:r>
-              <a:rPr lang="en-GB" dirty="0">
-                <a:ea typeface="Times New Roman" panose="02020603050405020304" pitchFamily="18" charset="0"/>
-              </a:rPr>
-              <a:t> (3), </a:t>
-            </a:r>
-            <a:r>
-              <a:rPr lang="en-GB" dirty="0" err="1">
-                <a:ea typeface="Times New Roman" panose="02020603050405020304" pitchFamily="18" charset="0"/>
-              </a:rPr>
-              <a:t>patentes</a:t>
-            </a:r>
-            <a:r>
-              <a:rPr lang="en-GB" dirty="0">
-                <a:ea typeface="Times New Roman" panose="02020603050405020304" pitchFamily="18" charset="0"/>
-              </a:rPr>
-              <a:t> (3), </a:t>
-            </a:r>
-            <a:r>
-              <a:rPr lang="en-GB" dirty="0" err="1">
-                <a:ea typeface="Times New Roman" panose="02020603050405020304" pitchFamily="18" charset="0"/>
-              </a:rPr>
-              <a:t>registros</a:t>
-            </a:r>
-            <a:r>
-              <a:rPr lang="en-GB" dirty="0">
-                <a:ea typeface="Times New Roman" panose="02020603050405020304" pitchFamily="18" charset="0"/>
-              </a:rPr>
-              <a:t> de software (2)  e </a:t>
-            </a:r>
-            <a:r>
-              <a:rPr lang="en-GB" dirty="0" err="1">
-                <a:ea typeface="Times New Roman" panose="02020603050405020304" pitchFamily="18" charset="0"/>
-              </a:rPr>
-              <a:t>informes</a:t>
-            </a:r>
-            <a:r>
-              <a:rPr lang="en-GB" dirty="0">
-                <a:ea typeface="Times New Roman" panose="02020603050405020304" pitchFamily="18" charset="0"/>
-              </a:rPr>
-              <a:t> IEA &amp; CEN (3). </a:t>
-            </a:r>
-            <a:r>
-              <a:rPr lang="en-GB" dirty="0" err="1">
-                <a:ea typeface="Times New Roman" panose="02020603050405020304" pitchFamily="18" charset="0"/>
-              </a:rPr>
-              <a:t>Ocasionalmente</a:t>
-            </a:r>
-            <a:r>
-              <a:rPr lang="en-GB" dirty="0">
-                <a:ea typeface="Times New Roman" panose="02020603050405020304" pitchFamily="18" charset="0"/>
-              </a:rPr>
-              <a:t>, </a:t>
-            </a:r>
-            <a:r>
-              <a:rPr lang="en-GB" dirty="0" err="1">
-                <a:ea typeface="Times New Roman" panose="02020603050405020304" pitchFamily="18" charset="0"/>
-              </a:rPr>
-              <a:t>Ponente</a:t>
-            </a:r>
-            <a:r>
-              <a:rPr lang="en-GB" dirty="0">
-                <a:ea typeface="Times New Roman" panose="02020603050405020304" pitchFamily="18" charset="0"/>
-              </a:rPr>
-              <a:t>/</a:t>
-            </a:r>
-            <a:r>
-              <a:rPr lang="en-GB" dirty="0" err="1">
-                <a:ea typeface="Times New Roman" panose="02020603050405020304" pitchFamily="18" charset="0"/>
-              </a:rPr>
-              <a:t>Profesor</a:t>
-            </a:r>
-            <a:r>
-              <a:rPr lang="en-GB" dirty="0">
-                <a:ea typeface="Times New Roman" panose="02020603050405020304" pitchFamily="18" charset="0"/>
-              </a:rPr>
-              <a:t> </a:t>
-            </a:r>
-            <a:r>
-              <a:rPr lang="en-GB" dirty="0" err="1">
-                <a:ea typeface="Times New Roman" panose="02020603050405020304" pitchFamily="18" charset="0"/>
-              </a:rPr>
-              <a:t>invitado</a:t>
-            </a:r>
-            <a:r>
-              <a:rPr lang="en-GB" dirty="0">
-                <a:ea typeface="Times New Roman" panose="02020603050405020304" pitchFamily="18" charset="0"/>
-              </a:rPr>
-              <a:t> (UPV/EHU 2021 </a:t>
-            </a:r>
-            <a:r>
-              <a:rPr lang="en-GB" dirty="0">
-                <a:ea typeface="Times New Roman" panose="02020603050405020304" pitchFamily="18" charset="0"/>
-                <a:sym typeface="Wingdings" panose="05000000000000000000" pitchFamily="2" charset="2"/>
-              </a:rPr>
-              <a:t>).</a:t>
-            </a:r>
-            <a:endParaRPr lang="en-GB" dirty="0">
-              <a:ea typeface="Times New Roman" panose="02020603050405020304" pitchFamily="18" charset="0"/>
-            </a:endParaRPr>
+              <a:t> ENEDI (EHU/UPV).</a:t>
+            </a:r>
           </a:p>
           <a:p>
             <a:pPr marL="0" indent="0" algn="just">
@@ -19689,13 +20611,13 @@
               <a:rPr lang="en-GB" b="1" u="sng" dirty="0">
                 <a:ea typeface="Times New Roman" panose="02020603050405020304" pitchFamily="18" charset="0"/>
               </a:rPr>
-              <a:t>Ha </a:t>
+              <a:t>Autor de </a:t>
             </a:r>
             <a:r>
               <a:rPr lang="en-GB" b="1" u="sng" dirty="0" err="1">
                 <a:ea typeface="Times New Roman" panose="02020603050405020304" pitchFamily="18" charset="0"/>
               </a:rPr>
-              <a:t>participado</a:t>
+              <a:t>diversos</a:t>
             </a:r>
             <a:r>
               <a:rPr lang="en-GB" b="1" u="sng" dirty="0">
@@ -19707,19 +20629,79 @@
               <a:rPr lang="en-GB" b="1" u="sng" dirty="0" err="1">
                 <a:ea typeface="Times New Roman" panose="02020603050405020304" pitchFamily="18" charset="0"/>
               </a:rPr>
-              <a:t>en</a:t>
+              <a:t>artículos</a:t>
             </a:r>
             <a:r>
               <a:rPr lang="en-GB" b="1" u="sng" dirty="0">
                 <a:ea typeface="Times New Roman" panose="02020603050405020304" pitchFamily="18" charset="0"/>
               </a:rPr>
-              <a:t> el </a:t>
+              <a:t> </a:t>
             </a:r>
             <a:r>
               <a:rPr lang="en-GB" b="1" u="sng" dirty="0" err="1">
                 <a:ea typeface="Times New Roman" panose="02020603050405020304" pitchFamily="18" charset="0"/>
               </a:rPr>
-              <a:t>diseño</a:t>
+              <a:t>cientificos</a:t>
+            </a:r>
+            <a:r>
+              <a:rPr lang="en-GB" b="1" u="sng" dirty="0">
+                <a:ea typeface="Times New Roman" panose="02020603050405020304" pitchFamily="18" charset="0"/>
+              </a:rPr>
+              <a:t> </a:t>
+            </a:r>
+            <a:r>
+              <a:rPr lang="en-GB" b="1" u="sng" dirty="0" err="1">
+                <a:ea typeface="Times New Roman" panose="02020603050405020304" pitchFamily="18" charset="0"/>
+              </a:rPr>
+              <a:t>publicados</a:t>
+            </a:r>
+            <a:r>
+              <a:rPr lang="en-GB" b="1" u="sng" dirty="0">
+                <a:ea typeface="Times New Roman" panose="02020603050405020304" pitchFamily="18" charset="0"/>
+              </a:rPr>
+              <a:t> </a:t>
+            </a:r>
+            <a:r>
+              <a:rPr lang="en-GB" b="1" u="sng" dirty="0" err="1">
+                <a:ea typeface="Times New Roman" panose="02020603050405020304" pitchFamily="18" charset="0"/>
+              </a:rPr>
+              <a:t>en</a:t>
+            </a:r>
+            <a:r>
+              <a:rPr lang="en-GB" b="1" u="sng" dirty="0">
+                <a:ea typeface="Times New Roman" panose="02020603050405020304" pitchFamily="18" charset="0"/>
+              </a:rPr>
+              <a:t> </a:t>
+            </a:r>
+            <a:r>
+              <a:rPr lang="en-GB" b="1" u="sng" dirty="0" err="1">
+                <a:ea typeface="Times New Roman" panose="02020603050405020304" pitchFamily="18" charset="0"/>
+              </a:rPr>
+              <a:t>revistas</a:t>
+            </a:r>
+            <a:r>
+              <a:rPr lang="en-GB" b="1" u="sng" dirty="0">
+                <a:ea typeface="Times New Roman" panose="02020603050405020304" pitchFamily="18" charset="0"/>
+              </a:rPr>
+              <a:t> de alto </a:t>
+            </a:r>
+            <a:r>
+              <a:rPr lang="en-GB" b="1" u="sng" dirty="0" err="1">
+                <a:ea typeface="Times New Roman" panose="02020603050405020304" pitchFamily="18" charset="0"/>
+              </a:rPr>
+              <a:t>impacto</a:t>
+            </a:r>
+            <a:r>
+              <a:rPr lang="en-GB" b="1" u="sng" dirty="0">
+                <a:ea typeface="Times New Roman" panose="02020603050405020304" pitchFamily="18" charset="0"/>
+              </a:rPr>
+              <a:t> (Q1 JCR) y </a:t>
+            </a:r>
+            <a:r>
+              <a:rPr lang="en-GB" b="1" u="sng" dirty="0" err="1">
+                <a:ea typeface="Times New Roman" panose="02020603050405020304" pitchFamily="18" charset="0"/>
+              </a:rPr>
+              <a:t>artículos</a:t>
             </a:r>
             <a:r>
               <a:rPr lang="en-GB" b="1" u="sng" dirty="0">
@@ -19731,242 +20713,23 @@
               <a:rPr lang="en-GB" b="1" u="sng" dirty="0" err="1">
                 <a:ea typeface="Times New Roman" panose="02020603050405020304" pitchFamily="18" charset="0"/>
               </a:rPr>
-              <a:t>varios</a:t>
+              <a:t>congresos</a:t>
             </a:r>
             <a:r>
               <a:rPr lang="en-GB" b="1" u="sng" dirty="0">
                 <a:ea typeface="Times New Roman" panose="02020603050405020304" pitchFamily="18" charset="0"/>
               </a:rPr>
-              <a:t> </a:t>
+              <a:t> y </a:t>
             </a:r>
             <a:r>
               <a:rPr lang="en-GB" b="1" u="sng" dirty="0" err="1">
                 <a:ea typeface="Times New Roman" panose="02020603050405020304" pitchFamily="18" charset="0"/>
               </a:rPr>
-              <a:t>procesos</a:t>
-            </a:r>
-            <a:r>
-              <a:rPr lang="en-GB" b="1" u="sng" dirty="0">
-                <a:ea typeface="Times New Roman" panose="02020603050405020304" pitchFamily="18" charset="0"/>
-              </a:rPr>
-              <a:t> de </a:t>
-            </a:r>
-            <a:r>
-              <a:rPr lang="en-GB" b="1" u="sng" dirty="0" err="1">
-                <a:ea typeface="Times New Roman" panose="02020603050405020304" pitchFamily="18" charset="0"/>
-              </a:rPr>
-              <a:t>análisis</a:t>
-            </a:r>
-            <a:r>
-              <a:rPr lang="en-GB" b="1" u="sng" dirty="0">
-                <a:ea typeface="Times New Roman" panose="02020603050405020304" pitchFamily="18" charset="0"/>
-              </a:rPr>
-              <a:t> de </a:t>
-            </a:r>
-            <a:r>
-              <a:rPr lang="en-GB" b="1" u="sng" dirty="0" err="1">
-                <a:ea typeface="Times New Roman" panose="02020603050405020304" pitchFamily="18" charset="0"/>
-              </a:rPr>
-              <a:t>edificios</a:t>
-            </a:r>
-            <a:r>
-              <a:rPr lang="en-GB" b="1" u="sng" dirty="0">
-                <a:ea typeface="Times New Roman" panose="02020603050405020304" pitchFamily="18" charset="0"/>
-              </a:rPr>
-              <a:t> </a:t>
-            </a:r>
-            <a:r>
-              <a:rPr lang="en-GB" b="1" u="sng" dirty="0" err="1">
-                <a:ea typeface="Times New Roman" panose="02020603050405020304" pitchFamily="18" charset="0"/>
-              </a:rPr>
-              <a:t>basados</a:t>
-            </a:r>
-            <a:r>
-              <a:rPr lang="en-GB" b="1" u="sng" dirty="0">
-                <a:ea typeface="Times New Roman" panose="02020603050405020304" pitchFamily="18" charset="0"/>
-              </a:rPr>
-              <a:t> </a:t>
-            </a:r>
-            <a:r>
-              <a:rPr lang="en-GB" b="1" u="sng" dirty="0" err="1">
-                <a:ea typeface="Times New Roman" panose="02020603050405020304" pitchFamily="18" charset="0"/>
-              </a:rPr>
-              <a:t>en</a:t>
-            </a:r>
-            <a:r>
-              <a:rPr lang="en-GB" b="1" u="sng" dirty="0">
-                <a:ea typeface="Times New Roman" panose="02020603050405020304" pitchFamily="18" charset="0"/>
-              </a:rPr>
-              <a:t> </a:t>
-            </a:r>
-            <a:r>
-              <a:rPr lang="en-GB" b="1" u="sng" dirty="0" err="1">
-                <a:ea typeface="Times New Roman" panose="02020603050405020304" pitchFamily="18" charset="0"/>
-              </a:rPr>
-              <a:t>datos</a:t>
-            </a:r>
-            <a:r>
-              <a:rPr lang="en-GB" b="1" u="sng" dirty="0">
-                <a:ea typeface="Times New Roman" panose="02020603050405020304" pitchFamily="18" charset="0"/>
-              </a:rPr>
-              <a:t> de </a:t>
-            </a:r>
-            <a:r>
-              <a:rPr lang="en-GB" b="1" u="sng" dirty="0" err="1">
-                <a:ea typeface="Times New Roman" panose="02020603050405020304" pitchFamily="18" charset="0"/>
-              </a:rPr>
-              <a:t>consumo</a:t>
-            </a:r>
-            <a:r>
-              <a:rPr lang="en-GB" b="1" u="sng" dirty="0">
-                <a:ea typeface="Times New Roman" panose="02020603050405020304" pitchFamily="18" charset="0"/>
-              </a:rPr>
-              <a:t> de </a:t>
-            </a:r>
-            <a:r>
-              <a:rPr lang="en-GB" b="1" u="sng" dirty="0" err="1">
-                <a:ea typeface="Times New Roman" panose="02020603050405020304" pitchFamily="18" charset="0"/>
-              </a:rPr>
-              <a:t>energía</a:t>
-            </a:r>
-            <a:r>
-              <a:rPr lang="en-GB" b="1" u="sng" dirty="0">
-                <a:ea typeface="Times New Roman" panose="02020603050405020304" pitchFamily="18" charset="0"/>
-              </a:rPr>
-              <a:t>. </a:t>
-            </a:r>
-            <a:r>
-              <a:rPr lang="en-GB" b="1" u="sng" dirty="0" err="1">
-                <a:ea typeface="Times New Roman" panose="02020603050405020304" pitchFamily="18" charset="0"/>
-              </a:rPr>
-              <a:t>Trabaja</a:t>
-            </a:r>
-            <a:r>
-              <a:rPr lang="en-GB" b="1" u="sng" dirty="0">
-                <a:ea typeface="Times New Roman" panose="02020603050405020304" pitchFamily="18" charset="0"/>
-              </a:rPr>
-              <a:t> </a:t>
-            </a:r>
-            <a:r>
-              <a:rPr lang="en-GB" b="1" u="sng" dirty="0" err="1">
-                <a:ea typeface="Times New Roman" panose="02020603050405020304" pitchFamily="18" charset="0"/>
-              </a:rPr>
-              <a:t>desde</a:t>
-            </a:r>
-            <a:r>
-              <a:rPr lang="en-GB" b="1" u="sng" dirty="0">
-                <a:ea typeface="Times New Roman" panose="02020603050405020304" pitchFamily="18" charset="0"/>
-              </a:rPr>
-              <a:t> 2017 </a:t>
-            </a:r>
-            <a:r>
-              <a:rPr lang="en-GB" b="1" u="sng" dirty="0" err="1">
-                <a:ea typeface="Times New Roman" panose="02020603050405020304" pitchFamily="18" charset="0"/>
-              </a:rPr>
-              <a:t>sobre</a:t>
-            </a:r>
-            <a:r>
-              <a:rPr lang="en-GB" b="1" u="sng" dirty="0">
-                <a:ea typeface="Times New Roman" panose="02020603050405020304" pitchFamily="18" charset="0"/>
-              </a:rPr>
-              <a:t> un </a:t>
-            </a:r>
-            <a:r>
-              <a:rPr lang="en-GB" b="1" u="sng" dirty="0" err="1">
-                <a:ea typeface="Times New Roman" panose="02020603050405020304" pitchFamily="18" charset="0"/>
-              </a:rPr>
-              <a:t>conjunto</a:t>
-            </a:r>
-            <a:r>
-              <a:rPr lang="en-GB" b="1" u="sng" dirty="0">
-                <a:ea typeface="Times New Roman" panose="02020603050405020304" pitchFamily="18" charset="0"/>
-              </a:rPr>
-              <a:t> de </a:t>
-            </a:r>
-            <a:r>
-              <a:rPr lang="en-GB" b="1" u="sng" dirty="0" err="1">
-                <a:ea typeface="Times New Roman" panose="02020603050405020304" pitchFamily="18" charset="0"/>
-              </a:rPr>
-              <a:t>datos</a:t>
-            </a:r>
-            <a:r>
-              <a:rPr lang="en-GB" b="1" u="sng" dirty="0">
-                <a:ea typeface="Times New Roman" panose="02020603050405020304" pitchFamily="18" charset="0"/>
-              </a:rPr>
-              <a:t> de </a:t>
-            </a:r>
-            <a:r>
-              <a:rPr lang="en-GB" b="1" u="sng" dirty="0" err="1">
-                <a:ea typeface="Times New Roman" panose="02020603050405020304" pitchFamily="18" charset="0"/>
-              </a:rPr>
-              <a:t>consumo</a:t>
-            </a:r>
-            <a:r>
-              <a:rPr lang="en-GB" b="1" u="sng" dirty="0">
-                <a:ea typeface="Times New Roman" panose="02020603050405020304" pitchFamily="18" charset="0"/>
-              </a:rPr>
-              <a:t> de </a:t>
-            </a:r>
-            <a:r>
-              <a:rPr lang="en-GB" b="1" u="sng" dirty="0" err="1">
-                <a:ea typeface="Times New Roman" panose="02020603050405020304" pitchFamily="18" charset="0"/>
-              </a:rPr>
-              <a:t>calor</a:t>
-            </a:r>
-            <a:r>
-              <a:rPr lang="en-GB" b="1" u="sng" dirty="0">
-                <a:ea typeface="Times New Roman" panose="02020603050405020304" pitchFamily="18" charset="0"/>
-              </a:rPr>
-              <a:t> </a:t>
-            </a:r>
-            <a:r>
-              <a:rPr lang="en-GB" b="1" u="sng" dirty="0" err="1">
-                <a:ea typeface="Times New Roman" panose="02020603050405020304" pitchFamily="18" charset="0"/>
-              </a:rPr>
-              <a:t>en</a:t>
-            </a:r>
-            <a:r>
-              <a:rPr lang="en-GB" b="1" u="sng" dirty="0">
-                <a:ea typeface="Times New Roman" panose="02020603050405020304" pitchFamily="18" charset="0"/>
-              </a:rPr>
-              <a:t> </a:t>
-            </a:r>
-            <a:r>
-              <a:rPr lang="en-GB" b="1" u="sng" dirty="0" err="1">
-                <a:ea typeface="Times New Roman" panose="02020603050405020304" pitchFamily="18" charset="0"/>
-              </a:rPr>
-              <a:t>edificios</a:t>
-            </a:r>
-            <a:r>
-              <a:rPr lang="en-GB" b="1" u="sng" dirty="0">
-                <a:ea typeface="Times New Roman" panose="02020603050405020304" pitchFamily="18" charset="0"/>
-              </a:rPr>
-              <a:t> </a:t>
-            </a:r>
-            <a:r>
-              <a:rPr lang="en-GB" b="1" u="sng" dirty="0" err="1">
-                <a:ea typeface="Times New Roman" panose="02020603050405020304" pitchFamily="18" charset="0"/>
-              </a:rPr>
-              <a:t>conectados</a:t>
-            </a:r>
-            <a:r>
-              <a:rPr lang="en-GB" b="1" u="sng" dirty="0">
-                <a:ea typeface="Times New Roman" panose="02020603050405020304" pitchFamily="18" charset="0"/>
-              </a:rPr>
-              <a:t> a la red  de </a:t>
-            </a:r>
-            <a:r>
-              <a:rPr lang="en-GB" b="1" u="sng" dirty="0" err="1">
-                <a:ea typeface="Times New Roman" panose="02020603050405020304" pitchFamily="18" charset="0"/>
-              </a:rPr>
-              <a:t>distrito</a:t>
-            </a:r>
-            <a:r>
-              <a:rPr lang="en-GB" b="1" u="sng" dirty="0">
-                <a:ea typeface="Times New Roman" panose="02020603050405020304" pitchFamily="18" charset="0"/>
-              </a:rPr>
-              <a:t> de Tartu.</a:t>
-            </a:r>
+              <a:t>conferencias</a:t>
+            </a:r>
+            <a:endParaRPr lang="en-GB" b="1" u="sng" dirty="0">
+              <a:ea typeface="Times New Roman" panose="02020603050405020304" pitchFamily="18" charset="0"/>
+            </a:endParaRPr>
           </a:p>
           <a:p>
             <a:pPr marL="0" indent="0" algn="just">
@@ -19975,12 +20738,19 @@
               </a:spcAft>
               <a:buNone/>
             </a:pPr>
-            <a:endParaRPr lang="en-GB" u="sng" dirty="0">
-              <a:solidFill>
-                <a:srgbClr val="0000FF"/>
-              </a:solidFill>
+            <a:r>
+              <a:rPr lang="es-ES" b="0" i="0" u="none" strike="noStrike" dirty="0">
+                <a:solidFill>
+                  <a:srgbClr val="0C7DBB"/>
+                </a:solidFill>
+                <a:effectLst/>
+                <a:latin typeface="NexusSans"/>
+                <a:hlinkClick r:id="rId2" tooltip="Persistent link using digital object identifier"/>
+              </a:rPr>
+              <a:t>https://doi.org/10.1016/j.energy.2021.122318</a:t>
+            </a:r>
+            <a:endParaRPr lang="en-GB" b="1" u="sng" dirty="0">
               <a:ea typeface="Times New Roman" panose="02020603050405020304" pitchFamily="18" charset="0"/>
-              <a:hlinkClick r:id="rId2"/>
             </a:endParaRPr>
           </a:p>
           <a:p>
@@ -19991,24 +20761,142 @@
               <a:buNone/>
             </a:pPr>
             <a:r>
+              <a:rPr lang="en-GB" b="1" u="sng" dirty="0" err="1">
+                <a:ea typeface="Times New Roman" panose="02020603050405020304" pitchFamily="18" charset="0"/>
+              </a:rPr>
+              <a:t>Trabaja</a:t>
+            </a:r>
+            <a:r>
+              <a:rPr lang="en-GB" b="1" u="sng" dirty="0">
+                <a:ea typeface="Times New Roman" panose="02020603050405020304" pitchFamily="18" charset="0"/>
+              </a:rPr>
+              <a:t> </a:t>
+            </a:r>
+            <a:r>
+              <a:rPr lang="en-GB" b="1" u="sng" dirty="0" err="1">
+                <a:ea typeface="Times New Roman" panose="02020603050405020304" pitchFamily="18" charset="0"/>
+              </a:rPr>
+              <a:t>desde</a:t>
+            </a:r>
+            <a:r>
+              <a:rPr lang="en-GB" b="1" u="sng" dirty="0">
+                <a:ea typeface="Times New Roman" panose="02020603050405020304" pitchFamily="18" charset="0"/>
+              </a:rPr>
+              <a:t> 2019 </a:t>
+            </a:r>
+            <a:r>
+              <a:rPr lang="en-GB" b="1" u="sng" dirty="0" err="1">
+                <a:ea typeface="Times New Roman" panose="02020603050405020304" pitchFamily="18" charset="0"/>
+              </a:rPr>
+              <a:t>sobre</a:t>
+            </a:r>
+            <a:r>
+              <a:rPr lang="en-GB" b="1" u="sng" dirty="0">
+                <a:ea typeface="Times New Roman" panose="02020603050405020304" pitchFamily="18" charset="0"/>
+              </a:rPr>
+              <a:t> un conjunto de </a:t>
+            </a:r>
+            <a:r>
+              <a:rPr lang="en-GB" b="1" u="sng" dirty="0" err="1">
+                <a:ea typeface="Times New Roman" panose="02020603050405020304" pitchFamily="18" charset="0"/>
+              </a:rPr>
+              <a:t>datos</a:t>
+            </a:r>
+            <a:r>
+              <a:rPr lang="en-GB" b="1" u="sng" dirty="0">
+                <a:ea typeface="Times New Roman" panose="02020603050405020304" pitchFamily="18" charset="0"/>
+              </a:rPr>
+              <a:t> de </a:t>
+            </a:r>
+            <a:r>
+              <a:rPr lang="en-GB" b="1" u="sng" dirty="0" err="1">
+                <a:ea typeface="Times New Roman" panose="02020603050405020304" pitchFamily="18" charset="0"/>
+              </a:rPr>
+              <a:t>consumo</a:t>
+            </a:r>
+            <a:r>
+              <a:rPr lang="en-GB" b="1" u="sng" dirty="0">
+                <a:ea typeface="Times New Roman" panose="02020603050405020304" pitchFamily="18" charset="0"/>
+              </a:rPr>
+              <a:t> de </a:t>
+            </a:r>
+            <a:r>
+              <a:rPr lang="en-GB" b="1" u="sng" dirty="0" err="1">
+                <a:ea typeface="Times New Roman" panose="02020603050405020304" pitchFamily="18" charset="0"/>
+              </a:rPr>
+              <a:t>calor</a:t>
+            </a:r>
+            <a:r>
+              <a:rPr lang="en-GB" b="1" u="sng" dirty="0">
+                <a:ea typeface="Times New Roman" panose="02020603050405020304" pitchFamily="18" charset="0"/>
+              </a:rPr>
+              <a:t> </a:t>
+            </a:r>
+            <a:r>
+              <a:rPr lang="en-GB" b="1" u="sng" dirty="0" err="1">
+                <a:ea typeface="Times New Roman" panose="02020603050405020304" pitchFamily="18" charset="0"/>
+              </a:rPr>
+              <a:t>en</a:t>
+            </a:r>
+            <a:r>
+              <a:rPr lang="en-GB" b="1" u="sng" dirty="0">
+                <a:ea typeface="Times New Roman" panose="02020603050405020304" pitchFamily="18" charset="0"/>
+              </a:rPr>
+              <a:t> </a:t>
+            </a:r>
+            <a:r>
+              <a:rPr lang="en-GB" b="1" u="sng" dirty="0" err="1">
+                <a:ea typeface="Times New Roman" panose="02020603050405020304" pitchFamily="18" charset="0"/>
+              </a:rPr>
+              <a:t>edificios</a:t>
+            </a:r>
+            <a:r>
+              <a:rPr lang="en-GB" b="1" u="sng" dirty="0">
+                <a:ea typeface="Times New Roman" panose="02020603050405020304" pitchFamily="18" charset="0"/>
+              </a:rPr>
+              <a:t> </a:t>
+            </a:r>
+            <a:r>
+              <a:rPr lang="en-GB" b="1" u="sng" dirty="0" err="1">
+                <a:ea typeface="Times New Roman" panose="02020603050405020304" pitchFamily="18" charset="0"/>
+              </a:rPr>
+              <a:t>conectados</a:t>
+            </a:r>
+            <a:r>
+              <a:rPr lang="en-GB" b="1" u="sng" dirty="0">
+                <a:ea typeface="Times New Roman" panose="02020603050405020304" pitchFamily="18" charset="0"/>
+              </a:rPr>
+              <a:t> a la red  de </a:t>
+            </a:r>
+            <a:r>
+              <a:rPr lang="en-GB" b="1" u="sng" dirty="0" err="1">
+                <a:ea typeface="Times New Roman" panose="02020603050405020304" pitchFamily="18" charset="0"/>
+              </a:rPr>
+              <a:t>distrito</a:t>
+            </a:r>
+            <a:r>
+              <a:rPr lang="en-GB" b="1" u="sng" dirty="0">
+                <a:ea typeface="Times New Roman" panose="02020603050405020304" pitchFamily="18" charset="0"/>
+              </a:rPr>
+              <a:t> de Tartu.</a:t>
+            </a:r>
+          </a:p>
+          <a:p>
+            <a:pPr marL="0" indent="0" algn="just">
+              <a:spcAft>
+                <a:spcPts val="300"/>
+              </a:spcAft>
+              <a:buNone/>
+            </a:pPr>
+            <a:r>
               <a:rPr lang="en-GB" u="sng" dirty="0">
                 <a:solidFill>
                   <a:srgbClr val="0000FF"/>
                 </a:solidFill>
                 <a:ea typeface="Times New Roman" panose="02020603050405020304" pitchFamily="18" charset="0"/>
-                <a:hlinkClick r:id="rId2"/>
+                <a:hlinkClick r:id="rId3"/>
               </a:rPr>
-              <a:t>https://</a:t>
-            </a:r>
-            <a:r>
-              <a:rPr lang="en-GB" u="sng" dirty="0" smtClean="0">
-                <a:solidFill>
-                  <a:srgbClr val="0000FF"/>
-                </a:solidFill>
-                <a:ea typeface="Times New Roman" panose="02020603050405020304" pitchFamily="18" charset="0"/>
-                <a:hlinkClick r:id="rId2"/>
-              </a:rPr>
-              <a:t>orcid.org/0000-0002-1339-7049</a:t>
+              <a:t>ORCID: https://orcid.org/0000-0002-1339-7049</a:t>
             </a:r>
             <a:endParaRPr lang="en-GB" u="sng" dirty="0">
               <a:solidFill>
@@ -20043,7 +20931,7 @@
           <p:nvPr/>
         </p:nvPicPr>
         <p:blipFill>
-          <a:blip r:embed="rId3" cstate="print">
+          <a:blip r:embed="rId4" cstate="print">
             <a:extLst>
               <a:ext uri="{28A0092B-C50C-407E-A947-70E740481C1C}">
                 <a14:useLocalDpi xmlns:a14="http://schemas.microsoft.com/office/drawing/2010/main" val="0"/>
@@ -21249,10 +22137,9 @@
           <a:lstStyle/>
           <a:p>
             <a:r>
-              <a:rPr lang="es-ES" dirty="0" smtClean="0"/>
+              <a:rPr lang="es-ES" dirty="0"/>
               <a:t>Índice Clase 2</a:t>
             </a:r>
-            <a:endParaRPr lang="es-ES" dirty="0"/>
           </a:p>
         </p:txBody>
       </p:sp>
@@ -21272,78 +22159,77 @@
           <a:lstStyle/>
           <a:p>
             <a:r>
-              <a:rPr lang="es-ES" dirty="0" smtClean="0"/>
+              <a:rPr lang="es-ES" dirty="0"/>
               <a:t>Introducción</a:t>
             </a:r>
           </a:p>
           <a:p>
             <a:r>
-              <a:rPr lang="en-GB" dirty="0" smtClean="0"/>
+              <a:rPr lang="en-GB" dirty="0"/>
               <a:t>Objet</a:t>
             </a:r>
             <a:r>
-              <a:rPr lang="es-ES" dirty="0" err="1" smtClean="0"/>
+              <a:rPr lang="es-ES" dirty="0" err="1"/>
               <a:t>ivos</a:t>
             </a:r>
             <a:r>
-              <a:rPr lang="es-ES" dirty="0" smtClean="0"/>
+              <a:rPr lang="es-ES" dirty="0"/>
               <a:t> principales teoría</a:t>
             </a:r>
           </a:p>
           <a:p>
             <a:r>
-              <a:rPr lang="en-GB" dirty="0" err="1" smtClean="0"/>
+              <a:rPr lang="en-GB" dirty="0" err="1"/>
               <a:t>Repaso</a:t>
             </a:r>
             <a:r>
-              <a:rPr lang="en-GB" dirty="0" smtClean="0"/>
+              <a:rPr lang="en-GB" dirty="0"/>
               <a:t> Variables </a:t>
             </a:r>
             <a:r>
-              <a:rPr lang="en-GB" dirty="0" err="1" smtClean="0"/>
+              <a:rPr lang="en-GB" dirty="0" err="1"/>
               <a:t>Estadísticas</a:t>
             </a:r>
             <a:r>
-              <a:rPr lang="en-GB" dirty="0" smtClean="0"/>
+              <a:rPr lang="en-GB" dirty="0"/>
               <a:t> </a:t>
             </a:r>
             <a:r>
-              <a:rPr lang="en-GB" dirty="0" err="1" smtClean="0"/>
+              <a:rPr lang="en-GB" dirty="0" err="1"/>
               <a:t>Más</a:t>
             </a:r>
             <a:r>
-              <a:rPr lang="en-GB" dirty="0" smtClean="0"/>
+              <a:rPr lang="en-GB" dirty="0"/>
               <a:t> </a:t>
             </a:r>
             <a:r>
-              <a:rPr lang="es-ES" dirty="0" smtClean="0"/>
+              <a:rPr lang="es-ES" dirty="0"/>
               <a:t>Comunes</a:t>
             </a:r>
           </a:p>
           <a:p>
             <a:r>
-              <a:rPr lang="es-ES" dirty="0" smtClean="0"/>
+              <a:rPr lang="es-ES" dirty="0"/>
               <a:t>Correlación y Covarianza</a:t>
             </a:r>
           </a:p>
           <a:p>
             <a:r>
-              <a:rPr lang="es-ES" dirty="0" smtClean="0"/>
+              <a:rPr lang="es-ES" dirty="0"/>
               <a:t>Regresión Lineal y Métricas de error</a:t>
             </a:r>
           </a:p>
           <a:p>
             <a:r>
-              <a:rPr lang="es-ES" dirty="0" smtClean="0"/>
+              <a:rPr lang="es-ES" dirty="0"/>
               <a:t>Clasificación Supervisada + Métricas de error</a:t>
             </a:r>
           </a:p>
           <a:p>
             <a:r>
-              <a:rPr lang="es-ES" dirty="0" smtClean="0"/>
+              <a:rPr lang="es-ES" dirty="0"/>
               <a:t>Conclusiones e introducción a la práctica</a:t>
             </a:r>
-            <a:endParaRPr lang="es-ES" dirty="0"/>
           </a:p>
         </p:txBody>
       </p:sp>
@@ -21379,7 +22265,13 @@
       </p:grpSpPr>
       <p:sp>
         <p:nvSpPr>
-          <p:cNvPr id="2" name="Título 1"/>
+          <p:cNvPr id="4" name="Título 1">
+            <a:extLst>
+              <a:ext uri="{FF2B5EF4-FFF2-40B4-BE49-F238E27FC236}">
+                <a16:creationId xmlns:a16="http://schemas.microsoft.com/office/drawing/2014/main" id="{D8C1C9B6-2C66-47E4-917D-064C1731AA1A}"/>
+              </a:ext>
+            </a:extLst>
+          </p:cNvPr>
           <p:cNvSpPr>
             <a:spLocks noGrp="1"/>
           </p:cNvSpPr>
@@ -21387,59 +22279,32 @@
             <p:ph type="title"/>
           </p:nvPr>
         </p:nvSpPr>
-        <p:spPr/>
+        <p:spPr>
+          <a:xfrm>
+            <a:off x="838200" y="365125"/>
+            <a:ext cx="10515600" cy="1325563"/>
+          </a:xfrm>
+        </p:spPr>
         <p:txBody>
           <a:bodyPr/>
           <a:lstStyle/>
           <a:p>
             <a:r>
-              <a:rPr lang="es-ES" dirty="0" smtClean="0"/>
+              <a:rPr lang="es-ES" dirty="0"/>
               <a:t>Introducción Módulo 2</a:t>
             </a:r>
-            <a:endParaRPr lang="es-ES" dirty="0"/>
-          </a:p>
-        </p:txBody>
-      </p:sp>
-      <p:sp>
-        <p:nvSpPr>
-          <p:cNvPr id="3" name="Marcador de contenido 2"/>
-          <p:cNvSpPr>
-            <a:spLocks noGrp="1"/>
-          </p:cNvSpPr>
-          <p:nvPr>
-            <p:ph idx="1"/>
-          </p:nvPr>
-        </p:nvSpPr>
-        <p:spPr/>
-        <p:txBody>
-          <a:bodyPr/>
-          <a:lstStyle/>
-          <a:p>
-            <a:r>
-              <a:rPr lang="es-ES" dirty="0" smtClean="0"/>
-              <a:t>Big Data </a:t>
-            </a:r>
-            <a:r>
-              <a:rPr lang="es-ES" dirty="0" smtClean="0">
-                <a:sym typeface="Wingdings" panose="05000000000000000000" pitchFamily="2" charset="2"/>
-              </a:rPr>
-              <a:t> Múltiples variables medidas y guardadas</a:t>
-            </a:r>
-          </a:p>
-          <a:p>
-            <a:r>
-              <a:rPr lang="es-ES" dirty="0" smtClean="0">
-                <a:sym typeface="Wingdings" panose="05000000000000000000" pitchFamily="2" charset="2"/>
-              </a:rPr>
-              <a:t>Múltiples fuentes de datos</a:t>
-            </a:r>
-            <a:endParaRPr lang="es-ES" dirty="0"/>
           </a:p>
         </p:txBody>
       </p:sp>
       <p:pic>
         <p:nvPicPr>
-          <p:cNvPr id="2050" name="Picture 2" descr="Del Big Data al Good Data: datos y tecnología como armas contra la COVID-19  | OpenMind"/>
+          <p:cNvPr id="1026" name="Picture 2" descr="10 herramientas de analítica web gratuitas que te ayudarán a medir las  acciones de marketing digital de tu marca.">
+            <a:extLst>
+              <a:ext uri="{FF2B5EF4-FFF2-40B4-BE49-F238E27FC236}">
+                <a16:creationId xmlns:a16="http://schemas.microsoft.com/office/drawing/2014/main" id="{DF729E3E-41E4-4ECB-95DF-09E93A5CB1CB}"/>
+              </a:ext>
+            </a:extLst>
+          </p:cNvPr>
           <p:cNvPicPr>
             <a:picLocks noChangeAspect="1" noChangeArrowheads="1"/>
           </p:cNvPicPr>
@@ -21460,8 +22325,8 @@
         </p:blipFill>
         <p:spPr bwMode="auto">
           <a:xfrm>
-            <a:off x="993903" y="2963589"/>
-            <a:ext cx="7849652" cy="2688115"/>
+            <a:off x="968498" y="1908476"/>
+            <a:ext cx="3718911" cy="1709153"/>
           </a:xfrm>
           <a:prstGeom prst="rect">
             <a:avLst/>
@@ -21478,10 +22343,293 @@
           </a:extLst>
         </p:spPr>
       </p:pic>
+      <p:pic>
+        <p:nvPicPr>
+          <p:cNvPr id="1028" name="Picture 4" descr="Las 20 mejores startups de IoT para ver en 2020 – The Startups Times">
+            <a:extLst>
+              <a:ext uri="{FF2B5EF4-FFF2-40B4-BE49-F238E27FC236}">
+                <a16:creationId xmlns:a16="http://schemas.microsoft.com/office/drawing/2014/main" id="{01DDECF1-F2A9-4AAD-BF58-83ACFE44496B}"/>
+              </a:ext>
+            </a:extLst>
+          </p:cNvPr>
+          <p:cNvPicPr>
+            <a:picLocks noChangeAspect="1" noChangeArrowheads="1"/>
+          </p:cNvPicPr>
+          <p:nvPr/>
+        </p:nvPicPr>
+        <p:blipFill>
+          <a:blip r:embed="rId3" cstate="print">
+            <a:extLst>
+              <a:ext uri="{28A0092B-C50C-407E-A947-70E740481C1C}">
+                <a14:useLocalDpi xmlns:a14="http://schemas.microsoft.com/office/drawing/2010/main" val="0"/>
+              </a:ext>
+            </a:extLst>
+          </a:blip>
+          <a:srcRect/>
+          <a:stretch>
+            <a:fillRect/>
+          </a:stretch>
+        </p:blipFill>
+        <p:spPr bwMode="auto">
+          <a:xfrm>
+            <a:off x="2237313" y="4094947"/>
+            <a:ext cx="2716428" cy="1919674"/>
+          </a:xfrm>
+          <a:prstGeom prst="rect">
+            <a:avLst/>
+          </a:prstGeom>
+          <a:noFill/>
+          <a:extLst>
+            <a:ext uri="{909E8E84-426E-40DD-AFC4-6F175D3DCCD1}">
+              <a14:hiddenFill xmlns:a14="http://schemas.microsoft.com/office/drawing/2010/main">
+                <a:solidFill>
+                  <a:srgbClr val="FFFFFF"/>
+                </a:solidFill>
+              </a14:hiddenFill>
+            </a:ext>
+          </a:extLst>
+        </p:spPr>
+      </p:pic>
+      <p:sp>
+        <p:nvSpPr>
+          <p:cNvPr id="5" name="CuadroTexto 4">
+            <a:extLst>
+              <a:ext uri="{FF2B5EF4-FFF2-40B4-BE49-F238E27FC236}">
+                <a16:creationId xmlns:a16="http://schemas.microsoft.com/office/drawing/2014/main" id="{EF1AD63B-34B0-482A-B8A9-338D69A0FBB6}"/>
+              </a:ext>
+            </a:extLst>
+          </p:cNvPr>
+          <p:cNvSpPr txBox="1"/>
+          <p:nvPr/>
+        </p:nvSpPr>
+        <p:spPr>
+          <a:xfrm>
+            <a:off x="1283238" y="3684352"/>
+            <a:ext cx="3089429" cy="369332"/>
+          </a:xfrm>
+          <a:prstGeom prst="rect">
+            <a:avLst/>
+          </a:prstGeom>
+          <a:noFill/>
+        </p:spPr>
+        <p:txBody>
+          <a:bodyPr wrap="square" rtlCol="0">
+            <a:spAutoFit/>
+          </a:bodyPr>
+          <a:lstStyle/>
+          <a:p>
+            <a:pPr algn="ctr"/>
+            <a:r>
+              <a:rPr lang="es-ES" dirty="0"/>
+              <a:t>Analítica Web</a:t>
+            </a:r>
+          </a:p>
+        </p:txBody>
+      </p:sp>
+      <p:sp>
+        <p:nvSpPr>
+          <p:cNvPr id="8" name="CuadroTexto 7">
+            <a:extLst>
+              <a:ext uri="{FF2B5EF4-FFF2-40B4-BE49-F238E27FC236}">
+                <a16:creationId xmlns:a16="http://schemas.microsoft.com/office/drawing/2014/main" id="{FC227BEA-F558-446B-A359-6B16997D0BCB}"/>
+              </a:ext>
+            </a:extLst>
+          </p:cNvPr>
+          <p:cNvSpPr txBox="1"/>
+          <p:nvPr/>
+        </p:nvSpPr>
+        <p:spPr>
+          <a:xfrm>
+            <a:off x="2050743" y="6122607"/>
+            <a:ext cx="3089429" cy="369332"/>
+          </a:xfrm>
+          <a:prstGeom prst="rect">
+            <a:avLst/>
+          </a:prstGeom>
+          <a:noFill/>
+        </p:spPr>
+        <p:txBody>
+          <a:bodyPr wrap="square" rtlCol="0">
+            <a:spAutoFit/>
+          </a:bodyPr>
+          <a:lstStyle/>
+          <a:p>
+            <a:pPr algn="ctr"/>
+            <a:r>
+              <a:rPr lang="es-ES" dirty="0"/>
+              <a:t>Internet de las cosas</a:t>
+            </a:r>
+          </a:p>
+        </p:txBody>
+      </p:sp>
+      <p:sp>
+        <p:nvSpPr>
+          <p:cNvPr id="6" name="Flecha: a la derecha 5">
+            <a:extLst>
+              <a:ext uri="{FF2B5EF4-FFF2-40B4-BE49-F238E27FC236}">
+                <a16:creationId xmlns:a16="http://schemas.microsoft.com/office/drawing/2014/main" id="{1C9DDEA5-E89B-401E-92BD-2CDA6C4384E7}"/>
+              </a:ext>
+            </a:extLst>
+          </p:cNvPr>
+          <p:cNvSpPr/>
+          <p:nvPr/>
+        </p:nvSpPr>
+        <p:spPr>
+          <a:xfrm>
+            <a:off x="5663950" y="2951682"/>
+            <a:ext cx="2823099" cy="665947"/>
+          </a:xfrm>
+          <a:prstGeom prst="rightArrow">
+            <a:avLst/>
+          </a:prstGeom>
+        </p:spPr>
+        <p:style>
+          <a:lnRef idx="2">
+            <a:schemeClr val="accent1">
+              <a:shade val="50000"/>
+            </a:schemeClr>
+          </a:lnRef>
+          <a:fillRef idx="1">
+            <a:schemeClr val="accent1"/>
+          </a:fillRef>
+          <a:effectRef idx="0">
+            <a:schemeClr val="accent1"/>
+          </a:effectRef>
+          <a:fontRef idx="minor">
+            <a:schemeClr val="lt1"/>
+          </a:fontRef>
+        </p:style>
+        <p:txBody>
+          <a:bodyPr rtlCol="0" anchor="ctr"/>
+          <a:lstStyle/>
+          <a:p>
+            <a:pPr algn="ctr"/>
+            <a:endParaRPr lang="es-ES"/>
+          </a:p>
+        </p:txBody>
+      </p:sp>
+      <p:sp>
+        <p:nvSpPr>
+          <p:cNvPr id="7" name="CuadroTexto 6">
+            <a:extLst>
+              <a:ext uri="{FF2B5EF4-FFF2-40B4-BE49-F238E27FC236}">
+                <a16:creationId xmlns:a16="http://schemas.microsoft.com/office/drawing/2014/main" id="{CA6B149A-C5D2-470E-B5CC-CB658CEAE02E}"/>
+              </a:ext>
+            </a:extLst>
+          </p:cNvPr>
+          <p:cNvSpPr txBox="1"/>
+          <p:nvPr/>
+        </p:nvSpPr>
+        <p:spPr>
+          <a:xfrm>
+            <a:off x="8806647" y="2376714"/>
+            <a:ext cx="3080551" cy="1815882"/>
+          </a:xfrm>
+          <a:prstGeom prst="rect">
+            <a:avLst/>
+          </a:prstGeom>
+          <a:noFill/>
+        </p:spPr>
+        <p:txBody>
+          <a:bodyPr wrap="square" rtlCol="0">
+            <a:spAutoFit/>
+          </a:bodyPr>
+          <a:lstStyle/>
+          <a:p>
+            <a:pPr algn="ctr"/>
+            <a:r>
+              <a:rPr lang="es-ES" sz="2800" dirty="0"/>
+              <a:t>Una gran cantidad de datos requiere de una estructura de datos </a:t>
+            </a:r>
+          </a:p>
+        </p:txBody>
+      </p:sp>
+      <p:sp>
+        <p:nvSpPr>
+          <p:cNvPr id="11" name="Flecha: a la derecha 10">
+            <a:extLst>
+              <a:ext uri="{FF2B5EF4-FFF2-40B4-BE49-F238E27FC236}">
+                <a16:creationId xmlns:a16="http://schemas.microsoft.com/office/drawing/2014/main" id="{4F7BD7EA-88E3-41D9-BB33-78FB23CE0DD2}"/>
+              </a:ext>
+            </a:extLst>
+          </p:cNvPr>
+          <p:cNvSpPr/>
+          <p:nvPr/>
+        </p:nvSpPr>
+        <p:spPr>
+          <a:xfrm rot="5400000">
+            <a:off x="9758947" y="4449933"/>
+            <a:ext cx="1175949" cy="665947"/>
+          </a:xfrm>
+          <a:prstGeom prst="rightArrow">
+            <a:avLst/>
+          </a:prstGeom>
+        </p:spPr>
+        <p:style>
+          <a:lnRef idx="2">
+            <a:schemeClr val="accent1">
+              <a:shade val="50000"/>
+            </a:schemeClr>
+          </a:lnRef>
+          <a:fillRef idx="1">
+            <a:schemeClr val="accent1"/>
+          </a:fillRef>
+          <a:effectRef idx="0">
+            <a:schemeClr val="accent1"/>
+          </a:effectRef>
+          <a:fontRef idx="minor">
+            <a:schemeClr val="lt1"/>
+          </a:fontRef>
+        </p:style>
+        <p:txBody>
+          <a:bodyPr rtlCol="0" anchor="ctr"/>
+          <a:lstStyle/>
+          <a:p>
+            <a:pPr algn="ctr"/>
+            <a:endParaRPr lang="es-ES"/>
+          </a:p>
+        </p:txBody>
+      </p:sp>
+      <p:sp>
+        <p:nvSpPr>
+          <p:cNvPr id="12" name="CuadroTexto 11">
+            <a:extLst>
+              <a:ext uri="{FF2B5EF4-FFF2-40B4-BE49-F238E27FC236}">
+                <a16:creationId xmlns:a16="http://schemas.microsoft.com/office/drawing/2014/main" id="{EED170C0-5292-47BE-9106-684676FAD925}"/>
+              </a:ext>
+            </a:extLst>
+          </p:cNvPr>
+          <p:cNvSpPr txBox="1"/>
+          <p:nvPr/>
+        </p:nvSpPr>
+        <p:spPr>
+          <a:xfrm>
+            <a:off x="8806647" y="5599387"/>
+            <a:ext cx="3080551" cy="523220"/>
+          </a:xfrm>
+          <a:prstGeom prst="rect">
+            <a:avLst/>
+          </a:prstGeom>
+          <a:noFill/>
+        </p:spPr>
+        <p:txBody>
+          <a:bodyPr wrap="square" rtlCol="0">
+            <a:spAutoFit/>
+          </a:bodyPr>
+          <a:lstStyle/>
+          <a:p>
+            <a:pPr algn="ctr"/>
+            <a:r>
+              <a:rPr lang="es-ES" sz="2800" b="1" dirty="0"/>
+              <a:t>BIG-DATA</a:t>
+            </a:r>
+          </a:p>
+        </p:txBody>
+      </p:sp>
     </p:spTree>
     <p:extLst>
       <p:ext uri="{BB962C8B-B14F-4D97-AF65-F5344CB8AC3E}">
-        <p14:creationId xmlns:p14="http://schemas.microsoft.com/office/powerpoint/2010/main" val="3904166566"/>
+        <p14:creationId xmlns:p14="http://schemas.microsoft.com/office/powerpoint/2010/main" val="2099754482"/>
       </p:ext>
     </p:extLst>
   </p:cSld>
